--- a/Docs/Presentation.pptx
+++ b/Docs/Presentation.pptx
@@ -5,7 +5,7 @@
     <p:sldMasterId id="2147483648" r:id="rId1"/>
   </p:sldMasterIdLst>
   <p:notesMasterIdLst>
-    <p:notesMasterId r:id="rId9"/>
+    <p:notesMasterId r:id="rId11"/>
   </p:notesMasterIdLst>
   <p:sldIdLst>
     <p:sldId id="256" r:id="rId2"/>
@@ -15,6 +15,8 @@
     <p:sldId id="260" r:id="rId6"/>
     <p:sldId id="261" r:id="rId7"/>
     <p:sldId id="262" r:id="rId8"/>
+    <p:sldId id="263" r:id="rId9"/>
+    <p:sldId id="264" r:id="rId10"/>
   </p:sldIdLst>
   <p:sldSz cx="12192000" cy="6858000"/>
   <p:notesSz cx="6858000" cy="9144000"/>
@@ -239,7 +241,7 @@
           <a:p>
             <a:fld id="{05D31001-4353-44D7-B9FE-795F8DC7CA7D}" type="datetimeFigureOut">
               <a:rPr lang="ru-RU" smtClean="0"/>
-              <a:t>19.03.2025</a:t>
+              <a:t>20.03.2025</a:t>
             </a:fld>
             <a:endParaRPr lang="ru-RU"/>
           </a:p>
@@ -1094,6 +1096,15 @@
             </a:r>
             <a:endParaRPr lang="ru-RU" dirty="0"/>
           </a:p>
+          <a:p>
+            <a:endParaRPr lang="ru-RU" dirty="0"/>
+          </a:p>
+          <a:p>
+            <a:r>
+              <a:rPr lang="ru-RU" dirty="0"/>
+              <a:t>Черниговская (изучить)</a:t>
+            </a:r>
+          </a:p>
         </p:txBody>
       </p:sp>
       <p:sp>
@@ -1123,6 +1134,174 @@
     <p:extLst>
       <p:ext uri="{BB962C8B-B14F-4D97-AF65-F5344CB8AC3E}">
         <p14:creationId xmlns:p14="http://schemas.microsoft.com/office/powerpoint/2010/main" val="2979061282"/>
+      </p:ext>
+    </p:extLst>
+  </p:cSld>
+  <p:clrMapOvr>
+    <a:masterClrMapping/>
+  </p:clrMapOvr>
+</p:notes>
+</file>
+
+<file path=ppt/notesSlides/notesSlide3.xml><?xml version="1.0" encoding="utf-8"?>
+<p:notes xmlns:a="http://schemas.openxmlformats.org/drawingml/2006/main" xmlns:r="http://schemas.openxmlformats.org/officeDocument/2006/relationships" xmlns:p="http://schemas.openxmlformats.org/presentationml/2006/main">
+  <p:cSld>
+    <p:spTree>
+      <p:nvGrpSpPr>
+        <p:cNvPr id="1" name=""/>
+        <p:cNvGrpSpPr/>
+        <p:nvPr/>
+      </p:nvGrpSpPr>
+      <p:grpSpPr>
+        <a:xfrm>
+          <a:off x="0" y="0"/>
+          <a:ext cx="0" cy="0"/>
+          <a:chOff x="0" y="0"/>
+          <a:chExt cx="0" cy="0"/>
+        </a:xfrm>
+      </p:grpSpPr>
+      <p:sp>
+        <p:nvSpPr>
+          <p:cNvPr id="2" name="Образ слайда 1"/>
+          <p:cNvSpPr>
+            <a:spLocks noGrp="1" noRot="1" noChangeAspect="1"/>
+          </p:cNvSpPr>
+          <p:nvPr>
+            <p:ph type="sldImg"/>
+          </p:nvPr>
+        </p:nvSpPr>
+        <p:spPr/>
+      </p:sp>
+      <p:sp>
+        <p:nvSpPr>
+          <p:cNvPr id="3" name="Заметки 2"/>
+          <p:cNvSpPr>
+            <a:spLocks noGrp="1"/>
+          </p:cNvSpPr>
+          <p:nvPr>
+            <p:ph type="body" idx="1"/>
+          </p:nvPr>
+        </p:nvSpPr>
+        <p:spPr/>
+        <p:txBody>
+          <a:bodyPr/>
+          <a:lstStyle/>
+          <a:p>
+            <a:endParaRPr lang="ru-RU" dirty="0"/>
+          </a:p>
+        </p:txBody>
+      </p:sp>
+      <p:sp>
+        <p:nvSpPr>
+          <p:cNvPr id="4" name="Номер слайда 3"/>
+          <p:cNvSpPr>
+            <a:spLocks noGrp="1"/>
+          </p:cNvSpPr>
+          <p:nvPr>
+            <p:ph type="sldNum" sz="quarter" idx="5"/>
+          </p:nvPr>
+        </p:nvSpPr>
+        <p:spPr/>
+        <p:txBody>
+          <a:bodyPr/>
+          <a:lstStyle/>
+          <a:p>
+            <a:fld id="{F81985B3-CC42-460E-B3BD-EBD81321C544}" type="slidenum">
+              <a:rPr lang="ru-RU" smtClean="0"/>
+              <a:t>8</a:t>
+            </a:fld>
+            <a:endParaRPr lang="ru-RU"/>
+          </a:p>
+        </p:txBody>
+      </p:sp>
+    </p:spTree>
+    <p:extLst>
+      <p:ext uri="{BB962C8B-B14F-4D97-AF65-F5344CB8AC3E}">
+        <p14:creationId xmlns:p14="http://schemas.microsoft.com/office/powerpoint/2010/main" val="229807873"/>
+      </p:ext>
+    </p:extLst>
+  </p:cSld>
+  <p:clrMapOvr>
+    <a:masterClrMapping/>
+  </p:clrMapOvr>
+</p:notes>
+</file>
+
+<file path=ppt/notesSlides/notesSlide4.xml><?xml version="1.0" encoding="utf-8"?>
+<p:notes xmlns:a="http://schemas.openxmlformats.org/drawingml/2006/main" xmlns:r="http://schemas.openxmlformats.org/officeDocument/2006/relationships" xmlns:p="http://schemas.openxmlformats.org/presentationml/2006/main">
+  <p:cSld>
+    <p:spTree>
+      <p:nvGrpSpPr>
+        <p:cNvPr id="1" name=""/>
+        <p:cNvGrpSpPr/>
+        <p:nvPr/>
+      </p:nvGrpSpPr>
+      <p:grpSpPr>
+        <a:xfrm>
+          <a:off x="0" y="0"/>
+          <a:ext cx="0" cy="0"/>
+          <a:chOff x="0" y="0"/>
+          <a:chExt cx="0" cy="0"/>
+        </a:xfrm>
+      </p:grpSpPr>
+      <p:sp>
+        <p:nvSpPr>
+          <p:cNvPr id="2" name="Образ слайда 1"/>
+          <p:cNvSpPr>
+            <a:spLocks noGrp="1" noRot="1" noChangeAspect="1"/>
+          </p:cNvSpPr>
+          <p:nvPr>
+            <p:ph type="sldImg"/>
+          </p:nvPr>
+        </p:nvSpPr>
+        <p:spPr/>
+      </p:sp>
+      <p:sp>
+        <p:nvSpPr>
+          <p:cNvPr id="3" name="Заметки 2"/>
+          <p:cNvSpPr>
+            <a:spLocks noGrp="1"/>
+          </p:cNvSpPr>
+          <p:nvPr>
+            <p:ph type="body" idx="1"/>
+          </p:nvPr>
+        </p:nvSpPr>
+        <p:spPr/>
+        <p:txBody>
+          <a:bodyPr/>
+          <a:lstStyle/>
+          <a:p>
+            <a:endParaRPr lang="ru-RU" dirty="0"/>
+          </a:p>
+        </p:txBody>
+      </p:sp>
+      <p:sp>
+        <p:nvSpPr>
+          <p:cNvPr id="4" name="Номер слайда 3"/>
+          <p:cNvSpPr>
+            <a:spLocks noGrp="1"/>
+          </p:cNvSpPr>
+          <p:nvPr>
+            <p:ph type="sldNum" sz="quarter" idx="5"/>
+          </p:nvPr>
+        </p:nvSpPr>
+        <p:spPr/>
+        <p:txBody>
+          <a:bodyPr/>
+          <a:lstStyle/>
+          <a:p>
+            <a:fld id="{F81985B3-CC42-460E-B3BD-EBD81321C544}" type="slidenum">
+              <a:rPr lang="ru-RU" smtClean="0"/>
+              <a:t>9</a:t>
+            </a:fld>
+            <a:endParaRPr lang="ru-RU"/>
+          </a:p>
+        </p:txBody>
+      </p:sp>
+    </p:spTree>
+    <p:extLst>
+      <p:ext uri="{BB962C8B-B14F-4D97-AF65-F5344CB8AC3E}">
+        <p14:creationId xmlns:p14="http://schemas.microsoft.com/office/powerpoint/2010/main" val="1593183081"/>
       </p:ext>
     </p:extLst>
   </p:cSld>
@@ -1279,7 +1458,7 @@
           <a:p>
             <a:fld id="{49B16F87-269C-4B9D-ACFD-A2D4D9F1DCB9}" type="datetimeFigureOut">
               <a:rPr lang="ru-RU" smtClean="0"/>
-              <a:t>19.03.2025</a:t>
+              <a:t>20.03.2025</a:t>
             </a:fld>
             <a:endParaRPr lang="ru-RU"/>
           </a:p>
@@ -1477,7 +1656,7 @@
           <a:p>
             <a:fld id="{49B16F87-269C-4B9D-ACFD-A2D4D9F1DCB9}" type="datetimeFigureOut">
               <a:rPr lang="ru-RU" smtClean="0"/>
-              <a:t>19.03.2025</a:t>
+              <a:t>20.03.2025</a:t>
             </a:fld>
             <a:endParaRPr lang="ru-RU"/>
           </a:p>
@@ -1685,7 +1864,7 @@
           <a:p>
             <a:fld id="{49B16F87-269C-4B9D-ACFD-A2D4D9F1DCB9}" type="datetimeFigureOut">
               <a:rPr lang="ru-RU" smtClean="0"/>
-              <a:t>19.03.2025</a:t>
+              <a:t>20.03.2025</a:t>
             </a:fld>
             <a:endParaRPr lang="ru-RU"/>
           </a:p>
@@ -1883,7 +2062,7 @@
           <a:p>
             <a:fld id="{49B16F87-269C-4B9D-ACFD-A2D4D9F1DCB9}" type="datetimeFigureOut">
               <a:rPr lang="ru-RU" smtClean="0"/>
-              <a:t>19.03.2025</a:t>
+              <a:t>20.03.2025</a:t>
             </a:fld>
             <a:endParaRPr lang="ru-RU"/>
           </a:p>
@@ -2023,7 +2202,7 @@
             <a:spLocks noGrp="1"/>
           </p:cNvSpPr>
           <p:nvPr>
-            <p:ph type="body" idx="1"/>
+            <p:ph type="body" idx="1" hasCustomPrompt="1"/>
           </p:nvPr>
         </p:nvSpPr>
         <p:spPr>
@@ -2129,8 +2308,8 @@
           <a:p>
             <a:pPr lvl="0"/>
             <a:r>
-              <a:rPr lang="ru-RU"/>
-              <a:t>Образец текста</a:t>
+              <a:rPr lang="ru-RU" dirty="0"/>
+              <a:t>Образец текста </a:t>
             </a:r>
           </a:p>
         </p:txBody>
@@ -2158,7 +2337,7 @@
           <a:p>
             <a:fld id="{49B16F87-269C-4B9D-ACFD-A2D4D9F1DCB9}" type="datetimeFigureOut">
               <a:rPr lang="ru-RU" smtClean="0"/>
-              <a:t>19.03.2025</a:t>
+              <a:t>20.03.2025</a:t>
             </a:fld>
             <a:endParaRPr lang="ru-RU"/>
           </a:p>
@@ -2423,7 +2602,7 @@
           <a:p>
             <a:fld id="{49B16F87-269C-4B9D-ACFD-A2D4D9F1DCB9}" type="datetimeFigureOut">
               <a:rPr lang="ru-RU" smtClean="0"/>
-              <a:t>19.03.2025</a:t>
+              <a:t>20.03.2025</a:t>
             </a:fld>
             <a:endParaRPr lang="ru-RU"/>
           </a:p>
@@ -2835,7 +3014,7 @@
           <a:p>
             <a:fld id="{49B16F87-269C-4B9D-ACFD-A2D4D9F1DCB9}" type="datetimeFigureOut">
               <a:rPr lang="ru-RU" smtClean="0"/>
-              <a:t>19.03.2025</a:t>
+              <a:t>20.03.2025</a:t>
             </a:fld>
             <a:endParaRPr lang="ru-RU"/>
           </a:p>
@@ -2976,7 +3155,7 @@
           <a:p>
             <a:fld id="{49B16F87-269C-4B9D-ACFD-A2D4D9F1DCB9}" type="datetimeFigureOut">
               <a:rPr lang="ru-RU" smtClean="0"/>
-              <a:t>19.03.2025</a:t>
+              <a:t>20.03.2025</a:t>
             </a:fld>
             <a:endParaRPr lang="ru-RU"/>
           </a:p>
@@ -3089,7 +3268,7 @@
           <a:p>
             <a:fld id="{49B16F87-269C-4B9D-ACFD-A2D4D9F1DCB9}" type="datetimeFigureOut">
               <a:rPr lang="ru-RU" smtClean="0"/>
-              <a:t>19.03.2025</a:t>
+              <a:t>20.03.2025</a:t>
             </a:fld>
             <a:endParaRPr lang="ru-RU"/>
           </a:p>
@@ -3159,6 +3338,22 @@
   <p:clrMapOvr>
     <a:masterClrMapping/>
   </p:clrMapOvr>
+  <p:extLst>
+    <p:ext uri="{DCECCB84-F9BA-43D5-87BE-67443E8EF086}">
+      <p15:sldGuideLst xmlns:p15="http://schemas.microsoft.com/office/powerpoint/2012/main">
+        <p15:guide id="1" orient="horz" pos="2160" userDrawn="1">
+          <p15:clr>
+            <a:srgbClr val="FBAE40"/>
+          </p15:clr>
+        </p15:guide>
+        <p15:guide id="2" pos="3840" userDrawn="1">
+          <p15:clr>
+            <a:srgbClr val="FBAE40"/>
+          </p15:clr>
+        </p15:guide>
+      </p15:sldGuideLst>
+    </p:ext>
+  </p:extLst>
 </p:sldLayout>
 </file>
 
@@ -3400,7 +3595,7 @@
           <a:p>
             <a:fld id="{49B16F87-269C-4B9D-ACFD-A2D4D9F1DCB9}" type="datetimeFigureOut">
               <a:rPr lang="ru-RU" smtClean="0"/>
-              <a:t>19.03.2025</a:t>
+              <a:t>20.03.2025</a:t>
             </a:fld>
             <a:endParaRPr lang="ru-RU"/>
           </a:p>
@@ -3688,7 +3883,7 @@
           <a:p>
             <a:fld id="{49B16F87-269C-4B9D-ACFD-A2D4D9F1DCB9}" type="datetimeFigureOut">
               <a:rPr lang="ru-RU" smtClean="0"/>
-              <a:t>19.03.2025</a:t>
+              <a:t>20.03.2025</a:t>
             </a:fld>
             <a:endParaRPr lang="ru-RU"/>
           </a:p>
@@ -3929,7 +4124,7 @@
           <a:p>
             <a:fld id="{49B16F87-269C-4B9D-ACFD-A2D4D9F1DCB9}" type="datetimeFigureOut">
               <a:rPr lang="ru-RU" smtClean="0"/>
-              <a:t>19.03.2025</a:t>
+              <a:t>20.03.2025</a:t>
             </a:fld>
             <a:endParaRPr lang="ru-RU"/>
           </a:p>
@@ -4326,6 +4521,22 @@
       </a:lvl9pPr>
     </p:otherStyle>
   </p:txStyles>
+  <p:extLst>
+    <p:ext uri="{27BBF7A9-308A-43DC-89C8-2F10F3537804}">
+      <p15:sldGuideLst xmlns:p15="http://schemas.microsoft.com/office/powerpoint/2012/main">
+        <p15:guide id="1" orient="horz" pos="2160" userDrawn="1">
+          <p15:clr>
+            <a:srgbClr val="F26B43"/>
+          </p15:clr>
+        </p15:guide>
+        <p15:guide id="2" pos="3840" userDrawn="1">
+          <p15:clr>
+            <a:srgbClr val="F26B43"/>
+          </p15:clr>
+        </p15:guide>
+      </p15:sldGuideLst>
+    </p:ext>
+  </p:extLst>
 </p:sldMaster>
 </file>
 
@@ -4524,8 +4735,8 @@
         </p:nvSpPr>
         <p:spPr>
           <a:xfrm>
-            <a:off x="5083543" y="2008094"/>
-            <a:ext cx="2169184" cy="707886"/>
+            <a:off x="4961074" y="2008094"/>
+            <a:ext cx="2414123" cy="707886"/>
           </a:xfrm>
           <a:prstGeom prst="rect">
             <a:avLst/>
@@ -4541,7 +4752,7 @@
             <a:pPr algn="ctr"/>
             <a:r>
               <a:rPr lang="ru-RU" sz="4000" b="1" dirty="0" err="1"/>
-              <a:t>Брейнор</a:t>
+              <a:t>Брейнрот</a:t>
             </a:r>
             <a:endParaRPr lang="ru-RU" sz="4000" b="1" dirty="0"/>
           </a:p>
@@ -5298,10 +5509,262 @@
           <a:p>
             <a:pPr algn="ctr"/>
             <a:r>
-              <a:rPr lang="ru-RU" sz="4000" b="1"/>
+              <a:rPr lang="ru-RU" sz="4000" b="1" dirty="0"/>
               <a:t>Суть решения</a:t>
             </a:r>
-            <a:endParaRPr lang="ru-RU" sz="4000" b="1" dirty="0"/>
+          </a:p>
+        </p:txBody>
+      </p:sp>
+      <p:sp>
+        <p:nvSpPr>
+          <p:cNvPr id="3" name="TextBox 2">
+            <a:extLst>
+              <a:ext uri="{FF2B5EF4-FFF2-40B4-BE49-F238E27FC236}">
+                <a16:creationId xmlns:a16="http://schemas.microsoft.com/office/drawing/2014/main" id="{F0CFF184-1775-3599-474F-B4089ED852A5}"/>
+              </a:ext>
+            </a:extLst>
+          </p:cNvPr>
+          <p:cNvSpPr txBox="1"/>
+          <p:nvPr/>
+        </p:nvSpPr>
+        <p:spPr>
+          <a:xfrm>
+            <a:off x="368300" y="1657703"/>
+            <a:ext cx="5688012" cy="830997"/>
+          </a:xfrm>
+          <a:prstGeom prst="rect">
+            <a:avLst/>
+          </a:prstGeom>
+          <a:noFill/>
+        </p:spPr>
+        <p:txBody>
+          <a:bodyPr wrap="square" rtlCol="0">
+            <a:spAutoFit/>
+          </a:bodyPr>
+          <a:lstStyle/>
+          <a:p>
+            <a:r>
+              <a:rPr lang="ru-RU" sz="2400" b="1" dirty="0"/>
+              <a:t>Заметки и календарь всегда под рукой!</a:t>
+            </a:r>
+          </a:p>
+          <a:p>
+            <a:endParaRPr lang="ru-RU" sz="2400" b="1" dirty="0"/>
+          </a:p>
+        </p:txBody>
+      </p:sp>
+      <p:pic>
+        <p:nvPicPr>
+          <p:cNvPr id="4" name="Picture 6" descr="Новости — Microsoft начала тестировать виджеты на рабочем столе Windows 11">
+            <a:extLst>
+              <a:ext uri="{FF2B5EF4-FFF2-40B4-BE49-F238E27FC236}">
+                <a16:creationId xmlns:a16="http://schemas.microsoft.com/office/drawing/2014/main" id="{47CEEF5F-58DE-C280-7E98-E8AF4663850E}"/>
+              </a:ext>
+            </a:extLst>
+          </p:cNvPr>
+          <p:cNvPicPr>
+            <a:picLocks noChangeAspect="1" noChangeArrowheads="1"/>
+          </p:cNvPicPr>
+          <p:nvPr/>
+        </p:nvPicPr>
+        <p:blipFill rotWithShape="1">
+          <a:blip r:embed="rId2">
+            <a:extLst>
+              <a:ext uri="{28A0092B-C50C-407E-A947-70E740481C1C}">
+                <a14:useLocalDpi xmlns:a14="http://schemas.microsoft.com/office/drawing/2010/main" val="0"/>
+              </a:ext>
+            </a:extLst>
+          </a:blip>
+          <a:srcRect l="24865" t="43910" r="25135" b="6090"/>
+          <a:stretch/>
+        </p:blipFill>
+        <p:spPr bwMode="auto">
+          <a:xfrm>
+            <a:off x="5688013" y="3095625"/>
+            <a:ext cx="6096000" cy="3429000"/>
+          </a:xfrm>
+          <a:prstGeom prst="rect">
+            <a:avLst/>
+          </a:prstGeom>
+          <a:noFill/>
+          <a:extLst>
+            <a:ext uri="{909E8E84-426E-40DD-AFC4-6F175D3DCCD1}">
+              <a14:hiddenFill xmlns:a14="http://schemas.microsoft.com/office/drawing/2010/main">
+                <a:solidFill>
+                  <a:srgbClr val="FFFFFF"/>
+                </a:solidFill>
+              </a14:hiddenFill>
+            </a:ext>
+          </a:extLst>
+        </p:spPr>
+      </p:pic>
+      <p:pic>
+        <p:nvPicPr>
+          <p:cNvPr id="5" name="Picture 4" descr="Набор милых мультфильмов сиамских кошек в различных позах">
+            <a:extLst>
+              <a:ext uri="{FF2B5EF4-FFF2-40B4-BE49-F238E27FC236}">
+                <a16:creationId xmlns:a16="http://schemas.microsoft.com/office/drawing/2014/main" id="{A3B83362-7C65-069E-A80C-F926DBEDD29C}"/>
+              </a:ext>
+            </a:extLst>
+          </p:cNvPr>
+          <p:cNvPicPr>
+            <a:picLocks noChangeAspect="1" noChangeArrowheads="1"/>
+          </p:cNvPicPr>
+          <p:nvPr/>
+        </p:nvPicPr>
+        <p:blipFill rotWithShape="1">
+          <a:blip r:embed="rId3">
+            <a:extLst>
+              <a:ext uri="{BEBA8EAE-BF5A-486C-A8C5-ECC9F3942E4B}">
+                <a14:imgProps xmlns:a14="http://schemas.microsoft.com/office/drawing/2010/main">
+                  <a14:imgLayer r:embed="rId4">
+                    <a14:imgEffect>
+                      <a14:backgroundRemoval t="66454" b="82748" l="58946" r="91374">
+                        <a14:foregroundMark x1="63259" y1="69489" x2="64696" y2="70128"/>
+                        <a14:foregroundMark x1="60863" y1="70128" x2="60863" y2="71725"/>
+                        <a14:foregroundMark x1="58946" y1="71086" x2="58946" y2="72045"/>
+                        <a14:foregroundMark x1="71725" y1="82588" x2="71725" y2="82588"/>
+                        <a14:foregroundMark x1="74441" y1="82428" x2="74441" y2="82428"/>
+                        <a14:foregroundMark x1="78754" y1="82748" x2="78754" y2="82748"/>
+                        <a14:foregroundMark x1="90096" y1="78754" x2="90096" y2="78754"/>
+                        <a14:foregroundMark x1="91374" y1="78275" x2="91374" y2="78275"/>
+                        <a14:foregroundMark x1="64537" y1="66454" x2="64537" y2="66454"/>
+                      </a14:backgroundRemoval>
+                    </a14:imgEffect>
+                  </a14:imgLayer>
+                </a14:imgProps>
+              </a:ext>
+              <a:ext uri="{28A0092B-C50C-407E-A947-70E740481C1C}">
+                <a14:useLocalDpi xmlns:a14="http://schemas.microsoft.com/office/drawing/2010/main" val="0"/>
+              </a:ext>
+            </a:extLst>
+          </a:blip>
+          <a:srcRect l="56563" t="64653" r="6756" b="15287"/>
+          <a:stretch/>
+        </p:blipFill>
+        <p:spPr bwMode="auto">
+          <a:xfrm>
+            <a:off x="8441960" y="4440760"/>
+            <a:ext cx="3105215" cy="1698137"/>
+          </a:xfrm>
+          <a:prstGeom prst="rect">
+            <a:avLst/>
+          </a:prstGeom>
+          <a:noFill/>
+          <a:extLst>
+            <a:ext uri="{909E8E84-426E-40DD-AFC4-6F175D3DCCD1}">
+              <a14:hiddenFill xmlns:a14="http://schemas.microsoft.com/office/drawing/2010/main">
+                <a:solidFill>
+                  <a:srgbClr val="FFFFFF"/>
+                </a:solidFill>
+              </a14:hiddenFill>
+            </a:ext>
+          </a:extLst>
+        </p:spPr>
+      </p:pic>
+      <p:sp>
+        <p:nvSpPr>
+          <p:cNvPr id="6" name="Облачко с текстом: прямоугольное 5">
+            <a:extLst>
+              <a:ext uri="{FF2B5EF4-FFF2-40B4-BE49-F238E27FC236}">
+                <a16:creationId xmlns:a16="http://schemas.microsoft.com/office/drawing/2014/main" id="{C110B027-0CF9-C68B-34AA-24714DFCD806}"/>
+              </a:ext>
+            </a:extLst>
+          </p:cNvPr>
+          <p:cNvSpPr/>
+          <p:nvPr/>
+        </p:nvSpPr>
+        <p:spPr>
+          <a:xfrm>
+            <a:off x="6135689" y="3505200"/>
+            <a:ext cx="2476500" cy="1029730"/>
+          </a:xfrm>
+          <a:prstGeom prst="wedgeRectCallout">
+            <a:avLst>
+              <a:gd name="adj1" fmla="val 45389"/>
+              <a:gd name="adj2" fmla="val 84148"/>
+            </a:avLst>
+          </a:prstGeom>
+          <a:solidFill>
+            <a:schemeClr val="bg1"/>
+          </a:solidFill>
+          <a:ln w="9525">
+            <a:solidFill>
+              <a:srgbClr val="FFFFFF"/>
+            </a:solidFill>
+          </a:ln>
+        </p:spPr>
+        <p:style>
+          <a:lnRef idx="2">
+            <a:schemeClr val="accent1">
+              <a:shade val="15000"/>
+            </a:schemeClr>
+          </a:lnRef>
+          <a:fillRef idx="1">
+            <a:schemeClr val="accent1"/>
+          </a:fillRef>
+          <a:effectRef idx="0">
+            <a:schemeClr val="accent1"/>
+          </a:effectRef>
+          <a:fontRef idx="minor">
+            <a:schemeClr val="lt1"/>
+          </a:fontRef>
+        </p:style>
+        <p:txBody>
+          <a:bodyPr rtlCol="0" anchor="ctr"/>
+          <a:lstStyle/>
+          <a:p>
+            <a:pPr marL="0" algn="ctr" rtl="0" eaLnBrk="1" latinLnBrk="0" hangingPunct="1"/>
+            <a:r>
+              <a:rPr lang="ru-RU" sz="1800" kern="1200" dirty="0">
+                <a:solidFill>
+                  <a:srgbClr val="000000"/>
+                </a:solidFill>
+                <a:effectLst/>
+                <a:latin typeface="Times New Roman" panose="02020603050405020304" pitchFamily="18" charset="0"/>
+                <a:ea typeface="+mn-ea"/>
+                <a:cs typeface="+mn-cs"/>
+              </a:rPr>
+              <a:t>Напомню тебе о твоих делах и помогу запланировать новые</a:t>
+            </a:r>
+            <a:endParaRPr lang="ru-RU" dirty="0">
+              <a:effectLst/>
+            </a:endParaRPr>
+          </a:p>
+        </p:txBody>
+      </p:sp>
+      <p:sp>
+        <p:nvSpPr>
+          <p:cNvPr id="8" name="TextBox 7">
+            <a:extLst>
+              <a:ext uri="{FF2B5EF4-FFF2-40B4-BE49-F238E27FC236}">
+                <a16:creationId xmlns:a16="http://schemas.microsoft.com/office/drawing/2014/main" id="{AFA9FA77-82A2-DCFE-5E57-FF1177A70DC5}"/>
+              </a:ext>
+            </a:extLst>
+          </p:cNvPr>
+          <p:cNvSpPr txBox="1"/>
+          <p:nvPr/>
+        </p:nvSpPr>
+        <p:spPr>
+          <a:xfrm>
+            <a:off x="407988" y="2644170"/>
+            <a:ext cx="5197284" cy="1569660"/>
+          </a:xfrm>
+          <a:prstGeom prst="rect">
+            <a:avLst/>
+          </a:prstGeom>
+          <a:noFill/>
+        </p:spPr>
+        <p:txBody>
+          <a:bodyPr wrap="square">
+            <a:spAutoFit/>
+          </a:bodyPr>
+          <a:lstStyle/>
+          <a:p>
+            <a:r>
+              <a:rPr lang="ru-RU" sz="2400" dirty="0"/>
+              <a:t>Интерактивный маскот, находящийся на рабочем столе компьютера может выполнять функции помощника, заметок и планера</a:t>
+            </a:r>
           </a:p>
         </p:txBody>
       </p:sp>
@@ -5309,6 +5772,339 @@
     <p:extLst>
       <p:ext uri="{BB962C8B-B14F-4D97-AF65-F5344CB8AC3E}">
         <p14:creationId xmlns:p14="http://schemas.microsoft.com/office/powerpoint/2010/main" val="522681460"/>
+      </p:ext>
+    </p:extLst>
+  </p:cSld>
+  <p:clrMapOvr>
+    <a:masterClrMapping/>
+  </p:clrMapOvr>
+</p:sld>
+</file>
+
+<file path=ppt/slides/slide8.xml><?xml version="1.0" encoding="utf-8"?>
+<p:sld xmlns:a="http://schemas.openxmlformats.org/drawingml/2006/main" xmlns:r="http://schemas.openxmlformats.org/officeDocument/2006/relationships" xmlns:p="http://schemas.openxmlformats.org/presentationml/2006/main">
+  <p:cSld>
+    <p:spTree>
+      <p:nvGrpSpPr>
+        <p:cNvPr id="1" name=""/>
+        <p:cNvGrpSpPr/>
+        <p:nvPr/>
+      </p:nvGrpSpPr>
+      <p:grpSpPr>
+        <a:xfrm>
+          <a:off x="0" y="0"/>
+          <a:ext cx="0" cy="0"/>
+          <a:chOff x="0" y="0"/>
+          <a:chExt cx="0" cy="0"/>
+        </a:xfrm>
+      </p:grpSpPr>
+      <p:pic>
+        <p:nvPicPr>
+          <p:cNvPr id="2" name="Picture 6" descr="Новости — Microsoft начала тестировать виджеты на рабочем столе Windows 11">
+            <a:extLst>
+              <a:ext uri="{FF2B5EF4-FFF2-40B4-BE49-F238E27FC236}">
+                <a16:creationId xmlns:a16="http://schemas.microsoft.com/office/drawing/2014/main" id="{606BF8B7-7136-BDB4-BC14-0810C1B11A71}"/>
+              </a:ext>
+            </a:extLst>
+          </p:cNvPr>
+          <p:cNvPicPr>
+            <a:picLocks noChangeAspect="1" noChangeArrowheads="1"/>
+          </p:cNvPicPr>
+          <p:nvPr/>
+        </p:nvPicPr>
+        <p:blipFill rotWithShape="1">
+          <a:blip r:embed="rId3">
+            <a:extLst>
+              <a:ext uri="{28A0092B-C50C-407E-A947-70E740481C1C}">
+                <a14:useLocalDpi xmlns:a14="http://schemas.microsoft.com/office/drawing/2010/main" val="0"/>
+              </a:ext>
+            </a:extLst>
+          </a:blip>
+          <a:srcRect l="4911" t="6372" r="48664" b="6089"/>
+          <a:stretch/>
+        </p:blipFill>
+        <p:spPr bwMode="auto">
+          <a:xfrm>
+            <a:off x="407988" y="1125538"/>
+            <a:ext cx="5090362" cy="5399087"/>
+          </a:xfrm>
+          <a:prstGeom prst="rect">
+            <a:avLst/>
+          </a:prstGeom>
+          <a:noFill/>
+          <a:extLst>
+            <a:ext uri="{909E8E84-426E-40DD-AFC4-6F175D3DCCD1}">
+              <a14:hiddenFill xmlns:a14="http://schemas.microsoft.com/office/drawing/2010/main">
+                <a:solidFill>
+                  <a:srgbClr val="FFFFFF"/>
+                </a:solidFill>
+              </a14:hiddenFill>
+            </a:ext>
+          </a:extLst>
+        </p:spPr>
+      </p:pic>
+      <p:sp>
+        <p:nvSpPr>
+          <p:cNvPr id="4" name="TextBox 3">
+            <a:extLst>
+              <a:ext uri="{FF2B5EF4-FFF2-40B4-BE49-F238E27FC236}">
+                <a16:creationId xmlns:a16="http://schemas.microsoft.com/office/drawing/2014/main" id="{B7D16C60-511A-3764-FCC5-0DCBD24A7117}"/>
+              </a:ext>
+            </a:extLst>
+          </p:cNvPr>
+          <p:cNvSpPr txBox="1"/>
+          <p:nvPr/>
+        </p:nvSpPr>
+        <p:spPr>
+          <a:xfrm>
+            <a:off x="407988" y="417652"/>
+            <a:ext cx="11376024" cy="707886"/>
+          </a:xfrm>
+          <a:prstGeom prst="rect">
+            <a:avLst/>
+          </a:prstGeom>
+          <a:noFill/>
+        </p:spPr>
+        <p:txBody>
+          <a:bodyPr wrap="square" rtlCol="0">
+            <a:spAutoFit/>
+          </a:bodyPr>
+          <a:lstStyle/>
+          <a:p>
+            <a:pPr algn="ctr"/>
+            <a:r>
+              <a:rPr lang="ru-RU" sz="4000" b="1" dirty="0"/>
+              <a:t>Суть решения</a:t>
+            </a:r>
+          </a:p>
+        </p:txBody>
+      </p:sp>
+      <p:pic>
+        <p:nvPicPr>
+          <p:cNvPr id="1026" name="Picture 2">
+            <a:extLst>
+              <a:ext uri="{FF2B5EF4-FFF2-40B4-BE49-F238E27FC236}">
+                <a16:creationId xmlns:a16="http://schemas.microsoft.com/office/drawing/2014/main" id="{F2F22730-1F06-4886-8937-CFBC3434F1CA}"/>
+              </a:ext>
+            </a:extLst>
+          </p:cNvPr>
+          <p:cNvPicPr>
+            <a:picLocks noChangeAspect="1" noChangeArrowheads="1"/>
+          </p:cNvPicPr>
+          <p:nvPr/>
+        </p:nvPicPr>
+        <p:blipFill>
+          <a:blip r:embed="rId4">
+            <a:extLst>
+              <a:ext uri="{28A0092B-C50C-407E-A947-70E740481C1C}">
+                <a14:useLocalDpi xmlns:a14="http://schemas.microsoft.com/office/drawing/2010/main" val="0"/>
+              </a:ext>
+            </a:extLst>
+          </a:blip>
+          <a:srcRect/>
+          <a:stretch>
+            <a:fillRect/>
+          </a:stretch>
+        </p:blipFill>
+        <p:spPr bwMode="auto">
+          <a:xfrm>
+            <a:off x="1057085" y="1769364"/>
+            <a:ext cx="2085975" cy="4343400"/>
+          </a:xfrm>
+          <a:prstGeom prst="rect">
+            <a:avLst/>
+          </a:prstGeom>
+          <a:noFill/>
+          <a:extLst>
+            <a:ext uri="{909E8E84-426E-40DD-AFC4-6F175D3DCCD1}">
+              <a14:hiddenFill xmlns:a14="http://schemas.microsoft.com/office/drawing/2010/main">
+                <a:solidFill>
+                  <a:srgbClr val="FFFFFF"/>
+                </a:solidFill>
+              </a14:hiddenFill>
+            </a:ext>
+          </a:extLst>
+        </p:spPr>
+      </p:pic>
+      <p:sp>
+        <p:nvSpPr>
+          <p:cNvPr id="5" name="Облачко с текстом: прямоугольное 4">
+            <a:extLst>
+              <a:ext uri="{FF2B5EF4-FFF2-40B4-BE49-F238E27FC236}">
+                <a16:creationId xmlns:a16="http://schemas.microsoft.com/office/drawing/2014/main" id="{FA3683EB-3B89-45CD-D0D3-DE0F37D2FB45}"/>
+              </a:ext>
+            </a:extLst>
+          </p:cNvPr>
+          <p:cNvSpPr/>
+          <p:nvPr/>
+        </p:nvSpPr>
+        <p:spPr>
+          <a:xfrm>
+            <a:off x="2807273" y="1456944"/>
+            <a:ext cx="2476500" cy="1029730"/>
+          </a:xfrm>
+          <a:prstGeom prst="wedgeRectCallout">
+            <a:avLst>
+              <a:gd name="adj1" fmla="val -37319"/>
+              <a:gd name="adj2" fmla="val 67276"/>
+            </a:avLst>
+          </a:prstGeom>
+          <a:solidFill>
+            <a:schemeClr val="bg1"/>
+          </a:solidFill>
+          <a:ln w="9525">
+            <a:solidFill>
+              <a:srgbClr val="FFFFFF"/>
+            </a:solidFill>
+          </a:ln>
+        </p:spPr>
+        <p:style>
+          <a:lnRef idx="2">
+            <a:schemeClr val="accent1">
+              <a:shade val="15000"/>
+            </a:schemeClr>
+          </a:lnRef>
+          <a:fillRef idx="1">
+            <a:schemeClr val="accent1"/>
+          </a:fillRef>
+          <a:effectRef idx="0">
+            <a:schemeClr val="accent1"/>
+          </a:effectRef>
+          <a:fontRef idx="minor">
+            <a:schemeClr val="lt1"/>
+          </a:fontRef>
+        </p:style>
+        <p:txBody>
+          <a:bodyPr rtlCol="0" anchor="ctr"/>
+          <a:lstStyle/>
+          <a:p>
+            <a:pPr marL="0" algn="ctr" rtl="0" eaLnBrk="1" latinLnBrk="0" hangingPunct="1"/>
+            <a:r>
+              <a:rPr lang="ru-RU" dirty="0">
+                <a:solidFill>
+                  <a:schemeClr val="tx1"/>
+                </a:solidFill>
+                <a:effectLst/>
+              </a:rPr>
+              <a:t>Могу принять форму твоего любимого персонажа!</a:t>
+            </a:r>
+          </a:p>
+        </p:txBody>
+      </p:sp>
+      <p:sp>
+        <p:nvSpPr>
+          <p:cNvPr id="6" name="TextBox 5">
+            <a:extLst>
+              <a:ext uri="{FF2B5EF4-FFF2-40B4-BE49-F238E27FC236}">
+                <a16:creationId xmlns:a16="http://schemas.microsoft.com/office/drawing/2014/main" id="{25AEB3ED-B576-D960-B395-64893179ECC4}"/>
+              </a:ext>
+            </a:extLst>
+          </p:cNvPr>
+          <p:cNvSpPr txBox="1"/>
+          <p:nvPr/>
+        </p:nvSpPr>
+        <p:spPr>
+          <a:xfrm>
+            <a:off x="6096000" y="1456944"/>
+            <a:ext cx="5688012" cy="2308324"/>
+          </a:xfrm>
+          <a:prstGeom prst="rect">
+            <a:avLst/>
+          </a:prstGeom>
+          <a:noFill/>
+        </p:spPr>
+        <p:txBody>
+          <a:bodyPr wrap="square" rtlCol="0">
+            <a:spAutoFit/>
+          </a:bodyPr>
+          <a:lstStyle/>
+          <a:p>
+            <a:r>
+              <a:rPr lang="ru-RU" sz="2400" b="1" dirty="0"/>
+              <a:t>Кастомизируйте вашего ассистента!</a:t>
+            </a:r>
+          </a:p>
+          <a:p>
+            <a:endParaRPr lang="ru-RU" sz="2400" dirty="0"/>
+          </a:p>
+          <a:p>
+            <a:r>
+              <a:rPr lang="ru-RU" sz="2400" dirty="0"/>
+              <a:t>Гибкая настройка внешнего вида позволяет использовать вашего любимого персонажа или персонажа приятного вашему глазу.</a:t>
+            </a:r>
+          </a:p>
+        </p:txBody>
+      </p:sp>
+    </p:spTree>
+    <p:extLst>
+      <p:ext uri="{BB962C8B-B14F-4D97-AF65-F5344CB8AC3E}">
+        <p14:creationId xmlns:p14="http://schemas.microsoft.com/office/powerpoint/2010/main" val="3076709930"/>
+      </p:ext>
+    </p:extLst>
+  </p:cSld>
+  <p:clrMapOvr>
+    <a:masterClrMapping/>
+  </p:clrMapOvr>
+</p:sld>
+</file>
+
+<file path=ppt/slides/slide9.xml><?xml version="1.0" encoding="utf-8"?>
+<p:sld xmlns:a="http://schemas.openxmlformats.org/drawingml/2006/main" xmlns:r="http://schemas.openxmlformats.org/officeDocument/2006/relationships" xmlns:p="http://schemas.openxmlformats.org/presentationml/2006/main">
+  <p:cSld>
+    <p:spTree>
+      <p:nvGrpSpPr>
+        <p:cNvPr id="1" name=""/>
+        <p:cNvGrpSpPr/>
+        <p:nvPr/>
+      </p:nvGrpSpPr>
+      <p:grpSpPr>
+        <a:xfrm>
+          <a:off x="0" y="0"/>
+          <a:ext cx="0" cy="0"/>
+          <a:chOff x="0" y="0"/>
+          <a:chExt cx="0" cy="0"/>
+        </a:xfrm>
+      </p:grpSpPr>
+      <p:sp>
+        <p:nvSpPr>
+          <p:cNvPr id="2" name="TextBox 1">
+            <a:extLst>
+              <a:ext uri="{FF2B5EF4-FFF2-40B4-BE49-F238E27FC236}">
+                <a16:creationId xmlns:a16="http://schemas.microsoft.com/office/drawing/2014/main" id="{1836D4BE-5DEE-1412-17F4-A0ECDFB11D6B}"/>
+              </a:ext>
+            </a:extLst>
+          </p:cNvPr>
+          <p:cNvSpPr txBox="1"/>
+          <p:nvPr/>
+        </p:nvSpPr>
+        <p:spPr>
+          <a:xfrm>
+            <a:off x="407988" y="417652"/>
+            <a:ext cx="11376024" cy="707886"/>
+          </a:xfrm>
+          <a:prstGeom prst="rect">
+            <a:avLst/>
+          </a:prstGeom>
+          <a:noFill/>
+        </p:spPr>
+        <p:txBody>
+          <a:bodyPr wrap="square" rtlCol="0">
+            <a:spAutoFit/>
+          </a:bodyPr>
+          <a:lstStyle/>
+          <a:p>
+            <a:pPr algn="ctr"/>
+            <a:r>
+              <a:rPr lang="ru-RU" sz="4000" b="1" dirty="0"/>
+              <a:t>Суть решения</a:t>
+            </a:r>
+          </a:p>
+        </p:txBody>
+      </p:sp>
+    </p:spTree>
+    <p:extLst>
+      <p:ext uri="{BB962C8B-B14F-4D97-AF65-F5344CB8AC3E}">
+        <p14:creationId xmlns:p14="http://schemas.microsoft.com/office/powerpoint/2010/main" val="3866194944"/>
       </p:ext>
     </p:extLst>
   </p:cSld>

--- a/Docs/Presentation.pptx
+++ b/Docs/Presentation.pptx
@@ -5,18 +5,21 @@
     <p:sldMasterId id="2147483648" r:id="rId1"/>
   </p:sldMasterIdLst>
   <p:notesMasterIdLst>
-    <p:notesMasterId r:id="rId11"/>
+    <p:notesMasterId r:id="rId14"/>
   </p:notesMasterIdLst>
   <p:sldIdLst>
     <p:sldId id="256" r:id="rId2"/>
     <p:sldId id="257" r:id="rId3"/>
     <p:sldId id="258" r:id="rId4"/>
-    <p:sldId id="259" r:id="rId5"/>
-    <p:sldId id="260" r:id="rId6"/>
-    <p:sldId id="261" r:id="rId7"/>
-    <p:sldId id="262" r:id="rId8"/>
-    <p:sldId id="263" r:id="rId9"/>
-    <p:sldId id="264" r:id="rId10"/>
+    <p:sldId id="265" r:id="rId5"/>
+    <p:sldId id="266" r:id="rId6"/>
+    <p:sldId id="260" r:id="rId7"/>
+    <p:sldId id="263" r:id="rId8"/>
+    <p:sldId id="262" r:id="rId9"/>
+    <p:sldId id="267" r:id="rId10"/>
+    <p:sldId id="268" r:id="rId11"/>
+    <p:sldId id="269" r:id="rId12"/>
+    <p:sldId id="270" r:id="rId13"/>
   </p:sldIdLst>
   <p:sldSz cx="12192000" cy="6858000"/>
   <p:notesSz cx="6858000" cy="9144000"/>
@@ -153,6 +156,16 @@
             <a:srgbClr val="A4A3A4"/>
           </p15:clr>
         </p15:guide>
+        <p15:guide id="8" pos="3727" userDrawn="1">
+          <p15:clr>
+            <a:srgbClr val="A4A3A4"/>
+          </p15:clr>
+        </p15:guide>
+        <p15:guide id="9" pos="3953" userDrawn="1">
+          <p15:clr>
+            <a:srgbClr val="A4A3A4"/>
+          </p15:clr>
+        </p15:guide>
       </p15:sldGuideLst>
     </p:ext>
   </p:extLst>
@@ -241,7 +254,7 @@
           <a:p>
             <a:fld id="{05D31001-4353-44D7-B9FE-795F8DC7CA7D}" type="datetimeFigureOut">
               <a:rPr lang="ru-RU" smtClean="0"/>
-              <a:t>20.03.2025</a:t>
+              <a:t>24.03.2025</a:t>
             </a:fld>
             <a:endParaRPr lang="ru-RU"/>
           </a:p>
@@ -1208,7 +1221,7 @@
           <a:p>
             <a:fld id="{F81985B3-CC42-460E-B3BD-EBD81321C544}" type="slidenum">
               <a:rPr lang="ru-RU" smtClean="0"/>
-              <a:t>8</a:t>
+              <a:t>4</a:t>
             </a:fld>
             <a:endParaRPr lang="ru-RU"/>
           </a:p>
@@ -1217,7 +1230,7 @@
     </p:spTree>
     <p:extLst>
       <p:ext uri="{BB962C8B-B14F-4D97-AF65-F5344CB8AC3E}">
-        <p14:creationId xmlns:p14="http://schemas.microsoft.com/office/powerpoint/2010/main" val="229807873"/>
+        <p14:creationId xmlns:p14="http://schemas.microsoft.com/office/powerpoint/2010/main" val="153063859"/>
       </p:ext>
     </p:extLst>
   </p:cSld>
@@ -1292,7 +1305,7 @@
           <a:p>
             <a:fld id="{F81985B3-CC42-460E-B3BD-EBD81321C544}" type="slidenum">
               <a:rPr lang="ru-RU" smtClean="0"/>
-              <a:t>9</a:t>
+              <a:t>5</a:t>
             </a:fld>
             <a:endParaRPr lang="ru-RU"/>
           </a:p>
@@ -1301,7 +1314,91 @@
     </p:spTree>
     <p:extLst>
       <p:ext uri="{BB962C8B-B14F-4D97-AF65-F5344CB8AC3E}">
-        <p14:creationId xmlns:p14="http://schemas.microsoft.com/office/powerpoint/2010/main" val="1593183081"/>
+        <p14:creationId xmlns:p14="http://schemas.microsoft.com/office/powerpoint/2010/main" val="2216547191"/>
+      </p:ext>
+    </p:extLst>
+  </p:cSld>
+  <p:clrMapOvr>
+    <a:masterClrMapping/>
+  </p:clrMapOvr>
+</p:notes>
+</file>
+
+<file path=ppt/notesSlides/notesSlide5.xml><?xml version="1.0" encoding="utf-8"?>
+<p:notes xmlns:a="http://schemas.openxmlformats.org/drawingml/2006/main" xmlns:r="http://schemas.openxmlformats.org/officeDocument/2006/relationships" xmlns:p="http://schemas.openxmlformats.org/presentationml/2006/main">
+  <p:cSld>
+    <p:spTree>
+      <p:nvGrpSpPr>
+        <p:cNvPr id="1" name=""/>
+        <p:cNvGrpSpPr/>
+        <p:nvPr/>
+      </p:nvGrpSpPr>
+      <p:grpSpPr>
+        <a:xfrm>
+          <a:off x="0" y="0"/>
+          <a:ext cx="0" cy="0"/>
+          <a:chOff x="0" y="0"/>
+          <a:chExt cx="0" cy="0"/>
+        </a:xfrm>
+      </p:grpSpPr>
+      <p:sp>
+        <p:nvSpPr>
+          <p:cNvPr id="2" name="Образ слайда 1"/>
+          <p:cNvSpPr>
+            <a:spLocks noGrp="1" noRot="1" noChangeAspect="1"/>
+          </p:cNvSpPr>
+          <p:nvPr>
+            <p:ph type="sldImg"/>
+          </p:nvPr>
+        </p:nvSpPr>
+        <p:spPr/>
+      </p:sp>
+      <p:sp>
+        <p:nvSpPr>
+          <p:cNvPr id="3" name="Заметки 2"/>
+          <p:cNvSpPr>
+            <a:spLocks noGrp="1"/>
+          </p:cNvSpPr>
+          <p:nvPr>
+            <p:ph type="body" idx="1"/>
+          </p:nvPr>
+        </p:nvSpPr>
+        <p:spPr/>
+        <p:txBody>
+          <a:bodyPr/>
+          <a:lstStyle/>
+          <a:p>
+            <a:endParaRPr lang="ru-RU" dirty="0"/>
+          </a:p>
+        </p:txBody>
+      </p:sp>
+      <p:sp>
+        <p:nvSpPr>
+          <p:cNvPr id="4" name="Номер слайда 3"/>
+          <p:cNvSpPr>
+            <a:spLocks noGrp="1"/>
+          </p:cNvSpPr>
+          <p:nvPr>
+            <p:ph type="sldNum" sz="quarter" idx="5"/>
+          </p:nvPr>
+        </p:nvSpPr>
+        <p:spPr/>
+        <p:txBody>
+          <a:bodyPr/>
+          <a:lstStyle/>
+          <a:p>
+            <a:fld id="{F81985B3-CC42-460E-B3BD-EBD81321C544}" type="slidenum">
+              <a:rPr lang="ru-RU" smtClean="0"/>
+              <a:t>7</a:t>
+            </a:fld>
+            <a:endParaRPr lang="ru-RU"/>
+          </a:p>
+        </p:txBody>
+      </p:sp>
+    </p:spTree>
+    <p:extLst>
+      <p:ext uri="{BB962C8B-B14F-4D97-AF65-F5344CB8AC3E}">
+        <p14:creationId xmlns:p14="http://schemas.microsoft.com/office/powerpoint/2010/main" val="229807873"/>
       </p:ext>
     </p:extLst>
   </p:cSld>
@@ -1458,7 +1555,7 @@
           <a:p>
             <a:fld id="{49B16F87-269C-4B9D-ACFD-A2D4D9F1DCB9}" type="datetimeFigureOut">
               <a:rPr lang="ru-RU" smtClean="0"/>
-              <a:t>20.03.2025</a:t>
+              <a:t>24.03.2025</a:t>
             </a:fld>
             <a:endParaRPr lang="ru-RU"/>
           </a:p>
@@ -1656,7 +1753,7 @@
           <a:p>
             <a:fld id="{49B16F87-269C-4B9D-ACFD-A2D4D9F1DCB9}" type="datetimeFigureOut">
               <a:rPr lang="ru-RU" smtClean="0"/>
-              <a:t>20.03.2025</a:t>
+              <a:t>24.03.2025</a:t>
             </a:fld>
             <a:endParaRPr lang="ru-RU"/>
           </a:p>
@@ -1864,7 +1961,7 @@
           <a:p>
             <a:fld id="{49B16F87-269C-4B9D-ACFD-A2D4D9F1DCB9}" type="datetimeFigureOut">
               <a:rPr lang="ru-RU" smtClean="0"/>
-              <a:t>20.03.2025</a:t>
+              <a:t>24.03.2025</a:t>
             </a:fld>
             <a:endParaRPr lang="ru-RU"/>
           </a:p>
@@ -2062,7 +2159,7 @@
           <a:p>
             <a:fld id="{49B16F87-269C-4B9D-ACFD-A2D4D9F1DCB9}" type="datetimeFigureOut">
               <a:rPr lang="ru-RU" smtClean="0"/>
-              <a:t>20.03.2025</a:t>
+              <a:t>24.03.2025</a:t>
             </a:fld>
             <a:endParaRPr lang="ru-RU"/>
           </a:p>
@@ -2337,7 +2434,7 @@
           <a:p>
             <a:fld id="{49B16F87-269C-4B9D-ACFD-A2D4D9F1DCB9}" type="datetimeFigureOut">
               <a:rPr lang="ru-RU" smtClean="0"/>
-              <a:t>20.03.2025</a:t>
+              <a:t>24.03.2025</a:t>
             </a:fld>
             <a:endParaRPr lang="ru-RU"/>
           </a:p>
@@ -2602,7 +2699,7 @@
           <a:p>
             <a:fld id="{49B16F87-269C-4B9D-ACFD-A2D4D9F1DCB9}" type="datetimeFigureOut">
               <a:rPr lang="ru-RU" smtClean="0"/>
-              <a:t>20.03.2025</a:t>
+              <a:t>24.03.2025</a:t>
             </a:fld>
             <a:endParaRPr lang="ru-RU"/>
           </a:p>
@@ -3014,7 +3111,7 @@
           <a:p>
             <a:fld id="{49B16F87-269C-4B9D-ACFD-A2D4D9F1DCB9}" type="datetimeFigureOut">
               <a:rPr lang="ru-RU" smtClean="0"/>
-              <a:t>20.03.2025</a:t>
+              <a:t>24.03.2025</a:t>
             </a:fld>
             <a:endParaRPr lang="ru-RU"/>
           </a:p>
@@ -3155,7 +3252,7 @@
           <a:p>
             <a:fld id="{49B16F87-269C-4B9D-ACFD-A2D4D9F1DCB9}" type="datetimeFigureOut">
               <a:rPr lang="ru-RU" smtClean="0"/>
-              <a:t>20.03.2025</a:t>
+              <a:t>24.03.2025</a:t>
             </a:fld>
             <a:endParaRPr lang="ru-RU"/>
           </a:p>
@@ -3268,7 +3365,7 @@
           <a:p>
             <a:fld id="{49B16F87-269C-4B9D-ACFD-A2D4D9F1DCB9}" type="datetimeFigureOut">
               <a:rPr lang="ru-RU" smtClean="0"/>
-              <a:t>20.03.2025</a:t>
+              <a:t>24.03.2025</a:t>
             </a:fld>
             <a:endParaRPr lang="ru-RU"/>
           </a:p>
@@ -3595,7 +3692,7 @@
           <a:p>
             <a:fld id="{49B16F87-269C-4B9D-ACFD-A2D4D9F1DCB9}" type="datetimeFigureOut">
               <a:rPr lang="ru-RU" smtClean="0"/>
-              <a:t>20.03.2025</a:t>
+              <a:t>24.03.2025</a:t>
             </a:fld>
             <a:endParaRPr lang="ru-RU"/>
           </a:p>
@@ -3883,7 +3980,7 @@
           <a:p>
             <a:fld id="{49B16F87-269C-4B9D-ACFD-A2D4D9F1DCB9}" type="datetimeFigureOut">
               <a:rPr lang="ru-RU" smtClean="0"/>
-              <a:t>20.03.2025</a:t>
+              <a:t>24.03.2025</a:t>
             </a:fld>
             <a:endParaRPr lang="ru-RU"/>
           </a:p>
@@ -4124,7 +4221,7 @@
           <a:p>
             <a:fld id="{49B16F87-269C-4B9D-ACFD-A2D4D9F1DCB9}" type="datetimeFigureOut">
               <a:rPr lang="ru-RU" smtClean="0"/>
-              <a:t>20.03.2025</a:t>
+              <a:t>24.03.2025</a:t>
             </a:fld>
             <a:endParaRPr lang="ru-RU"/>
           </a:p>
@@ -4559,138 +4656,10 @@
       </p:grpSpPr>
       <p:sp>
         <p:nvSpPr>
-          <p:cNvPr id="2" name="Заголовок 1">
-            <a:extLst>
-              <a:ext uri="{FF2B5EF4-FFF2-40B4-BE49-F238E27FC236}">
-                <a16:creationId xmlns:a16="http://schemas.microsoft.com/office/drawing/2014/main" id="{8F001653-2B19-434B-E81A-7D25F02FD721}"/>
-              </a:ext>
-            </a:extLst>
-          </p:cNvPr>
-          <p:cNvSpPr>
-            <a:spLocks noGrp="1"/>
-          </p:cNvSpPr>
-          <p:nvPr>
-            <p:ph type="ctrTitle"/>
-          </p:nvPr>
-        </p:nvSpPr>
-        <p:spPr/>
-        <p:txBody>
-          <a:bodyPr/>
-          <a:lstStyle/>
-          <a:p>
-            <a:r>
-              <a:rPr lang="ru-RU" dirty="0"/>
-              <a:t>Маскот-напоминалка</a:t>
-            </a:r>
-          </a:p>
-        </p:txBody>
-      </p:sp>
-      <p:sp>
-        <p:nvSpPr>
-          <p:cNvPr id="3" name="Подзаголовок 2">
-            <a:extLst>
-              <a:ext uri="{FF2B5EF4-FFF2-40B4-BE49-F238E27FC236}">
-                <a16:creationId xmlns:a16="http://schemas.microsoft.com/office/drawing/2014/main" id="{1796ED5F-4AE5-325D-9C26-D0D75F7AF581}"/>
-              </a:ext>
-            </a:extLst>
-          </p:cNvPr>
-          <p:cNvSpPr>
-            <a:spLocks noGrp="1"/>
-          </p:cNvSpPr>
-          <p:nvPr>
-            <p:ph type="subTitle" idx="1"/>
-          </p:nvPr>
-        </p:nvSpPr>
-        <p:spPr/>
-        <p:txBody>
-          <a:bodyPr/>
-          <a:lstStyle/>
-          <a:p>
-            <a:endParaRPr lang="ru-RU"/>
-          </a:p>
-        </p:txBody>
-      </p:sp>
-    </p:spTree>
-    <p:extLst>
-      <p:ext uri="{BB962C8B-B14F-4D97-AF65-F5344CB8AC3E}">
-        <p14:creationId xmlns:p14="http://schemas.microsoft.com/office/powerpoint/2010/main" val="591508985"/>
-      </p:ext>
-    </p:extLst>
-  </p:cSld>
-  <p:clrMapOvr>
-    <a:masterClrMapping/>
-  </p:clrMapOvr>
-</p:sld>
-</file>
-
-<file path=ppt/slides/slide2.xml><?xml version="1.0" encoding="utf-8"?>
-<p:sld xmlns:a="http://schemas.openxmlformats.org/drawingml/2006/main" xmlns:r="http://schemas.openxmlformats.org/officeDocument/2006/relationships" xmlns:p="http://schemas.openxmlformats.org/presentationml/2006/main">
-  <p:cSld>
-    <p:spTree>
-      <p:nvGrpSpPr>
-        <p:cNvPr id="1" name=""/>
-        <p:cNvGrpSpPr/>
-        <p:nvPr/>
-      </p:nvGrpSpPr>
-      <p:grpSpPr>
-        <a:xfrm>
-          <a:off x="0" y="0"/>
-          <a:ext cx="0" cy="0"/>
-          <a:chOff x="0" y="0"/>
-          <a:chExt cx="0" cy="0"/>
-        </a:xfrm>
-      </p:grpSpPr>
-      <p:pic>
-        <p:nvPicPr>
-          <p:cNvPr id="1026" name="Picture 2" descr="Оксфордский словарь назвал слово «брейнрот» (brain rot, «гниение мозга»)  словом 2024 года. Термин описывает ухудшение умственных способностей из-за  чрезмерного потребления примитивного или тривиального контента, особенно  онлайн. «Брейнрот» стал ...">
-            <a:extLst>
-              <a:ext uri="{FF2B5EF4-FFF2-40B4-BE49-F238E27FC236}">
-                <a16:creationId xmlns:a16="http://schemas.microsoft.com/office/drawing/2014/main" id="{5E26B263-23AC-7BCB-B271-2B2C65980B87}"/>
-              </a:ext>
-            </a:extLst>
-          </p:cNvPr>
-          <p:cNvPicPr>
-            <a:picLocks noChangeAspect="1" noChangeArrowheads="1"/>
-          </p:cNvPicPr>
-          <p:nvPr/>
-        </p:nvPicPr>
-        <p:blipFill rotWithShape="1">
-          <a:blip r:embed="rId3">
-            <a:extLst>
-              <a:ext uri="{28A0092B-C50C-407E-A947-70E740481C1C}">
-                <a14:useLocalDpi xmlns:a14="http://schemas.microsoft.com/office/drawing/2010/main" val="0"/>
-              </a:ext>
-            </a:extLst>
-          </a:blip>
-          <a:srcRect r="11188" b="11188"/>
-          <a:stretch/>
-        </p:blipFill>
-        <p:spPr bwMode="auto">
-          <a:xfrm>
-            <a:off x="7844119" y="3584499"/>
-            <a:ext cx="4347882" cy="3273502"/>
-          </a:xfrm>
-          <a:prstGeom prst="rect">
-            <a:avLst/>
-          </a:prstGeom>
-          <a:noFill/>
-          <a:extLst>
-            <a:ext uri="{909E8E84-426E-40DD-AFC4-6F175D3DCCD1}">
-              <a14:hiddenFill xmlns:a14="http://schemas.microsoft.com/office/drawing/2010/main">
-                <a:solidFill>
-                  <a:srgbClr val="FFFFFF"/>
-                </a:solidFill>
-              </a14:hiddenFill>
-            </a:ext>
-          </a:extLst>
-        </p:spPr>
-      </p:pic>
-      <p:sp>
-        <p:nvSpPr>
-          <p:cNvPr id="2" name="TextBox 1">
-            <a:extLst>
-              <a:ext uri="{FF2B5EF4-FFF2-40B4-BE49-F238E27FC236}">
-                <a16:creationId xmlns:a16="http://schemas.microsoft.com/office/drawing/2014/main" id="{B7D32CED-3CB9-1A71-7927-906B33A9F6BC}"/>
+          <p:cNvPr id="7" name="TextBox 6">
+            <a:extLst>
+              <a:ext uri="{FF2B5EF4-FFF2-40B4-BE49-F238E27FC236}">
+                <a16:creationId xmlns:a16="http://schemas.microsoft.com/office/drawing/2014/main" id="{5E5B100C-4504-C898-B93D-0E55926C21BB}"/>
               </a:ext>
             </a:extLst>
           </p:cNvPr>
@@ -4699,454 +4668,7 @@
         </p:nvSpPr>
         <p:spPr>
           <a:xfrm>
-            <a:off x="407988" y="417652"/>
-            <a:ext cx="11376025" cy="707886"/>
-          </a:xfrm>
-          <a:prstGeom prst="rect">
-            <a:avLst/>
-          </a:prstGeom>
-          <a:noFill/>
-        </p:spPr>
-        <p:txBody>
-          <a:bodyPr wrap="square" rtlCol="0">
-            <a:spAutoFit/>
-          </a:bodyPr>
-          <a:lstStyle/>
-          <a:p>
-            <a:pPr algn="ctr"/>
-            <a:r>
-              <a:rPr lang="ru-RU" sz="4000" b="1" dirty="0"/>
-              <a:t>Проблема</a:t>
-            </a:r>
-          </a:p>
-        </p:txBody>
-      </p:sp>
-      <p:sp>
-        <p:nvSpPr>
-          <p:cNvPr id="3" name="TextBox 2">
-            <a:extLst>
-              <a:ext uri="{FF2B5EF4-FFF2-40B4-BE49-F238E27FC236}">
-                <a16:creationId xmlns:a16="http://schemas.microsoft.com/office/drawing/2014/main" id="{5F945CF2-18BE-35B7-0E03-AFC8ECB554AB}"/>
-              </a:ext>
-            </a:extLst>
-          </p:cNvPr>
-          <p:cNvSpPr txBox="1"/>
-          <p:nvPr/>
-        </p:nvSpPr>
-        <p:spPr>
-          <a:xfrm>
-            <a:off x="4961074" y="2008094"/>
-            <a:ext cx="2414123" cy="707886"/>
-          </a:xfrm>
-          <a:prstGeom prst="rect">
-            <a:avLst/>
-          </a:prstGeom>
-          <a:noFill/>
-        </p:spPr>
-        <p:txBody>
-          <a:bodyPr wrap="none" rtlCol="0">
-            <a:spAutoFit/>
-          </a:bodyPr>
-          <a:lstStyle/>
-          <a:p>
-            <a:pPr algn="ctr"/>
-            <a:r>
-              <a:rPr lang="ru-RU" sz="4000" b="1" dirty="0" err="1"/>
-              <a:t>Брейнрот</a:t>
-            </a:r>
-            <a:endParaRPr lang="ru-RU" sz="4000" b="1" dirty="0"/>
-          </a:p>
-        </p:txBody>
-      </p:sp>
-      <p:sp>
-        <p:nvSpPr>
-          <p:cNvPr id="4" name="TextBox 3">
-            <a:extLst>
-              <a:ext uri="{FF2B5EF4-FFF2-40B4-BE49-F238E27FC236}">
-                <a16:creationId xmlns:a16="http://schemas.microsoft.com/office/drawing/2014/main" id="{599A490D-6CAE-147E-09EB-838615C7E3A7}"/>
-              </a:ext>
-            </a:extLst>
-          </p:cNvPr>
-          <p:cNvSpPr txBox="1"/>
-          <p:nvPr/>
-        </p:nvSpPr>
-        <p:spPr>
-          <a:xfrm>
-            <a:off x="2196150" y="2967335"/>
-            <a:ext cx="7799699" cy="923330"/>
-          </a:xfrm>
-          <a:prstGeom prst="rect">
-            <a:avLst/>
-          </a:prstGeom>
-          <a:noFill/>
-        </p:spPr>
-        <p:txBody>
-          <a:bodyPr wrap="none" rtlCol="0">
-            <a:spAutoFit/>
-          </a:bodyPr>
-          <a:lstStyle/>
-          <a:p>
-            <a:pPr algn="ctr"/>
-            <a:r>
-              <a:rPr lang="ru-RU" b="0" i="0" dirty="0">
-                <a:effectLst/>
-                <a:latin typeface="Arial" panose="020B0604020202020204" pitchFamily="34" charset="0"/>
-              </a:rPr>
-              <a:t>(</a:t>
-            </a:r>
-            <a:r>
-              <a:rPr lang="ru-RU" b="0" i="0" u="none" strike="noStrike" dirty="0">
-                <a:effectLst/>
-                <a:latin typeface="Arial" panose="020B0604020202020204" pitchFamily="34" charset="0"/>
-              </a:rPr>
-              <a:t>англ.</a:t>
-            </a:r>
-            <a:r>
-              <a:rPr lang="ru-RU" b="0" i="0" dirty="0">
-                <a:effectLst/>
-                <a:latin typeface="Arial" panose="020B0604020202020204" pitchFamily="34" charset="0"/>
-              </a:rPr>
-              <a:t> </a:t>
-            </a:r>
-            <a:r>
-              <a:rPr lang="ru-RU" b="0" i="1" dirty="0">
-                <a:effectLst/>
-                <a:latin typeface="Arial" panose="020B0604020202020204" pitchFamily="34" charset="0"/>
-              </a:rPr>
-              <a:t>brain rot, brainrot</a:t>
-            </a:r>
-            <a:r>
-              <a:rPr lang="ru-RU" b="0" i="0" dirty="0">
-                <a:effectLst/>
-                <a:latin typeface="Arial" panose="020B0604020202020204" pitchFamily="34" charset="0"/>
-              </a:rPr>
-              <a:t>, </a:t>
-            </a:r>
-            <a:r>
-              <a:rPr lang="ru-RU" b="0" i="0" u="none" strike="noStrike" dirty="0">
-                <a:effectLst/>
-                <a:latin typeface="Arial" panose="020B0604020202020204" pitchFamily="34" charset="0"/>
-              </a:rPr>
-              <a:t>дословно</a:t>
-            </a:r>
-            <a:r>
-              <a:rPr lang="ru-RU" b="0" i="0" dirty="0">
-                <a:effectLst/>
-                <a:latin typeface="Arial" panose="020B0604020202020204" pitchFamily="34" charset="0"/>
-              </a:rPr>
-              <a:t> — «гниение / разложение мозга») — </a:t>
-            </a:r>
-          </a:p>
-          <a:p>
-            <a:pPr algn="ctr"/>
-            <a:r>
-              <a:rPr lang="ru-RU" b="0" i="0" dirty="0">
-                <a:effectLst/>
-                <a:latin typeface="Arial" panose="020B0604020202020204" pitchFamily="34" charset="0"/>
-              </a:rPr>
-              <a:t>разговорный термин, используемый для описания интернет-контента, </a:t>
-            </a:r>
-          </a:p>
-          <a:p>
-            <a:pPr algn="ctr"/>
-            <a:r>
-              <a:rPr lang="ru-RU" b="0" i="0" dirty="0">
-                <a:effectLst/>
-                <a:latin typeface="Arial" panose="020B0604020202020204" pitchFamily="34" charset="0"/>
-              </a:rPr>
-              <a:t>который имеет низкое качество или ценность.</a:t>
-            </a:r>
-            <a:endParaRPr lang="ru-RU" dirty="0"/>
-          </a:p>
-        </p:txBody>
-      </p:sp>
-    </p:spTree>
-    <p:extLst>
-      <p:ext uri="{BB962C8B-B14F-4D97-AF65-F5344CB8AC3E}">
-        <p14:creationId xmlns:p14="http://schemas.microsoft.com/office/powerpoint/2010/main" val="2427214013"/>
-      </p:ext>
-    </p:extLst>
-  </p:cSld>
-  <p:clrMapOvr>
-    <a:masterClrMapping/>
-  </p:clrMapOvr>
-</p:sld>
-</file>
-
-<file path=ppt/slides/slide3.xml><?xml version="1.0" encoding="utf-8"?>
-<p:sld xmlns:a="http://schemas.openxmlformats.org/drawingml/2006/main" xmlns:r="http://schemas.openxmlformats.org/officeDocument/2006/relationships" xmlns:p="http://schemas.openxmlformats.org/presentationml/2006/main">
-  <p:cSld>
-    <p:spTree>
-      <p:nvGrpSpPr>
-        <p:cNvPr id="1" name=""/>
-        <p:cNvGrpSpPr/>
-        <p:nvPr/>
-      </p:nvGrpSpPr>
-      <p:grpSpPr>
-        <a:xfrm>
-          <a:off x="0" y="0"/>
-          <a:ext cx="0" cy="0"/>
-          <a:chOff x="0" y="0"/>
-          <a:chExt cx="0" cy="0"/>
-        </a:xfrm>
-      </p:grpSpPr>
-      <p:sp>
-        <p:nvSpPr>
-          <p:cNvPr id="7" name="TextBox 6">
-            <a:extLst>
-              <a:ext uri="{FF2B5EF4-FFF2-40B4-BE49-F238E27FC236}">
-                <a16:creationId xmlns:a16="http://schemas.microsoft.com/office/drawing/2014/main" id="{6F083059-6144-E8DC-DC9B-D1E8A7A967D0}"/>
-              </a:ext>
-            </a:extLst>
-          </p:cNvPr>
-          <p:cNvSpPr txBox="1"/>
-          <p:nvPr/>
-        </p:nvSpPr>
-        <p:spPr>
-          <a:xfrm>
-            <a:off x="2355682" y="2644170"/>
-            <a:ext cx="7480635" cy="1569660"/>
-          </a:xfrm>
-          <a:prstGeom prst="rect">
-            <a:avLst/>
-          </a:prstGeom>
-          <a:noFill/>
-        </p:spPr>
-        <p:txBody>
-          <a:bodyPr wrap="square">
-            <a:spAutoFit/>
-          </a:bodyPr>
-          <a:lstStyle/>
-          <a:p>
-            <a:r>
-              <a:rPr lang="ru-RU" sz="2400" b="0" i="1" dirty="0">
-                <a:effectLst/>
-                <a:latin typeface="+mj-lt"/>
-              </a:rPr>
-              <a:t>С умом подходите к тому, как вы используете свои устройства. Управляйте устройствами – не позволяйте им управлять вами </a:t>
-            </a:r>
-            <a:endParaRPr lang="en-US" sz="2400" b="0" i="1" dirty="0">
-              <a:effectLst/>
-              <a:latin typeface="+mj-lt"/>
-            </a:endParaRPr>
-          </a:p>
-          <a:p>
-            <a:r>
-              <a:rPr lang="ru-RU" sz="2400" b="0" i="1" dirty="0">
-                <a:effectLst/>
-                <a:latin typeface="+mj-lt"/>
-              </a:rPr>
-              <a:t>© </a:t>
-            </a:r>
-            <a:r>
-              <a:rPr lang="en-US" sz="2400" b="0" i="1" dirty="0">
-                <a:effectLst/>
-                <a:latin typeface="+mj-lt"/>
-              </a:rPr>
-              <a:t>Andrew Przybylski</a:t>
-            </a:r>
-            <a:r>
-              <a:rPr lang="ru-RU" sz="2400" b="0" i="1" dirty="0">
-                <a:effectLst/>
-                <a:latin typeface="+mj-lt"/>
-              </a:rPr>
-              <a:t> (Эндрю Пшибыльский)</a:t>
-            </a:r>
-            <a:endParaRPr lang="ru-RU" sz="2400" i="1" dirty="0">
-              <a:latin typeface="+mj-lt"/>
-            </a:endParaRPr>
-          </a:p>
-        </p:txBody>
-      </p:sp>
-      <p:sp>
-        <p:nvSpPr>
-          <p:cNvPr id="8" name="TextBox 7">
-            <a:extLst>
-              <a:ext uri="{FF2B5EF4-FFF2-40B4-BE49-F238E27FC236}">
-                <a16:creationId xmlns:a16="http://schemas.microsoft.com/office/drawing/2014/main" id="{6F28FB70-EEAE-8FE5-B3EF-1E3B7C019429}"/>
-              </a:ext>
-            </a:extLst>
-          </p:cNvPr>
-          <p:cNvSpPr txBox="1"/>
-          <p:nvPr/>
-        </p:nvSpPr>
-        <p:spPr>
-          <a:xfrm>
-            <a:off x="407988" y="417652"/>
-            <a:ext cx="11376024" cy="707886"/>
-          </a:xfrm>
-          <a:prstGeom prst="rect">
-            <a:avLst/>
-          </a:prstGeom>
-          <a:noFill/>
-        </p:spPr>
-        <p:txBody>
-          <a:bodyPr wrap="square" rtlCol="0">
-            <a:spAutoFit/>
-          </a:bodyPr>
-          <a:lstStyle/>
-          <a:p>
-            <a:pPr algn="ctr"/>
-            <a:r>
-              <a:rPr lang="ru-RU" sz="4000" b="1" dirty="0"/>
-              <a:t>Статистические данные</a:t>
-            </a:r>
-          </a:p>
-        </p:txBody>
-      </p:sp>
-    </p:spTree>
-    <p:extLst>
-      <p:ext uri="{BB962C8B-B14F-4D97-AF65-F5344CB8AC3E}">
-        <p14:creationId xmlns:p14="http://schemas.microsoft.com/office/powerpoint/2010/main" val="168434587"/>
-      </p:ext>
-    </p:extLst>
-  </p:cSld>
-  <p:clrMapOvr>
-    <a:masterClrMapping/>
-  </p:clrMapOvr>
-</p:sld>
-</file>
-
-<file path=ppt/slides/slide4.xml><?xml version="1.0" encoding="utf-8"?>
-<p:sld xmlns:a="http://schemas.openxmlformats.org/drawingml/2006/main" xmlns:r="http://schemas.openxmlformats.org/officeDocument/2006/relationships" xmlns:p="http://schemas.openxmlformats.org/presentationml/2006/main">
-  <p:cSld>
-    <p:spTree>
-      <p:nvGrpSpPr>
-        <p:cNvPr id="1" name=""/>
-        <p:cNvGrpSpPr/>
-        <p:nvPr/>
-      </p:nvGrpSpPr>
-      <p:grpSpPr>
-        <a:xfrm>
-          <a:off x="0" y="0"/>
-          <a:ext cx="0" cy="0"/>
-          <a:chOff x="0" y="0"/>
-          <a:chExt cx="0" cy="0"/>
-        </a:xfrm>
-      </p:grpSpPr>
-      <p:sp>
-        <p:nvSpPr>
-          <p:cNvPr id="4" name="TextBox 3">
-            <a:extLst>
-              <a:ext uri="{FF2B5EF4-FFF2-40B4-BE49-F238E27FC236}">
-                <a16:creationId xmlns:a16="http://schemas.microsoft.com/office/drawing/2014/main" id="{BC39D931-8F70-5CE2-455A-17AFD225A874}"/>
-              </a:ext>
-            </a:extLst>
-          </p:cNvPr>
-          <p:cNvSpPr txBox="1"/>
-          <p:nvPr/>
-        </p:nvSpPr>
-        <p:spPr>
-          <a:xfrm>
-            <a:off x="407988" y="417652"/>
-            <a:ext cx="11376024" cy="707886"/>
-          </a:xfrm>
-          <a:prstGeom prst="rect">
-            <a:avLst/>
-          </a:prstGeom>
-          <a:noFill/>
-        </p:spPr>
-        <p:txBody>
-          <a:bodyPr wrap="square" rtlCol="0">
-            <a:spAutoFit/>
-          </a:bodyPr>
-          <a:lstStyle/>
-          <a:p>
-            <a:pPr algn="ctr"/>
-            <a:r>
-              <a:rPr lang="ru-RU" sz="4000" b="1" dirty="0"/>
-              <a:t>Результаты соцопроса</a:t>
-            </a:r>
-          </a:p>
-        </p:txBody>
-      </p:sp>
-    </p:spTree>
-    <p:extLst>
-      <p:ext uri="{BB962C8B-B14F-4D97-AF65-F5344CB8AC3E}">
-        <p14:creationId xmlns:p14="http://schemas.microsoft.com/office/powerpoint/2010/main" val="669699885"/>
-      </p:ext>
-    </p:extLst>
-  </p:cSld>
-  <p:clrMapOvr>
-    <a:masterClrMapping/>
-  </p:clrMapOvr>
-</p:sld>
-</file>
-
-<file path=ppt/slides/slide5.xml><?xml version="1.0" encoding="utf-8"?>
-<p:sld xmlns:a="http://schemas.openxmlformats.org/drawingml/2006/main" xmlns:r="http://schemas.openxmlformats.org/officeDocument/2006/relationships" xmlns:p="http://schemas.openxmlformats.org/presentationml/2006/main">
-  <p:cSld>
-    <p:spTree>
-      <p:nvGrpSpPr>
-        <p:cNvPr id="1" name="">
-          <a:extLst>
-            <a:ext uri="{FF2B5EF4-FFF2-40B4-BE49-F238E27FC236}">
-              <a16:creationId xmlns:a16="http://schemas.microsoft.com/office/drawing/2014/main" id="{3B64DE2A-C52C-CA36-ABA2-BD6F950F8146}"/>
-            </a:ext>
-          </a:extLst>
-        </p:cNvPr>
-        <p:cNvGrpSpPr/>
-        <p:nvPr/>
-      </p:nvGrpSpPr>
-      <p:grpSpPr>
-        <a:xfrm>
-          <a:off x="0" y="0"/>
-          <a:ext cx="0" cy="0"/>
-          <a:chOff x="0" y="0"/>
-          <a:chExt cx="0" cy="0"/>
-        </a:xfrm>
-      </p:grpSpPr>
-      <p:sp>
-        <p:nvSpPr>
-          <p:cNvPr id="4" name="TextBox 3">
-            <a:extLst>
-              <a:ext uri="{FF2B5EF4-FFF2-40B4-BE49-F238E27FC236}">
-                <a16:creationId xmlns:a16="http://schemas.microsoft.com/office/drawing/2014/main" id="{663BD982-BCE9-4143-D8E6-611035E322E4}"/>
-              </a:ext>
-            </a:extLst>
-          </p:cNvPr>
-          <p:cNvSpPr txBox="1"/>
-          <p:nvPr/>
-        </p:nvSpPr>
-        <p:spPr>
-          <a:xfrm>
-            <a:off x="407988" y="417652"/>
-            <a:ext cx="11376024" cy="707886"/>
-          </a:xfrm>
-          <a:prstGeom prst="rect">
-            <a:avLst/>
-          </a:prstGeom>
-          <a:noFill/>
-        </p:spPr>
-        <p:txBody>
-          <a:bodyPr wrap="square" rtlCol="0">
-            <a:spAutoFit/>
-          </a:bodyPr>
-          <a:lstStyle/>
-          <a:p>
-            <a:pPr algn="ctr"/>
-            <a:r>
-              <a:rPr lang="ru-RU" sz="4000" b="1" dirty="0"/>
-              <a:t>Решение</a:t>
-            </a:r>
-          </a:p>
-        </p:txBody>
-      </p:sp>
-      <p:sp>
-        <p:nvSpPr>
-          <p:cNvPr id="2" name="TextBox 1">
-            <a:extLst>
-              <a:ext uri="{FF2B5EF4-FFF2-40B4-BE49-F238E27FC236}">
-                <a16:creationId xmlns:a16="http://schemas.microsoft.com/office/drawing/2014/main" id="{ECD3E790-C2E4-01E8-4DE9-DB4E2BC2FF01}"/>
-              </a:ext>
-            </a:extLst>
-          </p:cNvPr>
-          <p:cNvSpPr txBox="1"/>
-          <p:nvPr/>
-        </p:nvSpPr>
-        <p:spPr>
-          <a:xfrm>
-            <a:off x="1993231" y="1671707"/>
+            <a:off x="1993231" y="1309010"/>
             <a:ext cx="8205537" cy="707886"/>
           </a:xfrm>
           <a:prstGeom prst="rect">
@@ -5163,17 +4685,17 @@
             <a:pPr algn="ctr"/>
             <a:r>
               <a:rPr lang="ru-RU" sz="4000" b="1" dirty="0"/>
-              <a:t>МАСКОТ-НАПОМИНАЛКА</a:t>
-            </a:r>
-          </a:p>
-        </p:txBody>
-      </p:sp>
-      <p:sp>
-        <p:nvSpPr>
-          <p:cNvPr id="3" name="TextBox 2">
-            <a:extLst>
-              <a:ext uri="{FF2B5EF4-FFF2-40B4-BE49-F238E27FC236}">
-                <a16:creationId xmlns:a16="http://schemas.microsoft.com/office/drawing/2014/main" id="{2BA6B41B-6851-1CAC-47C5-BF3BC33A24A4}"/>
+              <a:t>Виртуальный куратор</a:t>
+            </a:r>
+          </a:p>
+        </p:txBody>
+      </p:sp>
+      <p:sp>
+        <p:nvSpPr>
+          <p:cNvPr id="8" name="TextBox 7">
+            <a:extLst>
+              <a:ext uri="{FF2B5EF4-FFF2-40B4-BE49-F238E27FC236}">
+                <a16:creationId xmlns:a16="http://schemas.microsoft.com/office/drawing/2014/main" id="{BE37AD41-FB54-4C03-3C6D-2BE70F8DF6BF}"/>
               </a:ext>
             </a:extLst>
           </p:cNvPr>
@@ -5182,8 +4704,8 @@
         </p:nvSpPr>
         <p:spPr>
           <a:xfrm>
-            <a:off x="2697056" y="2402543"/>
-            <a:ext cx="6797887" cy="584775"/>
+            <a:off x="407987" y="2160258"/>
+            <a:ext cx="11376024" cy="584775"/>
           </a:xfrm>
           <a:prstGeom prst="rect">
             <a:avLst/>
@@ -5191,24 +4713,25 @@
           <a:noFill/>
         </p:spPr>
         <p:txBody>
-          <a:bodyPr wrap="none" rtlCol="0">
+          <a:bodyPr wrap="square" rtlCol="0">
             <a:spAutoFit/>
           </a:bodyPr>
           <a:lstStyle/>
           <a:p>
+            <a:pPr algn="ctr"/>
             <a:r>
               <a:rPr lang="ru-RU" sz="3200" dirty="0"/>
-              <a:t>Верный друг на твоём рабочем столе!</a:t>
+              <a:t>Верный помощник на рабочем столе!</a:t>
             </a:r>
           </a:p>
         </p:txBody>
       </p:sp>
       <p:pic>
         <p:nvPicPr>
-          <p:cNvPr id="2054" name="Picture 6" descr="Новости — Microsoft начала тестировать виджеты на рабочем столе Windows 11">
-            <a:extLst>
-              <a:ext uri="{FF2B5EF4-FFF2-40B4-BE49-F238E27FC236}">
-                <a16:creationId xmlns:a16="http://schemas.microsoft.com/office/drawing/2014/main" id="{95202588-BD97-0176-D590-4DC7E04C0773}"/>
+          <p:cNvPr id="9" name="Picture 6" descr="Новости — Microsoft начала тестировать виджеты на рабочем столе Windows 11">
+            <a:extLst>
+              <a:ext uri="{FF2B5EF4-FFF2-40B4-BE49-F238E27FC236}">
+                <a16:creationId xmlns:a16="http://schemas.microsoft.com/office/drawing/2014/main" id="{27ABE82E-323D-5592-7957-CC193D37B730}"/>
               </a:ext>
             </a:extLst>
           </p:cNvPr>
@@ -5250,10 +4773,10 @@
       </p:pic>
       <p:pic>
         <p:nvPicPr>
-          <p:cNvPr id="2052" name="Picture 4" descr="Набор милых мультфильмов сиамских кошек в различных позах">
-            <a:extLst>
-              <a:ext uri="{FF2B5EF4-FFF2-40B4-BE49-F238E27FC236}">
-                <a16:creationId xmlns:a16="http://schemas.microsoft.com/office/drawing/2014/main" id="{5F8F990E-FAE2-9AF8-1361-B5DFF551952A}"/>
+          <p:cNvPr id="10" name="Picture 4" descr="Набор милых мультфильмов сиамских кошек в различных позах">
+            <a:extLst>
+              <a:ext uri="{FF2B5EF4-FFF2-40B4-BE49-F238E27FC236}">
+                <a16:creationId xmlns:a16="http://schemas.microsoft.com/office/drawing/2014/main" id="{34FB63CD-D68E-3AD5-943E-0EBFC6599201}"/>
               </a:ext>
             </a:extLst>
           </p:cNvPr>
@@ -5314,10 +4837,10 @@
       </p:pic>
       <p:sp>
         <p:nvSpPr>
-          <p:cNvPr id="5" name="Облачко с текстом: прямоугольное 4">
-            <a:extLst>
-              <a:ext uri="{FF2B5EF4-FFF2-40B4-BE49-F238E27FC236}">
-                <a16:creationId xmlns:a16="http://schemas.microsoft.com/office/drawing/2014/main" id="{45A663FE-3C9F-BF36-7A26-514D5E6DA77C}"/>
+          <p:cNvPr id="11" name="Облачко с текстом: прямоугольное 10">
+            <a:extLst>
+              <a:ext uri="{FF2B5EF4-FFF2-40B4-BE49-F238E27FC236}">
+                <a16:creationId xmlns:a16="http://schemas.microsoft.com/office/drawing/2014/main" id="{B21B0A4D-1530-3CFC-985F-5A068BBC1FA4}"/>
               </a:ext>
             </a:extLst>
           </p:cNvPr>
@@ -5326,8 +4849,8 @@
         </p:nvSpPr>
         <p:spPr>
           <a:xfrm>
-            <a:off x="3495676" y="3505200"/>
-            <a:ext cx="2476500" cy="1029730"/>
+            <a:off x="3240911" y="3429000"/>
+            <a:ext cx="2731265" cy="1105930"/>
           </a:xfrm>
           <a:prstGeom prst="wedgeRectCallout">
             <a:avLst>
@@ -5366,7 +4889,7 @@
           <a:p>
             <a:pPr marL="0" algn="ctr" rtl="0" eaLnBrk="1" latinLnBrk="0" hangingPunct="1"/>
             <a:r>
-              <a:rPr lang="ru-RU" sz="1800" kern="1200" dirty="0">
+              <a:rPr lang="ru-RU" sz="2000" kern="1200" dirty="0">
                 <a:solidFill>
                   <a:srgbClr val="000000"/>
                 </a:solidFill>
@@ -5377,7 +4900,7 @@
               </a:rPr>
               <a:t>Ты листаешь ленту уже пол часа! Пора бы заняться делами!</a:t>
             </a:r>
-            <a:endParaRPr lang="ru-RU" dirty="0">
+            <a:endParaRPr lang="ru-RU" sz="2000" dirty="0">
               <a:effectLst/>
             </a:endParaRPr>
           </a:p>
@@ -5386,7 +4909,7 @@
     </p:spTree>
     <p:extLst>
       <p:ext uri="{BB962C8B-B14F-4D97-AF65-F5344CB8AC3E}">
-        <p14:creationId xmlns:p14="http://schemas.microsoft.com/office/powerpoint/2010/main" val="3206598949"/>
+        <p14:creationId xmlns:p14="http://schemas.microsoft.com/office/powerpoint/2010/main" val="591508985"/>
       </p:ext>
     </p:extLst>
   </p:cSld>
@@ -5396,7 +4919,7 @@
 </p:sld>
 </file>
 
-<file path=ppt/slides/slide6.xml><?xml version="1.0" encoding="utf-8"?>
+<file path=ppt/slides/slide10.xml><?xml version="1.0" encoding="utf-8"?>
 <p:sld xmlns:a="http://schemas.openxmlformats.org/drawingml/2006/main" xmlns:r="http://schemas.openxmlformats.org/officeDocument/2006/relationships" xmlns:p="http://schemas.openxmlformats.org/presentationml/2006/main">
   <p:cSld>
     <p:spTree>
@@ -5415,10 +4938,10 @@
       </p:grpSpPr>
       <p:sp>
         <p:nvSpPr>
-          <p:cNvPr id="2" name="TextBox 1">
-            <a:extLst>
-              <a:ext uri="{FF2B5EF4-FFF2-40B4-BE49-F238E27FC236}">
-                <a16:creationId xmlns:a16="http://schemas.microsoft.com/office/drawing/2014/main" id="{95ED5190-B7EB-0D8D-4B9B-10AC82E41944}"/>
+          <p:cNvPr id="4" name="TextBox 3">
+            <a:extLst>
+              <a:ext uri="{FF2B5EF4-FFF2-40B4-BE49-F238E27FC236}">
+                <a16:creationId xmlns:a16="http://schemas.microsoft.com/office/drawing/2014/main" id="{D58E534E-932F-336B-1710-FCA373BE670F}"/>
               </a:ext>
             </a:extLst>
           </p:cNvPr>
@@ -5427,7 +4950,7 @@
         </p:nvSpPr>
         <p:spPr>
           <a:xfrm>
-            <a:off x="407988" y="417652"/>
+            <a:off x="407988" y="333375"/>
             <a:ext cx="11376024" cy="707886"/>
           </a:xfrm>
           <a:prstGeom prst="rect">
@@ -5444,47 +4967,17 @@
             <a:pPr algn="ctr"/>
             <a:r>
               <a:rPr lang="ru-RU" sz="4000" b="1" dirty="0"/>
-              <a:t>Результаты соцопроса</a:t>
-            </a:r>
-          </a:p>
-        </p:txBody>
-      </p:sp>
-    </p:spTree>
-    <p:extLst>
-      <p:ext uri="{BB962C8B-B14F-4D97-AF65-F5344CB8AC3E}">
-        <p14:creationId xmlns:p14="http://schemas.microsoft.com/office/powerpoint/2010/main" val="3816151983"/>
-      </p:ext>
-    </p:extLst>
-  </p:cSld>
-  <p:clrMapOvr>
-    <a:masterClrMapping/>
-  </p:clrMapOvr>
-</p:sld>
-</file>
-
-<file path=ppt/slides/slide7.xml><?xml version="1.0" encoding="utf-8"?>
-<p:sld xmlns:a="http://schemas.openxmlformats.org/drawingml/2006/main" xmlns:r="http://schemas.openxmlformats.org/officeDocument/2006/relationships" xmlns:p="http://schemas.openxmlformats.org/presentationml/2006/main">
-  <p:cSld>
-    <p:spTree>
-      <p:nvGrpSpPr>
-        <p:cNvPr id="1" name=""/>
-        <p:cNvGrpSpPr/>
-        <p:nvPr/>
-      </p:nvGrpSpPr>
-      <p:grpSpPr>
-        <a:xfrm>
-          <a:off x="0" y="0"/>
-          <a:ext cx="0" cy="0"/>
-          <a:chOff x="0" y="0"/>
-          <a:chExt cx="0" cy="0"/>
-        </a:xfrm>
-      </p:grpSpPr>
-      <p:sp>
-        <p:nvSpPr>
-          <p:cNvPr id="2" name="TextBox 1">
-            <a:extLst>
-              <a:ext uri="{FF2B5EF4-FFF2-40B4-BE49-F238E27FC236}">
-                <a16:creationId xmlns:a16="http://schemas.microsoft.com/office/drawing/2014/main" id="{9EFB76E2-700B-D750-F033-DFBA9C123666}"/>
+              <a:t>Суть решения</a:t>
+            </a:r>
+          </a:p>
+        </p:txBody>
+      </p:sp>
+      <p:sp>
+        <p:nvSpPr>
+          <p:cNvPr id="5" name="TextBox 4">
+            <a:extLst>
+              <a:ext uri="{FF2B5EF4-FFF2-40B4-BE49-F238E27FC236}">
+                <a16:creationId xmlns:a16="http://schemas.microsoft.com/office/drawing/2014/main" id="{FF0A3DD4-1731-FCEC-C651-7D8131E4CB0F}"/>
               </a:ext>
             </a:extLst>
           </p:cNvPr>
@@ -5493,8 +4986,8 @@
         </p:nvSpPr>
         <p:spPr>
           <a:xfrm>
-            <a:off x="407988" y="417652"/>
-            <a:ext cx="11376024" cy="707886"/>
+            <a:off x="407988" y="1125538"/>
+            <a:ext cx="5688012" cy="5262979"/>
           </a:xfrm>
           <a:prstGeom prst="rect">
             <a:avLst/>
@@ -5507,58 +5000,34 @@
           </a:bodyPr>
           <a:lstStyle/>
           <a:p>
-            <a:pPr algn="ctr"/>
-            <a:r>
-              <a:rPr lang="ru-RU" sz="4000" b="1" dirty="0"/>
-              <a:t>Суть решения</a:t>
-            </a:r>
-          </a:p>
-        </p:txBody>
-      </p:sp>
-      <p:sp>
-        <p:nvSpPr>
-          <p:cNvPr id="3" name="TextBox 2">
-            <a:extLst>
-              <a:ext uri="{FF2B5EF4-FFF2-40B4-BE49-F238E27FC236}">
-                <a16:creationId xmlns:a16="http://schemas.microsoft.com/office/drawing/2014/main" id="{F0CFF184-1775-3599-474F-B4089ED852A5}"/>
-              </a:ext>
-            </a:extLst>
-          </p:cNvPr>
-          <p:cNvSpPr txBox="1"/>
-          <p:nvPr/>
-        </p:nvSpPr>
-        <p:spPr>
-          <a:xfrm>
-            <a:off x="368300" y="1657703"/>
-            <a:ext cx="5688012" cy="830997"/>
-          </a:xfrm>
-          <a:prstGeom prst="rect">
-            <a:avLst/>
-          </a:prstGeom>
-          <a:noFill/>
-        </p:spPr>
-        <p:txBody>
-          <a:bodyPr wrap="square" rtlCol="0">
-            <a:spAutoFit/>
-          </a:bodyPr>
-          <a:lstStyle/>
-          <a:p>
             <a:r>
               <a:rPr lang="ru-RU" sz="2400" b="1" dirty="0"/>
-              <a:t>Заметки и календарь всегда под рукой!</a:t>
+              <a:t>Предупреждение долгого использования соц. сетей</a:t>
             </a:r>
           </a:p>
           <a:p>
             <a:endParaRPr lang="ru-RU" sz="2400" b="1" dirty="0"/>
+          </a:p>
+          <a:p>
+            <a:r>
+              <a:rPr lang="ru-RU" sz="2400" dirty="0"/>
+              <a:t>Ассистент проверяет, как долго вы используете ту или иную соц. Сеть и какие страницы в соц. Сети вы просматриваете. Если открыты «сообщения», то ничего страшного, но если открыты «клипы», ассистент об этом сразу предупредит. </a:t>
+            </a:r>
+          </a:p>
+          <a:p>
+            <a:r>
+              <a:rPr lang="ru-RU" sz="2400" dirty="0"/>
+              <a:t>Это осуществляется с помощью заголовка вкладки браузера, саму страницу ассистент не видит, так что все данные остаются конфиденциальны!</a:t>
+            </a:r>
           </a:p>
         </p:txBody>
       </p:sp>
       <p:pic>
         <p:nvPicPr>
-          <p:cNvPr id="4" name="Picture 6" descr="Новости — Microsoft начала тестировать виджеты на рабочем столе Windows 11">
-            <a:extLst>
-              <a:ext uri="{FF2B5EF4-FFF2-40B4-BE49-F238E27FC236}">
-                <a16:creationId xmlns:a16="http://schemas.microsoft.com/office/drawing/2014/main" id="{47CEEF5F-58DE-C280-7E98-E8AF4663850E}"/>
+          <p:cNvPr id="6" name="Picture 6" descr="Новости — Microsoft начала тестировать виджеты на рабочем столе Windows 11">
+            <a:extLst>
+              <a:ext uri="{FF2B5EF4-FFF2-40B4-BE49-F238E27FC236}">
+                <a16:creationId xmlns:a16="http://schemas.microsoft.com/office/drawing/2014/main" id="{29F08FA5-99C2-8966-5F77-D7D5331B151A}"/>
               </a:ext>
             </a:extLst>
           </p:cNvPr>
@@ -5575,13 +5044,13 @@
               </a:ext>
             </a:extLst>
           </a:blip>
-          <a:srcRect l="24865" t="43910" r="25135" b="6090"/>
+          <a:srcRect l="51312" t="20061" r="5431" b="5433"/>
           <a:stretch/>
         </p:blipFill>
         <p:spPr bwMode="auto">
           <a:xfrm>
-            <a:off x="5688013" y="3095625"/>
-            <a:ext cx="6096000" cy="3429000"/>
+            <a:off x="6275388" y="1125538"/>
+            <a:ext cx="5916612" cy="5732462"/>
           </a:xfrm>
           <a:prstGeom prst="rect">
             <a:avLst/>
@@ -5600,10 +5069,10 @@
       </p:pic>
       <p:pic>
         <p:nvPicPr>
-          <p:cNvPr id="5" name="Picture 4" descr="Набор милых мультфильмов сиамских кошек в различных позах">
-            <a:extLst>
-              <a:ext uri="{FF2B5EF4-FFF2-40B4-BE49-F238E27FC236}">
-                <a16:creationId xmlns:a16="http://schemas.microsoft.com/office/drawing/2014/main" id="{A3B83362-7C65-069E-A80C-F926DBEDD29C}"/>
+          <p:cNvPr id="6146" name="Picture 2" descr="Недовольный кот клипарт (45 фото)">
+            <a:extLst>
+              <a:ext uri="{FF2B5EF4-FFF2-40B4-BE49-F238E27FC236}">
+                <a16:creationId xmlns:a16="http://schemas.microsoft.com/office/drawing/2014/main" id="{2165F839-8799-48FE-8806-03D559FD5081}"/>
               </a:ext>
             </a:extLst>
           </p:cNvPr>
@@ -5612,23 +5081,43 @@
           </p:cNvPicPr>
           <p:nvPr/>
         </p:nvPicPr>
-        <p:blipFill rotWithShape="1">
+        <p:blipFill>
           <a:blip r:embed="rId3">
             <a:extLst>
               <a:ext uri="{BEBA8EAE-BF5A-486C-A8C5-ECC9F3942E4B}">
                 <a14:imgProps xmlns:a14="http://schemas.microsoft.com/office/drawing/2010/main">
                   <a14:imgLayer r:embed="rId4">
                     <a14:imgEffect>
-                      <a14:backgroundRemoval t="66454" b="82748" l="58946" r="91374">
-                        <a14:foregroundMark x1="63259" y1="69489" x2="64696" y2="70128"/>
-                        <a14:foregroundMark x1="60863" y1="70128" x2="60863" y2="71725"/>
-                        <a14:foregroundMark x1="58946" y1="71086" x2="58946" y2="72045"/>
-                        <a14:foregroundMark x1="71725" y1="82588" x2="71725" y2="82588"/>
-                        <a14:foregroundMark x1="74441" y1="82428" x2="74441" y2="82428"/>
-                        <a14:foregroundMark x1="78754" y1="82748" x2="78754" y2="82748"/>
-                        <a14:foregroundMark x1="90096" y1="78754" x2="90096" y2="78754"/>
-                        <a14:foregroundMark x1="91374" y1="78275" x2="91374" y2="78275"/>
-                        <a14:foregroundMark x1="64537" y1="66454" x2="64537" y2="66454"/>
+                      <a14:backgroundRemoval t="10000" b="97778" l="3778" r="95333">
+                        <a14:foregroundMark x1="12444" y1="39778" x2="14444" y2="42667"/>
+                        <a14:foregroundMark x1="20889" y1="43111" x2="20889" y2="43111"/>
+                        <a14:foregroundMark x1="21333" y1="48889" x2="20889" y2="51111"/>
+                        <a14:foregroundMark x1="20222" y1="51333" x2="17556" y2="51778"/>
+                        <a14:foregroundMark x1="15778" y1="52667" x2="13556" y2="52889"/>
+                        <a14:foregroundMark x1="13111" y1="46889" x2="11333" y2="54444"/>
+                        <a14:foregroundMark x1="8667" y1="45333" x2="8667" y2="51111"/>
+                        <a14:foregroundMark x1="5778" y1="43778" x2="6000" y2="50000"/>
+                        <a14:foregroundMark x1="4889" y1="44444" x2="5778" y2="50444"/>
+                        <a14:foregroundMark x1="7333" y1="40667" x2="8444" y2="51556"/>
+                        <a14:foregroundMark x1="6889" y1="41556" x2="12222" y2="50000"/>
+                        <a14:foregroundMark x1="7111" y1="39778" x2="13778" y2="47778"/>
+                        <a14:foregroundMark x1="18889" y1="40444" x2="18667" y2="48889"/>
+                        <a14:foregroundMark x1="19778" y1="39333" x2="19333" y2="48222"/>
+                        <a14:foregroundMark x1="22444" y1="36667" x2="9556" y2="37333"/>
+                        <a14:foregroundMark x1="14889" y1="36222" x2="4667" y2="36889"/>
+                        <a14:foregroundMark x1="3778" y1="36667" x2="5556" y2="43778"/>
+                        <a14:foregroundMark x1="4444" y1="35333" x2="16000" y2="34222"/>
+                        <a14:foregroundMark x1="14000" y1="58889" x2="15111" y2="76889"/>
+                        <a14:foregroundMark x1="16444" y1="74222" x2="32889" y2="90667"/>
+                        <a14:foregroundMark x1="32889" y1="90667" x2="34000" y2="91333"/>
+                        <a14:foregroundMark x1="26889" y1="87556" x2="52889" y2="97111"/>
+                        <a14:foregroundMark x1="52889" y1="97111" x2="71333" y2="97778"/>
+                        <a14:foregroundMark x1="71333" y1="97778" x2="80444" y2="96889"/>
+                        <a14:foregroundMark x1="95333" y1="95778" x2="91556" y2="79556"/>
+                        <a14:foregroundMark x1="21333" y1="36222" x2="18667" y2="36222"/>
+                        <a14:foregroundMark x1="22667" y1="35111" x2="18222" y2="35111"/>
+                        <a14:foregroundMark x1="23556" y1="34222" x2="19778" y2="34222"/>
+                        <a14:foregroundMark x1="3778" y1="35333" x2="5111" y2="35333"/>
                       </a14:backgroundRemoval>
                     </a14:imgEffect>
                   </a14:imgLayer>
@@ -5639,13 +5128,15 @@
               </a:ext>
             </a:extLst>
           </a:blip>
-          <a:srcRect l="56563" t="64653" r="6756" b="15287"/>
-          <a:stretch/>
+          <a:srcRect/>
+          <a:stretch>
+            <a:fillRect/>
+          </a:stretch>
         </p:blipFill>
         <p:spPr bwMode="auto">
           <a:xfrm>
-            <a:off x="8441960" y="4440760"/>
-            <a:ext cx="3105215" cy="1698137"/>
+            <a:off x="7497762" y="2153976"/>
+            <a:ext cx="4286250" cy="4286250"/>
           </a:xfrm>
           <a:prstGeom prst="rect">
             <a:avLst/>
@@ -5662,12 +5153,57 @@
           </a:extLst>
         </p:spPr>
       </p:pic>
-      <p:sp>
-        <p:nvSpPr>
-          <p:cNvPr id="6" name="Облачко с текстом: прямоугольное 5">
-            <a:extLst>
-              <a:ext uri="{FF2B5EF4-FFF2-40B4-BE49-F238E27FC236}">
-                <a16:creationId xmlns:a16="http://schemas.microsoft.com/office/drawing/2014/main" id="{C110B027-0CF9-C68B-34AA-24714DFCD806}"/>
+      <p:pic>
+        <p:nvPicPr>
+          <p:cNvPr id="6148" name="Picture 4" descr="Отравление школьниц: детский омбудсмен поддерживает запрет Tik Tok и других  &quot;деструктивных сетей&quot; -">
+            <a:extLst>
+              <a:ext uri="{FF2B5EF4-FFF2-40B4-BE49-F238E27FC236}">
+                <a16:creationId xmlns:a16="http://schemas.microsoft.com/office/drawing/2014/main" id="{DC782294-E10B-7767-CB21-DD6A126CFFF7}"/>
+              </a:ext>
+            </a:extLst>
+          </p:cNvPr>
+          <p:cNvPicPr>
+            <a:picLocks noChangeAspect="1" noChangeArrowheads="1"/>
+          </p:cNvPicPr>
+          <p:nvPr/>
+        </p:nvPicPr>
+        <p:blipFill rotWithShape="1">
+          <a:blip r:embed="rId5">
+            <a:extLst>
+              <a:ext uri="{28A0092B-C50C-407E-A947-70E740481C1C}">
+                <a14:useLocalDpi xmlns:a14="http://schemas.microsoft.com/office/drawing/2010/main" val="0"/>
+              </a:ext>
+            </a:extLst>
+          </a:blip>
+          <a:srcRect l="25510" r="20073"/>
+          <a:stretch/>
+        </p:blipFill>
+        <p:spPr bwMode="auto">
+          <a:xfrm>
+            <a:off x="7639051" y="3655110"/>
+            <a:ext cx="900113" cy="929506"/>
+          </a:xfrm>
+          <a:prstGeom prst="rect">
+            <a:avLst/>
+          </a:prstGeom>
+          <a:noFill/>
+          <a:extLst>
+            <a:ext uri="{909E8E84-426E-40DD-AFC4-6F175D3DCCD1}">
+              <a14:hiddenFill xmlns:a14="http://schemas.microsoft.com/office/drawing/2010/main">
+                <a:solidFill>
+                  <a:srgbClr val="FFFFFF"/>
+                </a:solidFill>
+              </a14:hiddenFill>
+            </a:ext>
+          </a:extLst>
+        </p:spPr>
+      </p:pic>
+      <p:sp>
+        <p:nvSpPr>
+          <p:cNvPr id="7" name="Облачко с текстом: прямоугольное 6">
+            <a:extLst>
+              <a:ext uri="{FF2B5EF4-FFF2-40B4-BE49-F238E27FC236}">
+                <a16:creationId xmlns:a16="http://schemas.microsoft.com/office/drawing/2014/main" id="{B260A93A-1C52-BD21-DE4C-8A2DAFCD0678}"/>
               </a:ext>
             </a:extLst>
           </p:cNvPr>
@@ -5676,13 +5212,13 @@
         </p:nvSpPr>
         <p:spPr>
           <a:xfrm>
-            <a:off x="6135689" y="3505200"/>
-            <a:ext cx="2476500" cy="1029730"/>
+            <a:off x="6413500" y="1736202"/>
+            <a:ext cx="3073400" cy="1273698"/>
           </a:xfrm>
           <a:prstGeom prst="wedgeRectCallout">
             <a:avLst>
-              <a:gd name="adj1" fmla="val 45389"/>
-              <a:gd name="adj2" fmla="val 84148"/>
+              <a:gd name="adj1" fmla="val 32950"/>
+              <a:gd name="adj2" fmla="val 71260"/>
             </a:avLst>
           </a:prstGeom>
           <a:solidFill>
@@ -5716,54 +5252,13 @@
           <a:p>
             <a:pPr marL="0" algn="ctr" rtl="0" eaLnBrk="1" latinLnBrk="0" hangingPunct="1"/>
             <a:r>
-              <a:rPr lang="ru-RU" sz="1800" kern="1200" dirty="0">
+              <a:rPr lang="ru-RU" sz="2000" dirty="0">
                 <a:solidFill>
-                  <a:srgbClr val="000000"/>
+                  <a:schemeClr val="tx1"/>
                 </a:solidFill>
                 <a:effectLst/>
-                <a:latin typeface="Times New Roman" panose="02020603050405020304" pitchFamily="18" charset="0"/>
-                <a:ea typeface="+mn-ea"/>
-                <a:cs typeface="+mn-cs"/>
               </a:rPr>
-              <a:t>Напомню тебе о твоих делах и помогу запланировать новые</a:t>
-            </a:r>
-            <a:endParaRPr lang="ru-RU" dirty="0">
-              <a:effectLst/>
-            </a:endParaRPr>
-          </a:p>
-        </p:txBody>
-      </p:sp>
-      <p:sp>
-        <p:nvSpPr>
-          <p:cNvPr id="8" name="TextBox 7">
-            <a:extLst>
-              <a:ext uri="{FF2B5EF4-FFF2-40B4-BE49-F238E27FC236}">
-                <a16:creationId xmlns:a16="http://schemas.microsoft.com/office/drawing/2014/main" id="{AFA9FA77-82A2-DCFE-5E57-FF1177A70DC5}"/>
-              </a:ext>
-            </a:extLst>
-          </p:cNvPr>
-          <p:cNvSpPr txBox="1"/>
-          <p:nvPr/>
-        </p:nvSpPr>
-        <p:spPr>
-          <a:xfrm>
-            <a:off x="407988" y="2644170"/>
-            <a:ext cx="5197284" cy="1569660"/>
-          </a:xfrm>
-          <a:prstGeom prst="rect">
-            <a:avLst/>
-          </a:prstGeom>
-          <a:noFill/>
-        </p:spPr>
-        <p:txBody>
-          <a:bodyPr wrap="square">
-            <a:spAutoFit/>
-          </a:bodyPr>
-          <a:lstStyle/>
-          <a:p>
-            <a:r>
-              <a:rPr lang="ru-RU" sz="2400" dirty="0"/>
-              <a:t>Интерактивный маскот, находящийся на рабочем столе компьютера может выполнять функции помощника, заметок и планера</a:t>
+              <a:t>Подозреваю, что вы отвлеклись, продолжим работу?</a:t>
             </a:r>
           </a:p>
         </p:txBody>
@@ -5771,7 +5266,7 @@
     </p:spTree>
     <p:extLst>
       <p:ext uri="{BB962C8B-B14F-4D97-AF65-F5344CB8AC3E}">
-        <p14:creationId xmlns:p14="http://schemas.microsoft.com/office/powerpoint/2010/main" val="522681460"/>
+        <p14:creationId xmlns:p14="http://schemas.microsoft.com/office/powerpoint/2010/main" val="1116090256"/>
       </p:ext>
     </p:extLst>
   </p:cSld>
@@ -5781,7 +5276,1400 @@
 </p:sld>
 </file>
 
-<file path=ppt/slides/slide8.xml><?xml version="1.0" encoding="utf-8"?>
+<file path=ppt/slides/slide11.xml><?xml version="1.0" encoding="utf-8"?>
+<p:sld xmlns:a="http://schemas.openxmlformats.org/drawingml/2006/main" xmlns:r="http://schemas.openxmlformats.org/officeDocument/2006/relationships" xmlns:p="http://schemas.openxmlformats.org/presentationml/2006/main">
+  <p:cSld>
+    <p:spTree>
+      <p:nvGrpSpPr>
+        <p:cNvPr id="1" name=""/>
+        <p:cNvGrpSpPr/>
+        <p:nvPr/>
+      </p:nvGrpSpPr>
+      <p:grpSpPr>
+        <a:xfrm>
+          <a:off x="0" y="0"/>
+          <a:ext cx="0" cy="0"/>
+          <a:chOff x="0" y="0"/>
+          <a:chExt cx="0" cy="0"/>
+        </a:xfrm>
+      </p:grpSpPr>
+      <p:sp>
+        <p:nvSpPr>
+          <p:cNvPr id="4" name="TextBox 3">
+            <a:extLst>
+              <a:ext uri="{FF2B5EF4-FFF2-40B4-BE49-F238E27FC236}">
+                <a16:creationId xmlns:a16="http://schemas.microsoft.com/office/drawing/2014/main" id="{EBD491BA-DFBC-DE4D-E736-D2710006CA7B}"/>
+              </a:ext>
+            </a:extLst>
+          </p:cNvPr>
+          <p:cNvSpPr txBox="1"/>
+          <p:nvPr/>
+        </p:nvSpPr>
+        <p:spPr>
+          <a:xfrm>
+            <a:off x="407988" y="333375"/>
+            <a:ext cx="11376024" cy="707886"/>
+          </a:xfrm>
+          <a:prstGeom prst="rect">
+            <a:avLst/>
+          </a:prstGeom>
+          <a:noFill/>
+        </p:spPr>
+        <p:txBody>
+          <a:bodyPr wrap="square" rtlCol="0">
+            <a:spAutoFit/>
+          </a:bodyPr>
+          <a:lstStyle/>
+          <a:p>
+            <a:pPr algn="ctr"/>
+            <a:r>
+              <a:rPr lang="ru-RU" sz="4000" b="1" dirty="0"/>
+              <a:t>Команда</a:t>
+            </a:r>
+          </a:p>
+        </p:txBody>
+      </p:sp>
+    </p:spTree>
+    <p:extLst>
+      <p:ext uri="{BB962C8B-B14F-4D97-AF65-F5344CB8AC3E}">
+        <p14:creationId xmlns:p14="http://schemas.microsoft.com/office/powerpoint/2010/main" val="4257800865"/>
+      </p:ext>
+    </p:extLst>
+  </p:cSld>
+  <p:clrMapOvr>
+    <a:masterClrMapping/>
+  </p:clrMapOvr>
+</p:sld>
+</file>
+
+<file path=ppt/slides/slide12.xml><?xml version="1.0" encoding="utf-8"?>
+<p:sld xmlns:a="http://schemas.openxmlformats.org/drawingml/2006/main" xmlns:r="http://schemas.openxmlformats.org/officeDocument/2006/relationships" xmlns:p="http://schemas.openxmlformats.org/presentationml/2006/main">
+  <p:cSld>
+    <p:spTree>
+      <p:nvGrpSpPr>
+        <p:cNvPr id="1" name=""/>
+        <p:cNvGrpSpPr/>
+        <p:nvPr/>
+      </p:nvGrpSpPr>
+      <p:grpSpPr>
+        <a:xfrm>
+          <a:off x="0" y="0"/>
+          <a:ext cx="0" cy="0"/>
+          <a:chOff x="0" y="0"/>
+          <a:chExt cx="0" cy="0"/>
+        </a:xfrm>
+      </p:grpSpPr>
+      <p:sp>
+        <p:nvSpPr>
+          <p:cNvPr id="2" name="TextBox 1">
+            <a:extLst>
+              <a:ext uri="{FF2B5EF4-FFF2-40B4-BE49-F238E27FC236}">
+                <a16:creationId xmlns:a16="http://schemas.microsoft.com/office/drawing/2014/main" id="{7438812E-574F-4F61-5520-BFD52E7E091D}"/>
+              </a:ext>
+            </a:extLst>
+          </p:cNvPr>
+          <p:cNvSpPr txBox="1"/>
+          <p:nvPr/>
+        </p:nvSpPr>
+        <p:spPr>
+          <a:xfrm>
+            <a:off x="396876" y="3075057"/>
+            <a:ext cx="11376024" cy="707886"/>
+          </a:xfrm>
+          <a:prstGeom prst="rect">
+            <a:avLst/>
+          </a:prstGeom>
+          <a:noFill/>
+        </p:spPr>
+        <p:txBody>
+          <a:bodyPr wrap="square" rtlCol="0">
+            <a:spAutoFit/>
+          </a:bodyPr>
+          <a:lstStyle/>
+          <a:p>
+            <a:pPr algn="ctr"/>
+            <a:r>
+              <a:rPr lang="ru-RU" sz="4000" b="1" dirty="0"/>
+              <a:t>Спасибо за внимание!</a:t>
+            </a:r>
+          </a:p>
+        </p:txBody>
+      </p:sp>
+    </p:spTree>
+    <p:extLst>
+      <p:ext uri="{BB962C8B-B14F-4D97-AF65-F5344CB8AC3E}">
+        <p14:creationId xmlns:p14="http://schemas.microsoft.com/office/powerpoint/2010/main" val="3637464247"/>
+      </p:ext>
+    </p:extLst>
+  </p:cSld>
+  <p:clrMapOvr>
+    <a:masterClrMapping/>
+  </p:clrMapOvr>
+</p:sld>
+</file>
+
+<file path=ppt/slides/slide2.xml><?xml version="1.0" encoding="utf-8"?>
+<p:sld xmlns:a="http://schemas.openxmlformats.org/drawingml/2006/main" xmlns:r="http://schemas.openxmlformats.org/officeDocument/2006/relationships" xmlns:p="http://schemas.openxmlformats.org/presentationml/2006/main">
+  <p:cSld>
+    <p:spTree>
+      <p:nvGrpSpPr>
+        <p:cNvPr id="1" name=""/>
+        <p:cNvGrpSpPr/>
+        <p:nvPr/>
+      </p:nvGrpSpPr>
+      <p:grpSpPr>
+        <a:xfrm>
+          <a:off x="0" y="0"/>
+          <a:ext cx="0" cy="0"/>
+          <a:chOff x="0" y="0"/>
+          <a:chExt cx="0" cy="0"/>
+        </a:xfrm>
+      </p:grpSpPr>
+      <p:pic>
+        <p:nvPicPr>
+          <p:cNvPr id="1026" name="Picture 2" descr="Оксфордский словарь назвал слово «брейнрот» (brain rot, «гниение мозга»)  словом 2024 года. Термин описывает ухудшение умственных способностей из-за  чрезмерного потребления примитивного или тривиального контента, особенно  онлайн. «Брейнрот» стал ...">
+            <a:extLst>
+              <a:ext uri="{FF2B5EF4-FFF2-40B4-BE49-F238E27FC236}">
+                <a16:creationId xmlns:a16="http://schemas.microsoft.com/office/drawing/2014/main" id="{5E26B263-23AC-7BCB-B271-2B2C65980B87}"/>
+              </a:ext>
+            </a:extLst>
+          </p:cNvPr>
+          <p:cNvPicPr>
+            <a:picLocks noChangeAspect="1" noChangeArrowheads="1"/>
+          </p:cNvPicPr>
+          <p:nvPr/>
+        </p:nvPicPr>
+        <p:blipFill rotWithShape="1">
+          <a:blip r:embed="rId3">
+            <a:extLst>
+              <a:ext uri="{28A0092B-C50C-407E-A947-70E740481C1C}">
+                <a14:useLocalDpi xmlns:a14="http://schemas.microsoft.com/office/drawing/2010/main" val="0"/>
+              </a:ext>
+            </a:extLst>
+          </a:blip>
+          <a:srcRect r="11188" b="11188"/>
+          <a:stretch/>
+        </p:blipFill>
+        <p:spPr bwMode="auto">
+          <a:xfrm>
+            <a:off x="7844119" y="3584499"/>
+            <a:ext cx="4347882" cy="3273502"/>
+          </a:xfrm>
+          <a:prstGeom prst="rect">
+            <a:avLst/>
+          </a:prstGeom>
+          <a:noFill/>
+          <a:extLst>
+            <a:ext uri="{909E8E84-426E-40DD-AFC4-6F175D3DCCD1}">
+              <a14:hiddenFill xmlns:a14="http://schemas.microsoft.com/office/drawing/2010/main">
+                <a:solidFill>
+                  <a:srgbClr val="FFFFFF"/>
+                </a:solidFill>
+              </a14:hiddenFill>
+            </a:ext>
+          </a:extLst>
+        </p:spPr>
+      </p:pic>
+      <p:sp>
+        <p:nvSpPr>
+          <p:cNvPr id="2" name="TextBox 1">
+            <a:extLst>
+              <a:ext uri="{FF2B5EF4-FFF2-40B4-BE49-F238E27FC236}">
+                <a16:creationId xmlns:a16="http://schemas.microsoft.com/office/drawing/2014/main" id="{B7D32CED-3CB9-1A71-7927-906B33A9F6BC}"/>
+              </a:ext>
+            </a:extLst>
+          </p:cNvPr>
+          <p:cNvSpPr txBox="1"/>
+          <p:nvPr/>
+        </p:nvSpPr>
+        <p:spPr>
+          <a:xfrm>
+            <a:off x="407988" y="333375"/>
+            <a:ext cx="11376025" cy="707886"/>
+          </a:xfrm>
+          <a:prstGeom prst="rect">
+            <a:avLst/>
+          </a:prstGeom>
+          <a:noFill/>
+        </p:spPr>
+        <p:txBody>
+          <a:bodyPr wrap="square" rtlCol="0">
+            <a:spAutoFit/>
+          </a:bodyPr>
+          <a:lstStyle/>
+          <a:p>
+            <a:pPr algn="ctr"/>
+            <a:r>
+              <a:rPr lang="ru-RU" sz="4000" b="1" dirty="0"/>
+              <a:t>Проблема</a:t>
+            </a:r>
+          </a:p>
+        </p:txBody>
+      </p:sp>
+      <p:sp>
+        <p:nvSpPr>
+          <p:cNvPr id="3" name="TextBox 2">
+            <a:extLst>
+              <a:ext uri="{FF2B5EF4-FFF2-40B4-BE49-F238E27FC236}">
+                <a16:creationId xmlns:a16="http://schemas.microsoft.com/office/drawing/2014/main" id="{5F945CF2-18BE-35B7-0E03-AFC8ECB554AB}"/>
+              </a:ext>
+            </a:extLst>
+          </p:cNvPr>
+          <p:cNvSpPr txBox="1"/>
+          <p:nvPr/>
+        </p:nvSpPr>
+        <p:spPr>
+          <a:xfrm>
+            <a:off x="407988" y="1958937"/>
+            <a:ext cx="11376025" cy="707886"/>
+          </a:xfrm>
+          <a:prstGeom prst="rect">
+            <a:avLst/>
+          </a:prstGeom>
+          <a:noFill/>
+        </p:spPr>
+        <p:txBody>
+          <a:bodyPr wrap="square" rtlCol="0">
+            <a:spAutoFit/>
+          </a:bodyPr>
+          <a:lstStyle/>
+          <a:p>
+            <a:pPr algn="ctr"/>
+            <a:r>
+              <a:rPr lang="ru-RU" sz="4000" b="1" dirty="0" err="1"/>
+              <a:t>Брейнрот</a:t>
+            </a:r>
+            <a:endParaRPr lang="ru-RU" sz="4000" b="1" dirty="0"/>
+          </a:p>
+        </p:txBody>
+      </p:sp>
+      <p:sp>
+        <p:nvSpPr>
+          <p:cNvPr id="4" name="TextBox 3">
+            <a:extLst>
+              <a:ext uri="{FF2B5EF4-FFF2-40B4-BE49-F238E27FC236}">
+                <a16:creationId xmlns:a16="http://schemas.microsoft.com/office/drawing/2014/main" id="{599A490D-6CAE-147E-09EB-838615C7E3A7}"/>
+              </a:ext>
+            </a:extLst>
+          </p:cNvPr>
+          <p:cNvSpPr txBox="1"/>
+          <p:nvPr/>
+        </p:nvSpPr>
+        <p:spPr>
+          <a:xfrm>
+            <a:off x="407988" y="2828835"/>
+            <a:ext cx="11376025" cy="1200329"/>
+          </a:xfrm>
+          <a:prstGeom prst="rect">
+            <a:avLst/>
+          </a:prstGeom>
+          <a:noFill/>
+        </p:spPr>
+        <p:txBody>
+          <a:bodyPr wrap="square" rtlCol="0">
+            <a:spAutoFit/>
+          </a:bodyPr>
+          <a:lstStyle/>
+          <a:p>
+            <a:pPr algn="ctr"/>
+            <a:r>
+              <a:rPr lang="ru-RU" b="0" i="0" dirty="0">
+                <a:effectLst/>
+                <a:latin typeface="Arial" panose="020B0604020202020204" pitchFamily="34" charset="0"/>
+              </a:rPr>
+              <a:t>(</a:t>
+            </a:r>
+            <a:r>
+              <a:rPr lang="ru-RU" b="0" i="0" u="none" strike="noStrike" dirty="0">
+                <a:effectLst/>
+                <a:latin typeface="Arial" panose="020B0604020202020204" pitchFamily="34" charset="0"/>
+              </a:rPr>
+              <a:t>англ.</a:t>
+            </a:r>
+            <a:r>
+              <a:rPr lang="ru-RU" b="0" i="0" dirty="0">
+                <a:effectLst/>
+                <a:latin typeface="Arial" panose="020B0604020202020204" pitchFamily="34" charset="0"/>
+              </a:rPr>
+              <a:t> </a:t>
+            </a:r>
+            <a:r>
+              <a:rPr lang="ru-RU" b="0" i="1" dirty="0">
+                <a:effectLst/>
+                <a:latin typeface="Arial" panose="020B0604020202020204" pitchFamily="34" charset="0"/>
+              </a:rPr>
+              <a:t>brain rot, brainrot</a:t>
+            </a:r>
+            <a:r>
+              <a:rPr lang="ru-RU" b="0" i="0" dirty="0">
+                <a:effectLst/>
+                <a:latin typeface="Arial" panose="020B0604020202020204" pitchFamily="34" charset="0"/>
+              </a:rPr>
+              <a:t>, </a:t>
+            </a:r>
+            <a:r>
+              <a:rPr lang="ru-RU" b="0" i="0" u="none" strike="noStrike" dirty="0">
+                <a:effectLst/>
+                <a:latin typeface="Arial" panose="020B0604020202020204" pitchFamily="34" charset="0"/>
+              </a:rPr>
+              <a:t>дословно</a:t>
+            </a:r>
+            <a:r>
+              <a:rPr lang="ru-RU" b="0" i="0" dirty="0">
+                <a:effectLst/>
+                <a:latin typeface="Arial" panose="020B0604020202020204" pitchFamily="34" charset="0"/>
+              </a:rPr>
+              <a:t> — «гниение / разложение мозга») — </a:t>
+            </a:r>
+          </a:p>
+          <a:p>
+            <a:pPr algn="ctr"/>
+            <a:r>
+              <a:rPr lang="ru-RU" b="0" i="0" u="none" dirty="0">
+                <a:solidFill>
+                  <a:schemeClr val="tx1"/>
+                </a:solidFill>
+                <a:effectLst/>
+                <a:latin typeface="Arial" panose="020B0604020202020204" pitchFamily="34" charset="0"/>
+              </a:rPr>
+              <a:t>термин относится к чрезмерному использованию цифровых медиа, </a:t>
+            </a:r>
+          </a:p>
+          <a:p>
+            <a:pPr algn="ctr"/>
+            <a:r>
+              <a:rPr lang="ru-RU" b="0" i="0" u="none" dirty="0">
+                <a:solidFill>
+                  <a:schemeClr val="tx1"/>
+                </a:solidFill>
+                <a:effectLst/>
+                <a:latin typeface="Arial" panose="020B0604020202020204" pitchFamily="34" charset="0"/>
+              </a:rPr>
+              <a:t>что может привести к </a:t>
+            </a:r>
+            <a:r>
+              <a:rPr lang="ru-RU" b="0" i="0" strike="noStrike" dirty="0">
+                <a:solidFill>
+                  <a:schemeClr val="tx1"/>
+                </a:solidFill>
+                <a:effectLst/>
+                <a:latin typeface="Arial" panose="020B0604020202020204" pitchFamily="34" charset="0"/>
+              </a:rPr>
+              <a:t>снижению когнитивных функций</a:t>
+            </a:r>
+            <a:r>
+              <a:rPr lang="ru-RU" b="0" i="0" u="none" dirty="0">
+                <a:solidFill>
+                  <a:schemeClr val="tx1"/>
+                </a:solidFill>
+                <a:effectLst/>
+                <a:latin typeface="Arial" panose="020B0604020202020204" pitchFamily="34" charset="0"/>
+              </a:rPr>
+              <a:t>, включая </a:t>
+            </a:r>
+            <a:r>
+              <a:rPr lang="ru-RU" b="0" i="0" u="none" strike="noStrike" dirty="0">
+                <a:solidFill>
+                  <a:schemeClr val="tx1"/>
+                </a:solidFill>
+                <a:effectLst/>
+                <a:latin typeface="Arial" panose="020B0604020202020204" pitchFamily="34" charset="0"/>
+              </a:rPr>
+              <a:t>снижение </a:t>
+            </a:r>
+          </a:p>
+          <a:p>
+            <a:pPr algn="ctr"/>
+            <a:r>
+              <a:rPr lang="ru-RU" b="0" i="0" u="none" strike="noStrike" dirty="0">
+                <a:solidFill>
+                  <a:schemeClr val="tx1"/>
+                </a:solidFill>
+                <a:effectLst/>
+                <a:latin typeface="Arial" panose="020B0604020202020204" pitchFamily="34" charset="0"/>
+              </a:rPr>
+              <a:t>концентрации внимания</a:t>
+            </a:r>
+            <a:r>
+              <a:rPr lang="ru-RU" b="0" i="0" u="none" dirty="0">
+                <a:solidFill>
+                  <a:schemeClr val="tx1"/>
+                </a:solidFill>
+                <a:effectLst/>
+                <a:latin typeface="Arial" panose="020B0604020202020204" pitchFamily="34" charset="0"/>
+              </a:rPr>
+              <a:t> и </a:t>
+            </a:r>
+            <a:r>
+              <a:rPr lang="ru-RU" b="0" i="0" u="none" strike="noStrike" dirty="0">
+                <a:solidFill>
+                  <a:schemeClr val="tx1"/>
+                </a:solidFill>
+                <a:effectLst/>
+                <a:latin typeface="Arial" panose="020B0604020202020204" pitchFamily="34" charset="0"/>
+              </a:rPr>
+              <a:t>нарушение психики</a:t>
+            </a:r>
+            <a:r>
+              <a:rPr lang="ru-RU" b="0" i="0" dirty="0">
+                <a:effectLst/>
+                <a:latin typeface="Arial" panose="020B0604020202020204" pitchFamily="34" charset="0"/>
+              </a:rPr>
+              <a:t>.</a:t>
+            </a:r>
+            <a:endParaRPr lang="ru-RU" dirty="0"/>
+          </a:p>
+        </p:txBody>
+      </p:sp>
+    </p:spTree>
+    <p:extLst>
+      <p:ext uri="{BB962C8B-B14F-4D97-AF65-F5344CB8AC3E}">
+        <p14:creationId xmlns:p14="http://schemas.microsoft.com/office/powerpoint/2010/main" val="2427214013"/>
+      </p:ext>
+    </p:extLst>
+  </p:cSld>
+  <p:clrMapOvr>
+    <a:masterClrMapping/>
+  </p:clrMapOvr>
+</p:sld>
+</file>
+
+<file path=ppt/slides/slide3.xml><?xml version="1.0" encoding="utf-8"?>
+<p:sld xmlns:a="http://schemas.openxmlformats.org/drawingml/2006/main" xmlns:r="http://schemas.openxmlformats.org/officeDocument/2006/relationships" xmlns:p="http://schemas.openxmlformats.org/presentationml/2006/main">
+  <p:cSld>
+    <p:spTree>
+      <p:nvGrpSpPr>
+        <p:cNvPr id="1" name=""/>
+        <p:cNvGrpSpPr/>
+        <p:nvPr/>
+      </p:nvGrpSpPr>
+      <p:grpSpPr>
+        <a:xfrm>
+          <a:off x="0" y="0"/>
+          <a:ext cx="0" cy="0"/>
+          <a:chOff x="0" y="0"/>
+          <a:chExt cx="0" cy="0"/>
+        </a:xfrm>
+      </p:grpSpPr>
+      <p:sp>
+        <p:nvSpPr>
+          <p:cNvPr id="8" name="TextBox 7">
+            <a:extLst>
+              <a:ext uri="{FF2B5EF4-FFF2-40B4-BE49-F238E27FC236}">
+                <a16:creationId xmlns:a16="http://schemas.microsoft.com/office/drawing/2014/main" id="{6F28FB70-EEAE-8FE5-B3EF-1E3B7C019429}"/>
+              </a:ext>
+            </a:extLst>
+          </p:cNvPr>
+          <p:cNvSpPr txBox="1"/>
+          <p:nvPr/>
+        </p:nvSpPr>
+        <p:spPr>
+          <a:xfrm>
+            <a:off x="407989" y="333375"/>
+            <a:ext cx="11376024" cy="707886"/>
+          </a:xfrm>
+          <a:prstGeom prst="rect">
+            <a:avLst/>
+          </a:prstGeom>
+          <a:noFill/>
+        </p:spPr>
+        <p:txBody>
+          <a:bodyPr wrap="square" rtlCol="0">
+            <a:spAutoFit/>
+          </a:bodyPr>
+          <a:lstStyle/>
+          <a:p>
+            <a:pPr algn="ctr"/>
+            <a:r>
+              <a:rPr lang="ru-RU" sz="4000" b="1" dirty="0"/>
+              <a:t>Статистические данные</a:t>
+            </a:r>
+          </a:p>
+        </p:txBody>
+      </p:sp>
+      <p:pic>
+        <p:nvPicPr>
+          <p:cNvPr id="1026" name="Picture 2" descr="Дефицит внимания | Концентрация внимания - это золото 21 века">
+            <a:extLst>
+              <a:ext uri="{FF2B5EF4-FFF2-40B4-BE49-F238E27FC236}">
+                <a16:creationId xmlns:a16="http://schemas.microsoft.com/office/drawing/2014/main" id="{3390EB4C-2733-7273-4E55-70663C19560D}"/>
+              </a:ext>
+            </a:extLst>
+          </p:cNvPr>
+          <p:cNvPicPr>
+            <a:picLocks noChangeAspect="1" noChangeArrowheads="1"/>
+          </p:cNvPicPr>
+          <p:nvPr/>
+        </p:nvPicPr>
+        <p:blipFill>
+          <a:blip r:embed="rId3">
+            <a:extLst>
+              <a:ext uri="{28A0092B-C50C-407E-A947-70E740481C1C}">
+                <a14:useLocalDpi xmlns:a14="http://schemas.microsoft.com/office/drawing/2010/main" val="0"/>
+              </a:ext>
+            </a:extLst>
+          </a:blip>
+          <a:srcRect/>
+          <a:stretch>
+            <a:fillRect/>
+          </a:stretch>
+        </p:blipFill>
+        <p:spPr bwMode="auto">
+          <a:xfrm>
+            <a:off x="4572000" y="1231257"/>
+            <a:ext cx="7620000" cy="5715000"/>
+          </a:xfrm>
+          <a:prstGeom prst="rect">
+            <a:avLst/>
+          </a:prstGeom>
+          <a:noFill/>
+          <a:extLst>
+            <a:ext uri="{909E8E84-426E-40DD-AFC4-6F175D3DCCD1}">
+              <a14:hiddenFill xmlns:a14="http://schemas.microsoft.com/office/drawing/2010/main">
+                <a:solidFill>
+                  <a:srgbClr val="FFFFFF"/>
+                </a:solidFill>
+              </a14:hiddenFill>
+            </a:ext>
+          </a:extLst>
+        </p:spPr>
+      </p:pic>
+      <p:sp>
+        <p:nvSpPr>
+          <p:cNvPr id="7" name="TextBox 6">
+            <a:extLst>
+              <a:ext uri="{FF2B5EF4-FFF2-40B4-BE49-F238E27FC236}">
+                <a16:creationId xmlns:a16="http://schemas.microsoft.com/office/drawing/2014/main" id="{6F083059-6144-E8DC-DC9B-D1E8A7A967D0}"/>
+              </a:ext>
+            </a:extLst>
+          </p:cNvPr>
+          <p:cNvSpPr txBox="1"/>
+          <p:nvPr/>
+        </p:nvSpPr>
+        <p:spPr>
+          <a:xfrm>
+            <a:off x="407988" y="4947632"/>
+            <a:ext cx="7480635" cy="1569660"/>
+          </a:xfrm>
+          <a:prstGeom prst="rect">
+            <a:avLst/>
+          </a:prstGeom>
+          <a:noFill/>
+        </p:spPr>
+        <p:txBody>
+          <a:bodyPr wrap="square">
+            <a:spAutoFit/>
+          </a:bodyPr>
+          <a:lstStyle/>
+          <a:p>
+            <a:r>
+              <a:rPr lang="ru-RU" sz="2400" b="0" i="1" dirty="0">
+                <a:effectLst/>
+                <a:latin typeface="+mj-lt"/>
+              </a:rPr>
+              <a:t>С умом подходите к тому, как вы используете свои устройства. Управляйте устройствами – не позволяйте им управлять вами </a:t>
+            </a:r>
+            <a:endParaRPr lang="en-US" sz="2400" b="0" i="1" dirty="0">
+              <a:effectLst/>
+              <a:latin typeface="+mj-lt"/>
+            </a:endParaRPr>
+          </a:p>
+          <a:p>
+            <a:r>
+              <a:rPr lang="ru-RU" sz="2400" b="0" i="1" dirty="0">
+                <a:effectLst/>
+                <a:latin typeface="+mj-lt"/>
+              </a:rPr>
+              <a:t>© </a:t>
+            </a:r>
+            <a:r>
+              <a:rPr lang="en-US" sz="2400" b="0" i="1" dirty="0">
+                <a:effectLst/>
+                <a:latin typeface="+mj-lt"/>
+              </a:rPr>
+              <a:t>Andrew Przybylski</a:t>
+            </a:r>
+            <a:r>
+              <a:rPr lang="ru-RU" sz="2400" b="0" i="1" dirty="0">
+                <a:effectLst/>
+                <a:latin typeface="+mj-lt"/>
+              </a:rPr>
+              <a:t> (Эндрю Пшибыльский)</a:t>
+            </a:r>
+            <a:endParaRPr lang="ru-RU" sz="2400" i="1" dirty="0">
+              <a:latin typeface="+mj-lt"/>
+            </a:endParaRPr>
+          </a:p>
+        </p:txBody>
+      </p:sp>
+      <p:sp>
+        <p:nvSpPr>
+          <p:cNvPr id="2" name="TextBox 1">
+            <a:extLst>
+              <a:ext uri="{FF2B5EF4-FFF2-40B4-BE49-F238E27FC236}">
+                <a16:creationId xmlns:a16="http://schemas.microsoft.com/office/drawing/2014/main" id="{09D3A278-E1C7-A2BB-C696-96C289F74ADA}"/>
+              </a:ext>
+            </a:extLst>
+          </p:cNvPr>
+          <p:cNvSpPr txBox="1"/>
+          <p:nvPr/>
+        </p:nvSpPr>
+        <p:spPr>
+          <a:xfrm>
+            <a:off x="407989" y="1125538"/>
+            <a:ext cx="5688012" cy="1077218"/>
+          </a:xfrm>
+          <a:prstGeom prst="rect">
+            <a:avLst/>
+          </a:prstGeom>
+          <a:noFill/>
+        </p:spPr>
+        <p:txBody>
+          <a:bodyPr wrap="square" rtlCol="0">
+            <a:spAutoFit/>
+          </a:bodyPr>
+          <a:lstStyle/>
+          <a:p>
+            <a:r>
+              <a:rPr lang="ru-RU" sz="3200" b="1" dirty="0"/>
+              <a:t>Концентрация внимания – это золото 21 века</a:t>
+            </a:r>
+          </a:p>
+        </p:txBody>
+      </p:sp>
+    </p:spTree>
+    <p:extLst>
+      <p:ext uri="{BB962C8B-B14F-4D97-AF65-F5344CB8AC3E}">
+        <p14:creationId xmlns:p14="http://schemas.microsoft.com/office/powerpoint/2010/main" val="168434587"/>
+      </p:ext>
+    </p:extLst>
+  </p:cSld>
+  <p:clrMapOvr>
+    <a:masterClrMapping/>
+  </p:clrMapOvr>
+</p:sld>
+</file>
+
+<file path=ppt/slides/slide4.xml><?xml version="1.0" encoding="utf-8"?>
+<p:sld xmlns:a="http://schemas.openxmlformats.org/drawingml/2006/main" xmlns:r="http://schemas.openxmlformats.org/officeDocument/2006/relationships" xmlns:p="http://schemas.openxmlformats.org/presentationml/2006/main">
+  <p:cSld>
+    <p:spTree>
+      <p:nvGrpSpPr>
+        <p:cNvPr id="1" name=""/>
+        <p:cNvGrpSpPr/>
+        <p:nvPr/>
+      </p:nvGrpSpPr>
+      <p:grpSpPr>
+        <a:xfrm>
+          <a:off x="0" y="0"/>
+          <a:ext cx="0" cy="0"/>
+          <a:chOff x="0" y="0"/>
+          <a:chExt cx="0" cy="0"/>
+        </a:xfrm>
+      </p:grpSpPr>
+      <p:sp>
+        <p:nvSpPr>
+          <p:cNvPr id="3" name="TextBox 2">
+            <a:extLst>
+              <a:ext uri="{FF2B5EF4-FFF2-40B4-BE49-F238E27FC236}">
+                <a16:creationId xmlns:a16="http://schemas.microsoft.com/office/drawing/2014/main" id="{9FA0AC40-B274-E709-7177-66E01B858932}"/>
+              </a:ext>
+            </a:extLst>
+          </p:cNvPr>
+          <p:cNvSpPr txBox="1"/>
+          <p:nvPr/>
+        </p:nvSpPr>
+        <p:spPr>
+          <a:xfrm>
+            <a:off x="407988" y="1125538"/>
+            <a:ext cx="5688012" cy="4154984"/>
+          </a:xfrm>
+          <a:prstGeom prst="rect">
+            <a:avLst/>
+          </a:prstGeom>
+          <a:noFill/>
+        </p:spPr>
+        <p:txBody>
+          <a:bodyPr wrap="square">
+            <a:spAutoFit/>
+          </a:bodyPr>
+          <a:lstStyle/>
+          <a:p>
+            <a:r>
+              <a:rPr lang="ru-RU" sz="2200" b="1" i="0" dirty="0">
+                <a:solidFill>
+                  <a:srgbClr val="000000"/>
+                </a:solidFill>
+                <a:effectLst/>
+                <a:latin typeface="+mj-lt"/>
+              </a:rPr>
+              <a:t>Нейропластичность мозга</a:t>
+            </a:r>
+            <a:r>
+              <a:rPr lang="ru-RU" sz="2200" i="0" dirty="0">
+                <a:solidFill>
+                  <a:srgbClr val="000000"/>
+                </a:solidFill>
+                <a:effectLst/>
+                <a:latin typeface="+mj-lt"/>
+              </a:rPr>
+              <a:t> (способность структурно меняться с течением времени)</a:t>
+            </a:r>
+            <a:r>
+              <a:rPr lang="ru-RU" sz="2200" b="0" i="0" dirty="0">
+                <a:solidFill>
+                  <a:srgbClr val="000000"/>
+                </a:solidFill>
+                <a:effectLst/>
+                <a:latin typeface="+mj-lt"/>
+              </a:rPr>
+              <a:t> означает, что опыт, который мы получаем от </a:t>
+            </a:r>
+            <a:r>
+              <a:rPr lang="ru-RU" sz="2200" b="1" i="0" dirty="0">
+                <a:solidFill>
+                  <a:srgbClr val="000000"/>
+                </a:solidFill>
+                <a:effectLst/>
+                <a:latin typeface="+mj-lt"/>
+              </a:rPr>
+              <a:t>использования Интернета, может оказывать на мозг значительное влияние</a:t>
+            </a:r>
+            <a:r>
+              <a:rPr lang="ru-RU" sz="2200" b="0" i="0" dirty="0">
+                <a:solidFill>
+                  <a:srgbClr val="000000"/>
+                </a:solidFill>
+                <a:effectLst/>
+                <a:latin typeface="+mj-lt"/>
+              </a:rPr>
+              <a:t>. Особенно важно понимать какие изменения это влечет у детей и молодежи, так как в их возрасте мозг до сих пор развивается. Всемирная организация здравоохранения уже высказывала беспокойство на данную тему, </a:t>
+            </a:r>
+            <a:r>
+              <a:rPr lang="ru-RU" sz="2200" b="1" i="0" dirty="0">
+                <a:solidFill>
+                  <a:srgbClr val="000000"/>
+                </a:solidFill>
+                <a:effectLst/>
+                <a:latin typeface="+mj-lt"/>
+              </a:rPr>
+              <a:t>рекомендуя детям младше 5 лет проводить напротив экрана не более 1 часа в день</a:t>
+            </a:r>
+            <a:r>
+              <a:rPr lang="ru-RU" sz="2200" b="0" i="0" dirty="0">
+                <a:solidFill>
+                  <a:srgbClr val="000000"/>
+                </a:solidFill>
+                <a:effectLst/>
+                <a:latin typeface="+mj-lt"/>
+              </a:rPr>
+              <a:t>.</a:t>
+            </a:r>
+            <a:endParaRPr lang="ru-RU" sz="2200" dirty="0">
+              <a:latin typeface="+mj-lt"/>
+            </a:endParaRPr>
+          </a:p>
+        </p:txBody>
+      </p:sp>
+      <p:pic>
+        <p:nvPicPr>
+          <p:cNvPr id="2054" name="Picture 6" descr="Сколько разрешать — час, два, четыре?» Что делать, если ребенок вечно в  телефоне | Правмир">
+            <a:extLst>
+              <a:ext uri="{FF2B5EF4-FFF2-40B4-BE49-F238E27FC236}">
+                <a16:creationId xmlns:a16="http://schemas.microsoft.com/office/drawing/2014/main" id="{B8362CA4-29DB-2667-FF25-5C5535161FF3}"/>
+              </a:ext>
+            </a:extLst>
+          </p:cNvPr>
+          <p:cNvPicPr>
+            <a:picLocks noChangeAspect="1" noChangeArrowheads="1"/>
+          </p:cNvPicPr>
+          <p:nvPr/>
+        </p:nvPicPr>
+        <p:blipFill rotWithShape="1">
+          <a:blip r:embed="rId3">
+            <a:extLst>
+              <a:ext uri="{28A0092B-C50C-407E-A947-70E740481C1C}">
+                <a14:useLocalDpi xmlns:a14="http://schemas.microsoft.com/office/drawing/2010/main" val="0"/>
+              </a:ext>
+            </a:extLst>
+          </a:blip>
+          <a:srcRect l="21334" r="16915"/>
+          <a:stretch/>
+        </p:blipFill>
+        <p:spPr bwMode="auto">
+          <a:xfrm flipH="1">
+            <a:off x="6275387" y="1125538"/>
+            <a:ext cx="5916611" cy="5732462"/>
+          </a:xfrm>
+          <a:prstGeom prst="rect">
+            <a:avLst/>
+          </a:prstGeom>
+          <a:noFill/>
+          <a:extLst>
+            <a:ext uri="{909E8E84-426E-40DD-AFC4-6F175D3DCCD1}">
+              <a14:hiddenFill xmlns:a14="http://schemas.microsoft.com/office/drawing/2010/main">
+                <a:solidFill>
+                  <a:srgbClr val="FFFFFF"/>
+                </a:solidFill>
+              </a14:hiddenFill>
+            </a:ext>
+          </a:extLst>
+        </p:spPr>
+      </p:pic>
+      <p:sp>
+        <p:nvSpPr>
+          <p:cNvPr id="4" name="TextBox 3">
+            <a:extLst>
+              <a:ext uri="{FF2B5EF4-FFF2-40B4-BE49-F238E27FC236}">
+                <a16:creationId xmlns:a16="http://schemas.microsoft.com/office/drawing/2014/main" id="{70545688-DAA1-E98C-0180-ADA77233BDF6}"/>
+              </a:ext>
+            </a:extLst>
+          </p:cNvPr>
+          <p:cNvSpPr txBox="1"/>
+          <p:nvPr/>
+        </p:nvSpPr>
+        <p:spPr>
+          <a:xfrm>
+            <a:off x="407989" y="333375"/>
+            <a:ext cx="11376024" cy="707886"/>
+          </a:xfrm>
+          <a:prstGeom prst="rect">
+            <a:avLst/>
+          </a:prstGeom>
+          <a:noFill/>
+        </p:spPr>
+        <p:txBody>
+          <a:bodyPr wrap="square" rtlCol="0">
+            <a:spAutoFit/>
+          </a:bodyPr>
+          <a:lstStyle/>
+          <a:p>
+            <a:pPr algn="ctr"/>
+            <a:r>
+              <a:rPr lang="ru-RU" sz="4000" b="1" dirty="0"/>
+              <a:t>Статистические данные</a:t>
+            </a:r>
+          </a:p>
+        </p:txBody>
+      </p:sp>
+    </p:spTree>
+    <p:extLst>
+      <p:ext uri="{BB962C8B-B14F-4D97-AF65-F5344CB8AC3E}">
+        <p14:creationId xmlns:p14="http://schemas.microsoft.com/office/powerpoint/2010/main" val="135299423"/>
+      </p:ext>
+    </p:extLst>
+  </p:cSld>
+  <p:clrMapOvr>
+    <a:masterClrMapping/>
+  </p:clrMapOvr>
+</p:sld>
+</file>
+
+<file path=ppt/slides/slide5.xml><?xml version="1.0" encoding="utf-8"?>
+<p:sld xmlns:a="http://schemas.openxmlformats.org/drawingml/2006/main" xmlns:r="http://schemas.openxmlformats.org/officeDocument/2006/relationships" xmlns:p="http://schemas.openxmlformats.org/presentationml/2006/main">
+  <p:cSld>
+    <p:spTree>
+      <p:nvGrpSpPr>
+        <p:cNvPr id="1" name=""/>
+        <p:cNvGrpSpPr/>
+        <p:nvPr/>
+      </p:nvGrpSpPr>
+      <p:grpSpPr>
+        <a:xfrm>
+          <a:off x="0" y="0"/>
+          <a:ext cx="0" cy="0"/>
+          <a:chOff x="0" y="0"/>
+          <a:chExt cx="0" cy="0"/>
+        </a:xfrm>
+      </p:grpSpPr>
+      <p:sp>
+        <p:nvSpPr>
+          <p:cNvPr id="2" name="TextBox 1">
+            <a:extLst>
+              <a:ext uri="{FF2B5EF4-FFF2-40B4-BE49-F238E27FC236}">
+                <a16:creationId xmlns:a16="http://schemas.microsoft.com/office/drawing/2014/main" id="{6F5B43E2-6670-9F05-9DCA-B40334135BBC}"/>
+              </a:ext>
+            </a:extLst>
+          </p:cNvPr>
+          <p:cNvSpPr txBox="1"/>
+          <p:nvPr/>
+        </p:nvSpPr>
+        <p:spPr>
+          <a:xfrm>
+            <a:off x="407989" y="333375"/>
+            <a:ext cx="11376024" cy="707886"/>
+          </a:xfrm>
+          <a:prstGeom prst="rect">
+            <a:avLst/>
+          </a:prstGeom>
+          <a:noFill/>
+        </p:spPr>
+        <p:txBody>
+          <a:bodyPr wrap="square" rtlCol="0">
+            <a:spAutoFit/>
+          </a:bodyPr>
+          <a:lstStyle/>
+          <a:p>
+            <a:pPr algn="ctr"/>
+            <a:r>
+              <a:rPr lang="ru-RU" sz="4000" b="1" dirty="0"/>
+              <a:t>Статистические данные</a:t>
+            </a:r>
+          </a:p>
+        </p:txBody>
+      </p:sp>
+      <p:sp>
+        <p:nvSpPr>
+          <p:cNvPr id="4" name="TextBox 3">
+            <a:extLst>
+              <a:ext uri="{FF2B5EF4-FFF2-40B4-BE49-F238E27FC236}">
+                <a16:creationId xmlns:a16="http://schemas.microsoft.com/office/drawing/2014/main" id="{AD1BF1D3-DFE8-4DFE-59F5-39F7A04FAE38}"/>
+              </a:ext>
+            </a:extLst>
+          </p:cNvPr>
+          <p:cNvSpPr txBox="1"/>
+          <p:nvPr/>
+        </p:nvSpPr>
+        <p:spPr>
+          <a:xfrm>
+            <a:off x="407988" y="1189925"/>
+            <a:ext cx="5688012" cy="4847481"/>
+          </a:xfrm>
+          <a:prstGeom prst="rect">
+            <a:avLst/>
+          </a:prstGeom>
+          <a:noFill/>
+        </p:spPr>
+        <p:txBody>
+          <a:bodyPr wrap="square">
+            <a:spAutoFit/>
+          </a:bodyPr>
+          <a:lstStyle/>
+          <a:p>
+            <a:pPr algn="l">
+              <a:spcAft>
+                <a:spcPts val="1800"/>
+              </a:spcAft>
+              <a:buNone/>
+            </a:pPr>
+            <a:r>
+              <a:rPr lang="ru-RU" sz="2400" b="0" i="0" dirty="0">
+                <a:solidFill>
+                  <a:srgbClr val="001A34"/>
+                </a:solidFill>
+                <a:effectLst/>
+                <a:latin typeface="+mj-lt"/>
+              </a:rPr>
+              <a:t>Есть два типа внимания. </a:t>
+            </a:r>
+          </a:p>
+          <a:p>
+            <a:pPr algn="l">
+              <a:spcAft>
+                <a:spcPts val="1800"/>
+              </a:spcAft>
+              <a:buNone/>
+            </a:pPr>
+            <a:r>
+              <a:rPr lang="ru-RU" sz="2400" b="1" i="0" dirty="0">
+                <a:solidFill>
+                  <a:srgbClr val="001A34"/>
+                </a:solidFill>
+                <a:effectLst/>
+                <a:latin typeface="+mj-lt"/>
+              </a:rPr>
+              <a:t>Непроизвольное</a:t>
+            </a:r>
+            <a:r>
+              <a:rPr lang="ru-RU" sz="2400" b="0" i="0" dirty="0">
+                <a:solidFill>
+                  <a:srgbClr val="001A34"/>
+                </a:solidFill>
+                <a:effectLst/>
+                <a:latin typeface="+mj-lt"/>
+              </a:rPr>
+              <a:t>: кто-то крикнул — мы обернулись. </a:t>
+            </a:r>
+          </a:p>
+          <a:p>
+            <a:pPr algn="l">
+              <a:spcAft>
+                <a:spcPts val="1800"/>
+              </a:spcAft>
+              <a:buNone/>
+            </a:pPr>
+            <a:r>
+              <a:rPr lang="ru-RU" sz="2400" b="1" i="0" dirty="0">
+                <a:solidFill>
+                  <a:srgbClr val="001A34"/>
+                </a:solidFill>
+                <a:effectLst/>
+                <a:latin typeface="+mj-lt"/>
+              </a:rPr>
+              <a:t>Произвольное</a:t>
+            </a:r>
+            <a:r>
+              <a:rPr lang="ru-RU" sz="2400" b="0" i="0" dirty="0">
+                <a:solidFill>
+                  <a:srgbClr val="001A34"/>
+                </a:solidFill>
+                <a:effectLst/>
+                <a:latin typeface="+mj-lt"/>
+              </a:rPr>
+              <a:t>: это способность контролировать процесс.</a:t>
+            </a:r>
+          </a:p>
+          <a:p>
+            <a:pPr algn="l">
+              <a:spcAft>
+                <a:spcPts val="1800"/>
+              </a:spcAft>
+            </a:pPr>
+            <a:r>
+              <a:rPr lang="ru-RU" sz="2400" b="0" i="0" dirty="0">
+                <a:solidFill>
+                  <a:srgbClr val="001A34"/>
+                </a:solidFill>
+                <a:effectLst/>
+                <a:latin typeface="+mj-lt"/>
+              </a:rPr>
+              <a:t>Разработчики игр и видеоконтента искусственно поддерживают интерес. Короткие видео или динамичные сцены в длинных видео, бонусы в играх – всё это отвлекает и перетягивает внимание с важных дел.</a:t>
+            </a:r>
+          </a:p>
+        </p:txBody>
+      </p:sp>
+      <p:pic>
+        <p:nvPicPr>
+          <p:cNvPr id="3074" name="Picture 2" descr="Как короткие видео влияют на ментальное здоровье: научные данные | РБК Стиль">
+            <a:extLst>
+              <a:ext uri="{FF2B5EF4-FFF2-40B4-BE49-F238E27FC236}">
+                <a16:creationId xmlns:a16="http://schemas.microsoft.com/office/drawing/2014/main" id="{8473C533-F2B7-D02A-1F30-4B38563449E6}"/>
+              </a:ext>
+            </a:extLst>
+          </p:cNvPr>
+          <p:cNvPicPr>
+            <a:picLocks noChangeAspect="1" noChangeArrowheads="1"/>
+          </p:cNvPicPr>
+          <p:nvPr/>
+        </p:nvPicPr>
+        <p:blipFill rotWithShape="1">
+          <a:blip r:embed="rId3">
+            <a:extLst>
+              <a:ext uri="{28A0092B-C50C-407E-A947-70E740481C1C}">
+                <a14:useLocalDpi xmlns:a14="http://schemas.microsoft.com/office/drawing/2010/main" val="0"/>
+              </a:ext>
+            </a:extLst>
+          </a:blip>
+          <a:srcRect l="2968" t="13719" r="10759" b="2692"/>
+          <a:stretch/>
+        </p:blipFill>
+        <p:spPr bwMode="auto">
+          <a:xfrm flipH="1">
+            <a:off x="6275388" y="1125538"/>
+            <a:ext cx="5916612" cy="5732462"/>
+          </a:xfrm>
+          <a:prstGeom prst="rect">
+            <a:avLst/>
+          </a:prstGeom>
+          <a:noFill/>
+          <a:extLst>
+            <a:ext uri="{909E8E84-426E-40DD-AFC4-6F175D3DCCD1}">
+              <a14:hiddenFill xmlns:a14="http://schemas.microsoft.com/office/drawing/2010/main">
+                <a:solidFill>
+                  <a:srgbClr val="FFFFFF"/>
+                </a:solidFill>
+              </a14:hiddenFill>
+            </a:ext>
+          </a:extLst>
+        </p:spPr>
+      </p:pic>
+    </p:spTree>
+    <p:extLst>
+      <p:ext uri="{BB962C8B-B14F-4D97-AF65-F5344CB8AC3E}">
+        <p14:creationId xmlns:p14="http://schemas.microsoft.com/office/powerpoint/2010/main" val="1898158326"/>
+      </p:ext>
+    </p:extLst>
+  </p:cSld>
+  <p:clrMapOvr>
+    <a:masterClrMapping/>
+  </p:clrMapOvr>
+</p:sld>
+</file>
+
+<file path=ppt/slides/slide6.xml><?xml version="1.0" encoding="utf-8"?>
+<p:sld xmlns:a="http://schemas.openxmlformats.org/drawingml/2006/main" xmlns:r="http://schemas.openxmlformats.org/officeDocument/2006/relationships" xmlns:p="http://schemas.openxmlformats.org/presentationml/2006/main">
+  <p:cSld>
+    <p:spTree>
+      <p:nvGrpSpPr>
+        <p:cNvPr id="1" name="">
+          <a:extLst>
+            <a:ext uri="{FF2B5EF4-FFF2-40B4-BE49-F238E27FC236}">
+              <a16:creationId xmlns:a16="http://schemas.microsoft.com/office/drawing/2014/main" id="{3B64DE2A-C52C-CA36-ABA2-BD6F950F8146}"/>
+            </a:ext>
+          </a:extLst>
+        </p:cNvPr>
+        <p:cNvGrpSpPr/>
+        <p:nvPr/>
+      </p:nvGrpSpPr>
+      <p:grpSpPr>
+        <a:xfrm>
+          <a:off x="0" y="0"/>
+          <a:ext cx="0" cy="0"/>
+          <a:chOff x="0" y="0"/>
+          <a:chExt cx="0" cy="0"/>
+        </a:xfrm>
+      </p:grpSpPr>
+      <p:sp>
+        <p:nvSpPr>
+          <p:cNvPr id="4" name="TextBox 3">
+            <a:extLst>
+              <a:ext uri="{FF2B5EF4-FFF2-40B4-BE49-F238E27FC236}">
+                <a16:creationId xmlns:a16="http://schemas.microsoft.com/office/drawing/2014/main" id="{663BD982-BCE9-4143-D8E6-611035E322E4}"/>
+              </a:ext>
+            </a:extLst>
+          </p:cNvPr>
+          <p:cNvSpPr txBox="1"/>
+          <p:nvPr/>
+        </p:nvSpPr>
+        <p:spPr>
+          <a:xfrm>
+            <a:off x="407988" y="331927"/>
+            <a:ext cx="11376024" cy="707886"/>
+          </a:xfrm>
+          <a:prstGeom prst="rect">
+            <a:avLst/>
+          </a:prstGeom>
+          <a:noFill/>
+        </p:spPr>
+        <p:txBody>
+          <a:bodyPr wrap="square" rtlCol="0">
+            <a:spAutoFit/>
+          </a:bodyPr>
+          <a:lstStyle/>
+          <a:p>
+            <a:pPr algn="ctr"/>
+            <a:r>
+              <a:rPr lang="ru-RU" sz="4000" b="1" dirty="0"/>
+              <a:t>Решение</a:t>
+            </a:r>
+          </a:p>
+        </p:txBody>
+      </p:sp>
+      <p:sp>
+        <p:nvSpPr>
+          <p:cNvPr id="2" name="TextBox 1">
+            <a:extLst>
+              <a:ext uri="{FF2B5EF4-FFF2-40B4-BE49-F238E27FC236}">
+                <a16:creationId xmlns:a16="http://schemas.microsoft.com/office/drawing/2014/main" id="{ECD3E790-C2E4-01E8-4DE9-DB4E2BC2FF01}"/>
+              </a:ext>
+            </a:extLst>
+          </p:cNvPr>
+          <p:cNvSpPr txBox="1"/>
+          <p:nvPr/>
+        </p:nvSpPr>
+        <p:spPr>
+          <a:xfrm>
+            <a:off x="1993231" y="1412499"/>
+            <a:ext cx="8205537" cy="707886"/>
+          </a:xfrm>
+          <a:prstGeom prst="rect">
+            <a:avLst/>
+          </a:prstGeom>
+          <a:noFill/>
+        </p:spPr>
+        <p:txBody>
+          <a:bodyPr wrap="square" rtlCol="0">
+            <a:spAutoFit/>
+          </a:bodyPr>
+          <a:lstStyle/>
+          <a:p>
+            <a:pPr algn="ctr"/>
+            <a:r>
+              <a:rPr lang="ru-RU" sz="4000" b="1" dirty="0"/>
+              <a:t>Виртуальный куратор</a:t>
+            </a:r>
+          </a:p>
+        </p:txBody>
+      </p:sp>
+      <p:sp>
+        <p:nvSpPr>
+          <p:cNvPr id="3" name="TextBox 2">
+            <a:extLst>
+              <a:ext uri="{FF2B5EF4-FFF2-40B4-BE49-F238E27FC236}">
+                <a16:creationId xmlns:a16="http://schemas.microsoft.com/office/drawing/2014/main" id="{2BA6B41B-6851-1CAC-47C5-BF3BC33A24A4}"/>
+              </a:ext>
+            </a:extLst>
+          </p:cNvPr>
+          <p:cNvSpPr txBox="1"/>
+          <p:nvPr/>
+        </p:nvSpPr>
+        <p:spPr>
+          <a:xfrm>
+            <a:off x="418581" y="2236083"/>
+            <a:ext cx="11376024" cy="1077218"/>
+          </a:xfrm>
+          <a:prstGeom prst="rect">
+            <a:avLst/>
+          </a:prstGeom>
+          <a:noFill/>
+        </p:spPr>
+        <p:txBody>
+          <a:bodyPr wrap="square" rtlCol="0">
+            <a:spAutoFit/>
+          </a:bodyPr>
+          <a:lstStyle/>
+          <a:p>
+            <a:pPr algn="ctr"/>
+            <a:r>
+              <a:rPr lang="ru-RU" sz="3200" dirty="0">
+                <a:latin typeface="+mj-lt"/>
+              </a:rPr>
+              <a:t>Любимый персонаж на рабочем столе, который призван </a:t>
+            </a:r>
+            <a:r>
+              <a:rPr lang="ru-RU" sz="3200" b="0" i="0" dirty="0">
+                <a:solidFill>
+                  <a:srgbClr val="121212"/>
+                </a:solidFill>
+                <a:effectLst/>
+                <a:latin typeface="+mj-lt"/>
+              </a:rPr>
+              <a:t>предупреждать отвлечение от работы или учёбы</a:t>
+            </a:r>
+            <a:r>
+              <a:rPr lang="en-US" sz="3200" b="0" i="0" dirty="0">
+                <a:solidFill>
+                  <a:srgbClr val="121212"/>
+                </a:solidFill>
+                <a:effectLst/>
+                <a:latin typeface="+mj-lt"/>
+              </a:rPr>
+              <a:t>!</a:t>
+            </a:r>
+            <a:endParaRPr lang="ru-RU" sz="3200" dirty="0">
+              <a:latin typeface="+mj-lt"/>
+            </a:endParaRPr>
+          </a:p>
+        </p:txBody>
+      </p:sp>
+      <p:pic>
+        <p:nvPicPr>
+          <p:cNvPr id="6" name="Picture 6" descr="Новости — Microsoft начала тестировать виджеты на рабочем столе Windows 11">
+            <a:extLst>
+              <a:ext uri="{FF2B5EF4-FFF2-40B4-BE49-F238E27FC236}">
+                <a16:creationId xmlns:a16="http://schemas.microsoft.com/office/drawing/2014/main" id="{F861F05C-44BE-2A08-6706-FA615EC41FA9}"/>
+              </a:ext>
+            </a:extLst>
+          </p:cNvPr>
+          <p:cNvPicPr>
+            <a:picLocks noChangeAspect="1" noChangeArrowheads="1"/>
+          </p:cNvPicPr>
+          <p:nvPr/>
+        </p:nvPicPr>
+        <p:blipFill rotWithShape="1">
+          <a:blip r:embed="rId2">
+            <a:extLst>
+              <a:ext uri="{28A0092B-C50C-407E-A947-70E740481C1C}">
+                <a14:useLocalDpi xmlns:a14="http://schemas.microsoft.com/office/drawing/2010/main" val="0"/>
+              </a:ext>
+            </a:extLst>
+          </a:blip>
+          <a:srcRect l="24865" t="48771" r="28568" b="6090"/>
+          <a:stretch/>
+        </p:blipFill>
+        <p:spPr bwMode="auto">
+          <a:xfrm>
+            <a:off x="418581" y="3428999"/>
+            <a:ext cx="5677419" cy="3095625"/>
+          </a:xfrm>
+          <a:prstGeom prst="rect">
+            <a:avLst/>
+          </a:prstGeom>
+          <a:noFill/>
+          <a:extLst>
+            <a:ext uri="{909E8E84-426E-40DD-AFC4-6F175D3DCCD1}">
+              <a14:hiddenFill xmlns:a14="http://schemas.microsoft.com/office/drawing/2010/main">
+                <a:solidFill>
+                  <a:srgbClr val="FFFFFF"/>
+                </a:solidFill>
+              </a14:hiddenFill>
+            </a:ext>
+          </a:extLst>
+        </p:spPr>
+      </p:pic>
+      <p:pic>
+        <p:nvPicPr>
+          <p:cNvPr id="4098" name="Picture 2" descr="Симпатичная рыжая кошка лижет лапу на белом фоне. | Премиум векторы">
+            <a:extLst>
+              <a:ext uri="{FF2B5EF4-FFF2-40B4-BE49-F238E27FC236}">
+                <a16:creationId xmlns:a16="http://schemas.microsoft.com/office/drawing/2014/main" id="{92B75BA3-3696-5AFB-434F-391D5FA927DD}"/>
+              </a:ext>
+            </a:extLst>
+          </p:cNvPr>
+          <p:cNvPicPr>
+            <a:picLocks noChangeAspect="1" noChangeArrowheads="1"/>
+          </p:cNvPicPr>
+          <p:nvPr/>
+        </p:nvPicPr>
+        <p:blipFill>
+          <a:blip r:embed="rId3">
+            <a:extLst>
+              <a:ext uri="{BEBA8EAE-BF5A-486C-A8C5-ECC9F3942E4B}">
+                <a14:imgProps xmlns:a14="http://schemas.microsoft.com/office/drawing/2010/main">
+                  <a14:imgLayer r:embed="rId4">
+                    <a14:imgEffect>
+                      <a14:backgroundRemoval t="10000" b="90000" l="10000" r="90000">
+                        <a14:foregroundMark x1="43770" y1="18211" x2="43770" y2="18211"/>
+                        <a14:foregroundMark x1="64856" y1="25080" x2="64856" y2="25080"/>
+                      </a14:backgroundRemoval>
+                    </a14:imgEffect>
+                  </a14:imgLayer>
+                </a14:imgProps>
+              </a:ext>
+              <a:ext uri="{28A0092B-C50C-407E-A947-70E740481C1C}">
+                <a14:useLocalDpi xmlns:a14="http://schemas.microsoft.com/office/drawing/2010/main" val="0"/>
+              </a:ext>
+            </a:extLst>
+          </a:blip>
+          <a:srcRect/>
+          <a:stretch>
+            <a:fillRect/>
+          </a:stretch>
+        </p:blipFill>
+        <p:spPr bwMode="auto">
+          <a:xfrm>
+            <a:off x="815257" y="3311530"/>
+            <a:ext cx="3128818" cy="3128818"/>
+          </a:xfrm>
+          <a:prstGeom prst="rect">
+            <a:avLst/>
+          </a:prstGeom>
+          <a:noFill/>
+          <a:extLst>
+            <a:ext uri="{909E8E84-426E-40DD-AFC4-6F175D3DCCD1}">
+              <a14:hiddenFill xmlns:a14="http://schemas.microsoft.com/office/drawing/2010/main">
+                <a:solidFill>
+                  <a:srgbClr val="FFFFFF"/>
+                </a:solidFill>
+              </a14:hiddenFill>
+            </a:ext>
+          </a:extLst>
+        </p:spPr>
+      </p:pic>
+    </p:spTree>
+    <p:extLst>
+      <p:ext uri="{BB962C8B-B14F-4D97-AF65-F5344CB8AC3E}">
+        <p14:creationId xmlns:p14="http://schemas.microsoft.com/office/powerpoint/2010/main" val="3206598949"/>
+      </p:ext>
+    </p:extLst>
+  </p:cSld>
+  <p:clrMapOvr>
+    <a:masterClrMapping/>
+  </p:clrMapOvr>
+</p:sld>
+</file>
+
+<file path=ppt/slides/slide7.xml><?xml version="1.0" encoding="utf-8"?>
 <p:sld xmlns:a="http://schemas.openxmlformats.org/drawingml/2006/main" xmlns:r="http://schemas.openxmlformats.org/officeDocument/2006/relationships" xmlns:p="http://schemas.openxmlformats.org/presentationml/2006/main">
   <p:cSld>
     <p:spTree>
@@ -5820,13 +6708,13 @@
               </a:ext>
             </a:extLst>
           </a:blip>
-          <a:srcRect l="4911" t="6372" r="48664" b="6089"/>
+          <a:srcRect l="4910" t="4507" r="42118" b="4435"/>
           <a:stretch/>
         </p:blipFill>
         <p:spPr bwMode="auto">
           <a:xfrm>
-            <a:off x="407988" y="1125538"/>
-            <a:ext cx="5090362" cy="5399087"/>
+            <a:off x="0" y="1125538"/>
+            <a:ext cx="5930900" cy="5734843"/>
           </a:xfrm>
           <a:prstGeom prst="rect">
             <a:avLst/>
@@ -5857,7 +6745,7 @@
         </p:nvSpPr>
         <p:spPr>
           <a:xfrm>
-            <a:off x="407988" y="417652"/>
+            <a:off x="407988" y="333375"/>
             <a:ext cx="11376024" cy="707886"/>
           </a:xfrm>
           <a:prstGeom prst="rect">
@@ -5908,7 +6796,7 @@
         </p:blipFill>
         <p:spPr bwMode="auto">
           <a:xfrm>
-            <a:off x="1057085" y="1769364"/>
+            <a:off x="1167386" y="1593568"/>
             <a:ext cx="2085975" cy="4343400"/>
           </a:xfrm>
           <a:prstGeom prst="rect">
@@ -5940,8 +6828,8 @@
         </p:nvSpPr>
         <p:spPr>
           <a:xfrm>
-            <a:off x="2807273" y="1456944"/>
-            <a:ext cx="2476500" cy="1029730"/>
+            <a:off x="3047999" y="1318559"/>
+            <a:ext cx="2623595" cy="1100550"/>
           </a:xfrm>
           <a:prstGeom prst="wedgeRectCallout">
             <a:avLst>
@@ -5980,7 +6868,7 @@
           <a:p>
             <a:pPr marL="0" algn="ctr" rtl="0" eaLnBrk="1" latinLnBrk="0" hangingPunct="1"/>
             <a:r>
-              <a:rPr lang="ru-RU" dirty="0">
+              <a:rPr lang="ru-RU" sz="2000" dirty="0">
                 <a:solidFill>
                   <a:schemeClr val="tx1"/>
                 </a:solidFill>
@@ -6005,7 +6893,7 @@
         </p:nvSpPr>
         <p:spPr>
           <a:xfrm>
-            <a:off x="6096000" y="1456944"/>
+            <a:off x="6096000" y="1125538"/>
             <a:ext cx="5688012" cy="2308324"/>
           </a:xfrm>
           <a:prstGeom prst="rect">
@@ -6021,7 +6909,7 @@
           <a:p>
             <a:r>
               <a:rPr lang="ru-RU" sz="2400" b="1" dirty="0"/>
-              <a:t>Кастомизируйте вашего ассистента!</a:t>
+              <a:t>Кастомизация ассистента</a:t>
             </a:r>
           </a:p>
           <a:p>
@@ -6030,7 +6918,7 @@
           <a:p>
             <a:r>
               <a:rPr lang="ru-RU" sz="2400" dirty="0"/>
-              <a:t>Гибкая настройка внешнего вида позволяет использовать вашего любимого персонажа или персонажа приятного вашему глазу.</a:t>
+              <a:t>Гибкая настройка внешнего вида позволяет использовать любимого персонажа или персонажа приятного глазу.</a:t>
             </a:r>
           </a:p>
         </p:txBody>
@@ -6039,6 +6927,312 @@
     <p:extLst>
       <p:ext uri="{BB962C8B-B14F-4D97-AF65-F5344CB8AC3E}">
         <p14:creationId xmlns:p14="http://schemas.microsoft.com/office/powerpoint/2010/main" val="3076709930"/>
+      </p:ext>
+    </p:extLst>
+  </p:cSld>
+  <p:clrMapOvr>
+    <a:masterClrMapping/>
+  </p:clrMapOvr>
+</p:sld>
+</file>
+
+<file path=ppt/slides/slide8.xml><?xml version="1.0" encoding="utf-8"?>
+<p:sld xmlns:a="http://schemas.openxmlformats.org/drawingml/2006/main" xmlns:r="http://schemas.openxmlformats.org/officeDocument/2006/relationships" xmlns:p="http://schemas.openxmlformats.org/presentationml/2006/main">
+  <p:cSld>
+    <p:spTree>
+      <p:nvGrpSpPr>
+        <p:cNvPr id="1" name=""/>
+        <p:cNvGrpSpPr/>
+        <p:nvPr/>
+      </p:nvGrpSpPr>
+      <p:grpSpPr>
+        <a:xfrm>
+          <a:off x="0" y="0"/>
+          <a:ext cx="0" cy="0"/>
+          <a:chOff x="0" y="0"/>
+          <a:chExt cx="0" cy="0"/>
+        </a:xfrm>
+      </p:grpSpPr>
+      <p:sp>
+        <p:nvSpPr>
+          <p:cNvPr id="3" name="TextBox 2">
+            <a:extLst>
+              <a:ext uri="{FF2B5EF4-FFF2-40B4-BE49-F238E27FC236}">
+                <a16:creationId xmlns:a16="http://schemas.microsoft.com/office/drawing/2014/main" id="{F0CFF184-1775-3599-474F-B4089ED852A5}"/>
+              </a:ext>
+            </a:extLst>
+          </p:cNvPr>
+          <p:cNvSpPr txBox="1"/>
+          <p:nvPr/>
+        </p:nvSpPr>
+        <p:spPr>
+          <a:xfrm>
+            <a:off x="407988" y="1125538"/>
+            <a:ext cx="5688012" cy="2677656"/>
+          </a:xfrm>
+          <a:prstGeom prst="rect">
+            <a:avLst/>
+          </a:prstGeom>
+          <a:noFill/>
+        </p:spPr>
+        <p:txBody>
+          <a:bodyPr wrap="square" rtlCol="0">
+            <a:spAutoFit/>
+          </a:bodyPr>
+          <a:lstStyle/>
+          <a:p>
+            <a:r>
+              <a:rPr lang="ru-RU" sz="2400" b="1" dirty="0"/>
+              <a:t>Встроенные заметки и календарь</a:t>
+            </a:r>
+          </a:p>
+          <a:p>
+            <a:endParaRPr lang="ru-RU" sz="2400" b="1" dirty="0"/>
+          </a:p>
+          <a:p>
+            <a:r>
+              <a:rPr lang="ru-RU" sz="2400" dirty="0"/>
+              <a:t>Ассистент может хранить пользовательские заметки, а интеграция с </a:t>
+            </a:r>
+            <a:r>
+              <a:rPr lang="en-US" sz="2400" dirty="0"/>
+              <a:t>Google </a:t>
+            </a:r>
+            <a:r>
+              <a:rPr lang="ru-RU" sz="2400" dirty="0"/>
+              <a:t>и </a:t>
+            </a:r>
+            <a:r>
+              <a:rPr lang="en-US" sz="2400" dirty="0"/>
+              <a:t>Yandex </a:t>
+            </a:r>
+            <a:r>
+              <a:rPr lang="ru-RU" sz="2400" dirty="0"/>
+              <a:t>календарями, позволит напоминать о встречах и событиях или создавать новые, прямо через ассистента.</a:t>
+            </a:r>
+          </a:p>
+        </p:txBody>
+      </p:sp>
+      <p:pic>
+        <p:nvPicPr>
+          <p:cNvPr id="4" name="Picture 6" descr="Новости — Microsoft начала тестировать виджеты на рабочем столе Windows 11">
+            <a:extLst>
+              <a:ext uri="{FF2B5EF4-FFF2-40B4-BE49-F238E27FC236}">
+                <a16:creationId xmlns:a16="http://schemas.microsoft.com/office/drawing/2014/main" id="{47CEEF5F-58DE-C280-7E98-E8AF4663850E}"/>
+              </a:ext>
+            </a:extLst>
+          </p:cNvPr>
+          <p:cNvPicPr>
+            <a:picLocks noChangeAspect="1" noChangeArrowheads="1"/>
+          </p:cNvPicPr>
+          <p:nvPr/>
+        </p:nvPicPr>
+        <p:blipFill rotWithShape="1">
+          <a:blip r:embed="rId2">
+            <a:extLst>
+              <a:ext uri="{28A0092B-C50C-407E-A947-70E740481C1C}">
+                <a14:useLocalDpi xmlns:a14="http://schemas.microsoft.com/office/drawing/2010/main" val="0"/>
+              </a:ext>
+            </a:extLst>
+          </a:blip>
+          <a:srcRect l="30502" t="20439" r="26242" b="4747"/>
+          <a:stretch/>
+        </p:blipFill>
+        <p:spPr bwMode="auto">
+          <a:xfrm>
+            <a:off x="6275388" y="1125538"/>
+            <a:ext cx="5916612" cy="5756209"/>
+          </a:xfrm>
+          <a:prstGeom prst="rect">
+            <a:avLst/>
+          </a:prstGeom>
+          <a:noFill/>
+          <a:extLst>
+            <a:ext uri="{909E8E84-426E-40DD-AFC4-6F175D3DCCD1}">
+              <a14:hiddenFill xmlns:a14="http://schemas.microsoft.com/office/drawing/2010/main">
+                <a:solidFill>
+                  <a:srgbClr val="FFFFFF"/>
+                </a:solidFill>
+              </a14:hiddenFill>
+            </a:ext>
+          </a:extLst>
+        </p:spPr>
+      </p:pic>
+      <p:pic>
+        <p:nvPicPr>
+          <p:cNvPr id="5" name="Picture 4" descr="Набор милых мультфильмов сиамских кошек в различных позах">
+            <a:extLst>
+              <a:ext uri="{FF2B5EF4-FFF2-40B4-BE49-F238E27FC236}">
+                <a16:creationId xmlns:a16="http://schemas.microsoft.com/office/drawing/2014/main" id="{A3B83362-7C65-069E-A80C-F926DBEDD29C}"/>
+              </a:ext>
+            </a:extLst>
+          </p:cNvPr>
+          <p:cNvPicPr>
+            <a:picLocks noChangeAspect="1" noChangeArrowheads="1"/>
+          </p:cNvPicPr>
+          <p:nvPr/>
+        </p:nvPicPr>
+        <p:blipFill rotWithShape="1">
+          <a:blip r:embed="rId3">
+            <a:extLst>
+              <a:ext uri="{BEBA8EAE-BF5A-486C-A8C5-ECC9F3942E4B}">
+                <a14:imgProps xmlns:a14="http://schemas.microsoft.com/office/drawing/2010/main">
+                  <a14:imgLayer r:embed="rId4">
+                    <a14:imgEffect>
+                      <a14:backgroundRemoval t="66454" b="82748" l="58946" r="91374">
+                        <a14:foregroundMark x1="63259" y1="69489" x2="64696" y2="70128"/>
+                        <a14:foregroundMark x1="60863" y1="70128" x2="60863" y2="71725"/>
+                        <a14:foregroundMark x1="58946" y1="71086" x2="58946" y2="72045"/>
+                        <a14:foregroundMark x1="71725" y1="82588" x2="71725" y2="82588"/>
+                        <a14:foregroundMark x1="74441" y1="82428" x2="74441" y2="82428"/>
+                        <a14:foregroundMark x1="78754" y1="82748" x2="78754" y2="82748"/>
+                        <a14:foregroundMark x1="90096" y1="78754" x2="90096" y2="78754"/>
+                        <a14:foregroundMark x1="91374" y1="78275" x2="91374" y2="78275"/>
+                        <a14:foregroundMark x1="64537" y1="66454" x2="64537" y2="66454"/>
+                      </a14:backgroundRemoval>
+                    </a14:imgEffect>
+                  </a14:imgLayer>
+                </a14:imgProps>
+              </a:ext>
+              <a:ext uri="{28A0092B-C50C-407E-A947-70E740481C1C}">
+                <a14:useLocalDpi xmlns:a14="http://schemas.microsoft.com/office/drawing/2010/main" val="0"/>
+              </a:ext>
+            </a:extLst>
+          </a:blip>
+          <a:srcRect l="56563" t="64653" r="6756" b="15287"/>
+          <a:stretch/>
+        </p:blipFill>
+        <p:spPr bwMode="auto">
+          <a:xfrm>
+            <a:off x="8026270" y="3878752"/>
+            <a:ext cx="4165730" cy="2278097"/>
+          </a:xfrm>
+          <a:prstGeom prst="rect">
+            <a:avLst/>
+          </a:prstGeom>
+          <a:noFill/>
+          <a:extLst>
+            <a:ext uri="{909E8E84-426E-40DD-AFC4-6F175D3DCCD1}">
+              <a14:hiddenFill xmlns:a14="http://schemas.microsoft.com/office/drawing/2010/main">
+                <a:solidFill>
+                  <a:srgbClr val="FFFFFF"/>
+                </a:solidFill>
+              </a14:hiddenFill>
+            </a:ext>
+          </a:extLst>
+        </p:spPr>
+      </p:pic>
+      <p:sp>
+        <p:nvSpPr>
+          <p:cNvPr id="6" name="Облачко с текстом: прямоугольное 5">
+            <a:extLst>
+              <a:ext uri="{FF2B5EF4-FFF2-40B4-BE49-F238E27FC236}">
+                <a16:creationId xmlns:a16="http://schemas.microsoft.com/office/drawing/2014/main" id="{C110B027-0CF9-C68B-34AA-24714DFCD806}"/>
+              </a:ext>
+            </a:extLst>
+          </p:cNvPr>
+          <p:cNvSpPr/>
+          <p:nvPr/>
+        </p:nvSpPr>
+        <p:spPr>
+          <a:xfrm>
+            <a:off x="6553200" y="2235200"/>
+            <a:ext cx="2897189" cy="1337720"/>
+          </a:xfrm>
+          <a:prstGeom prst="wedgeRectCallout">
+            <a:avLst>
+              <a:gd name="adj1" fmla="val 21593"/>
+              <a:gd name="adj2" fmla="val 74566"/>
+            </a:avLst>
+          </a:prstGeom>
+          <a:solidFill>
+            <a:schemeClr val="bg1"/>
+          </a:solidFill>
+          <a:ln w="9525">
+            <a:solidFill>
+              <a:srgbClr val="FFFFFF"/>
+            </a:solidFill>
+          </a:ln>
+        </p:spPr>
+        <p:style>
+          <a:lnRef idx="2">
+            <a:schemeClr val="accent1">
+              <a:shade val="15000"/>
+            </a:schemeClr>
+          </a:lnRef>
+          <a:fillRef idx="1">
+            <a:schemeClr val="accent1"/>
+          </a:fillRef>
+          <a:effectRef idx="0">
+            <a:schemeClr val="accent1"/>
+          </a:effectRef>
+          <a:fontRef idx="minor">
+            <a:schemeClr val="lt1"/>
+          </a:fontRef>
+        </p:style>
+        <p:txBody>
+          <a:bodyPr rtlCol="0" anchor="ctr"/>
+          <a:lstStyle/>
+          <a:p>
+            <a:pPr marL="0" algn="ctr" rtl="0" eaLnBrk="1" latinLnBrk="0" hangingPunct="1"/>
+            <a:r>
+              <a:rPr lang="ru-RU" sz="2000" kern="1200" dirty="0">
+                <a:solidFill>
+                  <a:srgbClr val="000000"/>
+                </a:solidFill>
+                <a:effectLst/>
+                <a:latin typeface="Times New Roman" panose="02020603050405020304" pitchFamily="18" charset="0"/>
+                <a:ea typeface="+mn-ea"/>
+                <a:cs typeface="+mn-cs"/>
+              </a:rPr>
+              <a:t>Напомню тебе о твоих делах и помогу запланировать новые</a:t>
+            </a:r>
+            <a:endParaRPr lang="ru-RU" sz="2000" dirty="0">
+              <a:effectLst/>
+            </a:endParaRPr>
+          </a:p>
+        </p:txBody>
+      </p:sp>
+      <p:sp>
+        <p:nvSpPr>
+          <p:cNvPr id="7" name="TextBox 6">
+            <a:extLst>
+              <a:ext uri="{FF2B5EF4-FFF2-40B4-BE49-F238E27FC236}">
+                <a16:creationId xmlns:a16="http://schemas.microsoft.com/office/drawing/2014/main" id="{AA0F34CD-613A-CB76-F7EB-A9AAC2D7AC36}"/>
+              </a:ext>
+            </a:extLst>
+          </p:cNvPr>
+          <p:cNvSpPr txBox="1"/>
+          <p:nvPr/>
+        </p:nvSpPr>
+        <p:spPr>
+          <a:xfrm>
+            <a:off x="407988" y="333375"/>
+            <a:ext cx="11376024" cy="707886"/>
+          </a:xfrm>
+          <a:prstGeom prst="rect">
+            <a:avLst/>
+          </a:prstGeom>
+          <a:noFill/>
+        </p:spPr>
+        <p:txBody>
+          <a:bodyPr wrap="square" rtlCol="0">
+            <a:spAutoFit/>
+          </a:bodyPr>
+          <a:lstStyle/>
+          <a:p>
+            <a:pPr algn="ctr"/>
+            <a:r>
+              <a:rPr lang="ru-RU" sz="4000" b="1" dirty="0"/>
+              <a:t>Суть решения</a:t>
+            </a:r>
+          </a:p>
+        </p:txBody>
+      </p:sp>
+    </p:spTree>
+    <p:extLst>
+      <p:ext uri="{BB962C8B-B14F-4D97-AF65-F5344CB8AC3E}">
+        <p14:creationId xmlns:p14="http://schemas.microsoft.com/office/powerpoint/2010/main" val="522681460"/>
       </p:ext>
     </p:extLst>
   </p:cSld>
@@ -6070,7 +7264,7 @@
           <p:cNvPr id="2" name="TextBox 1">
             <a:extLst>
               <a:ext uri="{FF2B5EF4-FFF2-40B4-BE49-F238E27FC236}">
-                <a16:creationId xmlns:a16="http://schemas.microsoft.com/office/drawing/2014/main" id="{1836D4BE-5DEE-1412-17F4-A0ECDFB11D6B}"/>
+                <a16:creationId xmlns:a16="http://schemas.microsoft.com/office/drawing/2014/main" id="{FB3F0517-1F74-1A29-B149-D270DDDF0F42}"/>
               </a:ext>
             </a:extLst>
           </p:cNvPr>
@@ -6079,7 +7273,7 @@
         </p:nvSpPr>
         <p:spPr>
           <a:xfrm>
-            <a:off x="407988" y="417652"/>
+            <a:off x="407988" y="333375"/>
             <a:ext cx="11376024" cy="707886"/>
           </a:xfrm>
           <a:prstGeom prst="rect">
@@ -6101,10 +7295,562 @@
           </a:p>
         </p:txBody>
       </p:sp>
+      <p:pic>
+        <p:nvPicPr>
+          <p:cNvPr id="8" name="Picture 6" descr="Новости — Microsoft начала тестировать виджеты на рабочем столе Windows 11">
+            <a:extLst>
+              <a:ext uri="{FF2B5EF4-FFF2-40B4-BE49-F238E27FC236}">
+                <a16:creationId xmlns:a16="http://schemas.microsoft.com/office/drawing/2014/main" id="{9BE8EF1A-F1AE-E4C5-43F7-06AB9B2F5710}"/>
+              </a:ext>
+            </a:extLst>
+          </p:cNvPr>
+          <p:cNvPicPr>
+            <a:picLocks noChangeAspect="1" noChangeArrowheads="1"/>
+          </p:cNvPicPr>
+          <p:nvPr/>
+        </p:nvPicPr>
+        <p:blipFill rotWithShape="1">
+          <a:blip r:embed="rId2">
+            <a:extLst>
+              <a:ext uri="{28A0092B-C50C-407E-A947-70E740481C1C}">
+                <a14:useLocalDpi xmlns:a14="http://schemas.microsoft.com/office/drawing/2010/main" val="0"/>
+              </a:ext>
+            </a:extLst>
+          </a:blip>
+          <a:srcRect l="4910" t="4507" r="42118" b="4435"/>
+          <a:stretch/>
+        </p:blipFill>
+        <p:spPr bwMode="auto">
+          <a:xfrm>
+            <a:off x="0" y="1125538"/>
+            <a:ext cx="5930900" cy="5734843"/>
+          </a:xfrm>
+          <a:prstGeom prst="rect">
+            <a:avLst/>
+          </a:prstGeom>
+          <a:noFill/>
+          <a:extLst>
+            <a:ext uri="{909E8E84-426E-40DD-AFC4-6F175D3DCCD1}">
+              <a14:hiddenFill xmlns:a14="http://schemas.microsoft.com/office/drawing/2010/main">
+                <a:solidFill>
+                  <a:srgbClr val="FFFFFF"/>
+                </a:solidFill>
+              </a14:hiddenFill>
+            </a:ext>
+          </a:extLst>
+        </p:spPr>
+      </p:pic>
+      <p:sp>
+        <p:nvSpPr>
+          <p:cNvPr id="9" name="TextBox 8">
+            <a:extLst>
+              <a:ext uri="{FF2B5EF4-FFF2-40B4-BE49-F238E27FC236}">
+                <a16:creationId xmlns:a16="http://schemas.microsoft.com/office/drawing/2014/main" id="{DDC6B967-46FE-2D99-FBA4-03F9425B4FBA}"/>
+              </a:ext>
+            </a:extLst>
+          </p:cNvPr>
+          <p:cNvSpPr txBox="1"/>
+          <p:nvPr/>
+        </p:nvSpPr>
+        <p:spPr>
+          <a:xfrm>
+            <a:off x="407988" y="333375"/>
+            <a:ext cx="11376024" cy="707886"/>
+          </a:xfrm>
+          <a:prstGeom prst="rect">
+            <a:avLst/>
+          </a:prstGeom>
+          <a:noFill/>
+        </p:spPr>
+        <p:txBody>
+          <a:bodyPr wrap="square" rtlCol="0">
+            <a:spAutoFit/>
+          </a:bodyPr>
+          <a:lstStyle/>
+          <a:p>
+            <a:pPr algn="ctr"/>
+            <a:r>
+              <a:rPr lang="ru-RU" sz="4000" b="1" dirty="0"/>
+              <a:t>Суть решения</a:t>
+            </a:r>
+          </a:p>
+        </p:txBody>
+      </p:sp>
+      <p:sp>
+        <p:nvSpPr>
+          <p:cNvPr id="11" name="Облачко с текстом: прямоугольное 10">
+            <a:extLst>
+              <a:ext uri="{FF2B5EF4-FFF2-40B4-BE49-F238E27FC236}">
+                <a16:creationId xmlns:a16="http://schemas.microsoft.com/office/drawing/2014/main" id="{745811B5-03E4-802D-02CB-75277C2565ED}"/>
+              </a:ext>
+            </a:extLst>
+          </p:cNvPr>
+          <p:cNvSpPr/>
+          <p:nvPr/>
+        </p:nvSpPr>
+        <p:spPr>
+          <a:xfrm>
+            <a:off x="3130550" y="3275634"/>
+            <a:ext cx="2308230" cy="593903"/>
+          </a:xfrm>
+          <a:prstGeom prst="wedgeRectCallout">
+            <a:avLst>
+              <a:gd name="adj1" fmla="val -53210"/>
+              <a:gd name="adj2" fmla="val 109990"/>
+            </a:avLst>
+          </a:prstGeom>
+          <a:solidFill>
+            <a:schemeClr val="bg1"/>
+          </a:solidFill>
+          <a:ln w="9525">
+            <a:solidFill>
+              <a:srgbClr val="FFFFFF"/>
+            </a:solidFill>
+          </a:ln>
+        </p:spPr>
+        <p:style>
+          <a:lnRef idx="2">
+            <a:schemeClr val="accent1">
+              <a:shade val="15000"/>
+            </a:schemeClr>
+          </a:lnRef>
+          <a:fillRef idx="1">
+            <a:schemeClr val="accent1"/>
+          </a:fillRef>
+          <a:effectRef idx="0">
+            <a:schemeClr val="accent1"/>
+          </a:effectRef>
+          <a:fontRef idx="minor">
+            <a:schemeClr val="lt1"/>
+          </a:fontRef>
+        </p:style>
+        <p:txBody>
+          <a:bodyPr rtlCol="0" anchor="ctr"/>
+          <a:lstStyle/>
+          <a:p>
+            <a:pPr marL="0" algn="ctr" rtl="0" eaLnBrk="1" latinLnBrk="0" hangingPunct="1"/>
+            <a:r>
+              <a:rPr lang="ru-RU" sz="2000" dirty="0">
+                <a:solidFill>
+                  <a:schemeClr val="tx1"/>
+                </a:solidFill>
+                <a:effectLst/>
+              </a:rPr>
+              <a:t>Помидорки…</a:t>
+            </a:r>
+          </a:p>
+        </p:txBody>
+      </p:sp>
+      <p:sp>
+        <p:nvSpPr>
+          <p:cNvPr id="12" name="TextBox 11">
+            <a:extLst>
+              <a:ext uri="{FF2B5EF4-FFF2-40B4-BE49-F238E27FC236}">
+                <a16:creationId xmlns:a16="http://schemas.microsoft.com/office/drawing/2014/main" id="{583FA916-350A-2B18-C968-EC03C68D5F48}"/>
+              </a:ext>
+            </a:extLst>
+          </p:cNvPr>
+          <p:cNvSpPr txBox="1"/>
+          <p:nvPr/>
+        </p:nvSpPr>
+        <p:spPr>
+          <a:xfrm>
+            <a:off x="6096000" y="1125538"/>
+            <a:ext cx="5688012" cy="3416320"/>
+          </a:xfrm>
+          <a:prstGeom prst="rect">
+            <a:avLst/>
+          </a:prstGeom>
+          <a:noFill/>
+        </p:spPr>
+        <p:txBody>
+          <a:bodyPr wrap="square" rtlCol="0">
+            <a:spAutoFit/>
+          </a:bodyPr>
+          <a:lstStyle/>
+          <a:p>
+            <a:r>
+              <a:rPr lang="ru-RU" sz="2400" b="1" dirty="0"/>
+              <a:t>Планирование задач и встроенные техники тайм-менеджмента</a:t>
+            </a:r>
+          </a:p>
+          <a:p>
+            <a:endParaRPr lang="ru-RU" sz="2400" dirty="0"/>
+          </a:p>
+          <a:p>
+            <a:r>
+              <a:rPr lang="ru-RU" sz="2400" dirty="0"/>
+              <a:t>Хранение списка ваших задач позволит ассистенту предлагать вам одну задачу на выполнение или сразу список задач по технике «1-3-5», а встроенный </a:t>
+            </a:r>
+            <a:r>
+              <a:rPr lang="en-US" sz="2400" dirty="0"/>
+              <a:t>Pomodoro </a:t>
+            </a:r>
+            <a:r>
+              <a:rPr lang="ru-RU" sz="2400" dirty="0"/>
+              <a:t>таймер поможет сосредоточиться на их выполнении.</a:t>
+            </a:r>
+          </a:p>
+        </p:txBody>
+      </p:sp>
+      <p:pic>
+        <p:nvPicPr>
+          <p:cNvPr id="5122" name="Picture 2" descr="Schöne schwarze Katze, die mit großen Augen nach oben schaut,  Manga-Anime-Stil-Illustration | Premium Vektor">
+            <a:extLst>
+              <a:ext uri="{FF2B5EF4-FFF2-40B4-BE49-F238E27FC236}">
+                <a16:creationId xmlns:a16="http://schemas.microsoft.com/office/drawing/2014/main" id="{9F7E1B8C-A2FA-046E-1221-2B5AC5103138}"/>
+              </a:ext>
+            </a:extLst>
+          </p:cNvPr>
+          <p:cNvPicPr>
+            <a:picLocks noChangeAspect="1" noChangeArrowheads="1"/>
+          </p:cNvPicPr>
+          <p:nvPr/>
+        </p:nvPicPr>
+        <p:blipFill>
+          <a:blip r:embed="rId3">
+            <a:extLst>
+              <a:ext uri="{BEBA8EAE-BF5A-486C-A8C5-ECC9F3942E4B}">
+                <a14:imgProps xmlns:a14="http://schemas.microsoft.com/office/drawing/2010/main">
+                  <a14:imgLayer r:embed="rId4">
+                    <a14:imgEffect>
+                      <a14:backgroundRemoval t="5911" b="92812" l="9620" r="89933">
+                        <a14:foregroundMark x1="35570" y1="20128" x2="55705" y2="22204"/>
+                        <a14:foregroundMark x1="55705" y1="22204" x2="56152" y2="25240"/>
+                        <a14:foregroundMark x1="61298" y1="20927" x2="58613" y2="22204"/>
+                        <a14:foregroundMark x1="35347" y1="21246" x2="36465" y2="20927"/>
+                        <a14:foregroundMark x1="34228" y1="18850" x2="37584" y2="28914"/>
+                        <a14:foregroundMark x1="34228" y1="19968" x2="43848" y2="23802"/>
+                        <a14:foregroundMark x1="33110" y1="17252" x2="20805" y2="26198"/>
+                        <a14:foregroundMark x1="20805" y1="26198" x2="23714" y2="27796"/>
+                        <a14:foregroundMark x1="31544" y1="20128" x2="44519" y2="23323"/>
+                        <a14:foregroundMark x1="31544" y1="22843" x2="31544" y2="22843"/>
+                        <a14:foregroundMark x1="31544" y1="22843" x2="31544" y2="22843"/>
+                        <a14:foregroundMark x1="23043" y1="25719" x2="43848" y2="36901"/>
+                        <a14:foregroundMark x1="43848" y1="36901" x2="52349" y2="35623"/>
+                        <a14:foregroundMark x1="64653" y1="26997" x2="50783" y2="42652"/>
+                        <a14:foregroundMark x1="40045" y1="92812" x2="40045" y2="92812"/>
+                        <a14:foregroundMark x1="70246" y1="59744" x2="70246" y2="59744"/>
+                        <a14:foregroundMark x1="69799" y1="55431" x2="61969" y2="41054"/>
+                        <a14:foregroundMark x1="68009" y1="54313" x2="72036" y2="67891"/>
+                        <a14:foregroundMark x1="69128" y1="55112" x2="70917" y2="67412"/>
+                        <a14:foregroundMark x1="70246" y1="58626" x2="70917" y2="67093"/>
+                        <a14:foregroundMark x1="73826" y1="71406" x2="75839" y2="77157"/>
+                        <a14:foregroundMark x1="60850" y1="16773" x2="63087" y2="16454"/>
+                        <a14:foregroundMark x1="59060" y1="15335" x2="63535" y2="20927"/>
+                        <a14:foregroundMark x1="60850" y1="16454" x2="66443" y2="16933"/>
+                        <a14:foregroundMark x1="63758" y1="12141" x2="63758" y2="12141"/>
+                        <a14:foregroundMark x1="63758" y1="10383" x2="63758" y2="10383"/>
+                        <a14:foregroundMark x1="63758" y1="10383" x2="63758" y2="10383"/>
+                        <a14:foregroundMark x1="63758" y1="10383" x2="63758" y2="10383"/>
+                        <a14:foregroundMark x1="63758" y1="10383" x2="63758" y2="10383"/>
+                        <a14:foregroundMark x1="63758" y1="10383" x2="64206" y2="16454"/>
+                        <a14:foregroundMark x1="63758" y1="10543" x2="63758" y2="10543"/>
+                        <a14:foregroundMark x1="56152" y1="14377" x2="41163" y2="13738"/>
+                        <a14:foregroundMark x1="28635" y1="8147" x2="28859" y2="18850"/>
+                        <a14:foregroundMark x1="29306" y1="5911" x2="37584" y2="14058"/>
+                        <a14:foregroundMark x1="34452" y1="9585" x2="30872" y2="6709"/>
+                        <a14:foregroundMark x1="34899" y1="10383" x2="38479" y2="14537"/>
+                        <a14:foregroundMark x1="34452" y1="9744" x2="40716" y2="15176"/>
+                        <a14:foregroundMark x1="58953" y1="8466" x2="58523" y2="8724"/>
+                        <a14:foregroundMark x1="62416" y1="6390" x2="58953" y2="8466"/>
+                        <a14:foregroundMark x1="57622" y1="10863" x2="53468" y2="14856"/>
+                        <a14:foregroundMark x1="59284" y1="9265" x2="57944" y2="10553"/>
+                        <a14:foregroundMark x1="71640" y1="30049" x2="72483" y2="32109"/>
+                        <a14:foregroundMark x1="68233" y1="21725" x2="71229" y2="29046"/>
+                        <a14:foregroundMark x1="71655" y1="30050" x2="72707" y2="32428"/>
+                        <a14:foregroundMark x1="68680" y1="23323" x2="71227" y2="29081"/>
+                        <a14:foregroundMark x1="69351" y1="24441" x2="71364" y2="27460"/>
+                        <a14:foregroundMark x1="70470" y1="23802" x2="71528" y2="25529"/>
+                        <a14:backgroundMark x1="55705" y1="6390" x2="54586" y2="8466"/>
+                        <a14:backgroundMark x1="56152" y1="8466" x2="56152" y2="8466"/>
+                        <a14:backgroundMark x1="54586" y1="9265" x2="54139" y2="10064"/>
+                        <a14:backgroundMark x1="54139" y1="8466" x2="54139" y2="10863"/>
+                        <a14:backgroundMark x1="75391" y1="24920" x2="74944" y2="30192"/>
+                      </a14:backgroundRemoval>
+                    </a14:imgEffect>
+                  </a14:imgLayer>
+                </a14:imgProps>
+              </a:ext>
+              <a:ext uri="{28A0092B-C50C-407E-A947-70E740481C1C}">
+                <a14:useLocalDpi xmlns:a14="http://schemas.microsoft.com/office/drawing/2010/main" val="0"/>
+              </a:ext>
+            </a:extLst>
+          </a:blip>
+          <a:srcRect/>
+          <a:stretch>
+            <a:fillRect/>
+          </a:stretch>
+        </p:blipFill>
+        <p:spPr bwMode="auto">
+          <a:xfrm>
+            <a:off x="969170" y="3683787"/>
+            <a:ext cx="1916111" cy="2683413"/>
+          </a:xfrm>
+          <a:prstGeom prst="rect">
+            <a:avLst/>
+          </a:prstGeom>
+          <a:noFill/>
+          <a:extLst>
+            <a:ext uri="{909E8E84-426E-40DD-AFC4-6F175D3DCCD1}">
+              <a14:hiddenFill xmlns:a14="http://schemas.microsoft.com/office/drawing/2010/main">
+                <a:solidFill>
+                  <a:srgbClr val="FFFFFF"/>
+                </a:solidFill>
+              </a14:hiddenFill>
+            </a:ext>
+          </a:extLst>
+        </p:spPr>
+      </p:pic>
+      <p:grpSp>
+        <p:nvGrpSpPr>
+          <p:cNvPr id="18" name="Группа 17">
+            <a:extLst>
+              <a:ext uri="{FF2B5EF4-FFF2-40B4-BE49-F238E27FC236}">
+                <a16:creationId xmlns:a16="http://schemas.microsoft.com/office/drawing/2014/main" id="{811F0A35-F4E4-2A9D-B503-B0B10FFC50C1}"/>
+              </a:ext>
+            </a:extLst>
+          </p:cNvPr>
+          <p:cNvGrpSpPr/>
+          <p:nvPr/>
+        </p:nvGrpSpPr>
+        <p:grpSpPr>
+          <a:xfrm>
+            <a:off x="711204" y="3174213"/>
+            <a:ext cx="2254246" cy="700740"/>
+            <a:chOff x="742954" y="3034761"/>
+            <a:chExt cx="2254246" cy="700740"/>
+          </a:xfrm>
+        </p:grpSpPr>
+        <p:pic>
+          <p:nvPicPr>
+            <p:cNvPr id="5124" name="Picture 4" descr="Более 38 900 работ на тему «Tomato Cartoon»: стоковые фото, картинки и  изображения royalty-free - iStock">
+              <a:extLst>
+                <a:ext uri="{FF2B5EF4-FFF2-40B4-BE49-F238E27FC236}">
+                  <a16:creationId xmlns:a16="http://schemas.microsoft.com/office/drawing/2014/main" id="{2A8B3EC6-9BF9-6962-637A-426CD9B13473}"/>
+                </a:ext>
+              </a:extLst>
+            </p:cNvPr>
+            <p:cNvPicPr>
+              <a:picLocks noChangeAspect="1" noChangeArrowheads="1"/>
+            </p:cNvPicPr>
+            <p:nvPr/>
+          </p:nvPicPr>
+          <p:blipFill>
+            <a:blip r:embed="rId5">
+              <a:extLst>
+                <a:ext uri="{BEBA8EAE-BF5A-486C-A8C5-ECC9F3942E4B}">
+                  <a14:imgProps xmlns:a14="http://schemas.microsoft.com/office/drawing/2010/main">
+                    <a14:imgLayer r:embed="rId6">
+                      <a14:imgEffect>
+                        <a14:backgroundRemoval t="10000" b="90000" l="10000" r="90000"/>
+                      </a14:imgEffect>
+                    </a14:imgLayer>
+                  </a14:imgProps>
+                </a:ext>
+                <a:ext uri="{28A0092B-C50C-407E-A947-70E740481C1C}">
+                  <a14:useLocalDpi xmlns:a14="http://schemas.microsoft.com/office/drawing/2010/main" val="0"/>
+                </a:ext>
+              </a:extLst>
+            </a:blip>
+            <a:srcRect/>
+            <a:stretch>
+              <a:fillRect/>
+            </a:stretch>
+          </p:blipFill>
+          <p:spPr bwMode="auto">
+            <a:xfrm>
+              <a:off x="742954" y="3034761"/>
+              <a:ext cx="695325" cy="695325"/>
+            </a:xfrm>
+            <a:prstGeom prst="rect">
+              <a:avLst/>
+            </a:prstGeom>
+            <a:noFill/>
+            <a:extLst>
+              <a:ext uri="{909E8E84-426E-40DD-AFC4-6F175D3DCCD1}">
+                <a14:hiddenFill xmlns:a14="http://schemas.microsoft.com/office/drawing/2010/main">
+                  <a:solidFill>
+                    <a:srgbClr val="FFFFFF"/>
+                  </a:solidFill>
+                </a14:hiddenFill>
+              </a:ext>
+            </a:extLst>
+          </p:spPr>
+        </p:pic>
+        <p:pic>
+          <p:nvPicPr>
+            <p:cNvPr id="13" name="Picture 4" descr="Более 38 900 работ на тему «Tomato Cartoon»: стоковые фото, картинки и  изображения royalty-free - iStock">
+              <a:extLst>
+                <a:ext uri="{FF2B5EF4-FFF2-40B4-BE49-F238E27FC236}">
+                  <a16:creationId xmlns:a16="http://schemas.microsoft.com/office/drawing/2014/main" id="{DC21DFE7-4A3F-0D5E-745D-180E793DD247}"/>
+                </a:ext>
+              </a:extLst>
+            </p:cNvPr>
+            <p:cNvPicPr>
+              <a:picLocks noChangeAspect="1" noChangeArrowheads="1"/>
+            </p:cNvPicPr>
+            <p:nvPr/>
+          </p:nvPicPr>
+          <p:blipFill>
+            <a:blip r:embed="rId5">
+              <a:extLst>
+                <a:ext uri="{BEBA8EAE-BF5A-486C-A8C5-ECC9F3942E4B}">
+                  <a14:imgProps xmlns:a14="http://schemas.microsoft.com/office/drawing/2010/main">
+                    <a14:imgLayer r:embed="rId6">
+                      <a14:imgEffect>
+                        <a14:backgroundRemoval t="10000" b="90000" l="10000" r="90000"/>
+                      </a14:imgEffect>
+                    </a14:imgLayer>
+                  </a14:imgProps>
+                </a:ext>
+                <a:ext uri="{28A0092B-C50C-407E-A947-70E740481C1C}">
+                  <a14:useLocalDpi xmlns:a14="http://schemas.microsoft.com/office/drawing/2010/main" val="0"/>
+                </a:ext>
+              </a:extLst>
+            </a:blip>
+            <a:srcRect/>
+            <a:stretch>
+              <a:fillRect/>
+            </a:stretch>
+          </p:blipFill>
+          <p:spPr bwMode="auto">
+            <a:xfrm>
+              <a:off x="1263651" y="3034761"/>
+              <a:ext cx="695325" cy="695325"/>
+            </a:xfrm>
+            <a:prstGeom prst="rect">
+              <a:avLst/>
+            </a:prstGeom>
+            <a:noFill/>
+            <a:extLst>
+              <a:ext uri="{909E8E84-426E-40DD-AFC4-6F175D3DCCD1}">
+                <a14:hiddenFill xmlns:a14="http://schemas.microsoft.com/office/drawing/2010/main">
+                  <a:solidFill>
+                    <a:srgbClr val="FFFFFF"/>
+                  </a:solidFill>
+                </a14:hiddenFill>
+              </a:ext>
+            </a:extLst>
+          </p:spPr>
+        </p:pic>
+        <p:pic>
+          <p:nvPicPr>
+            <p:cNvPr id="16" name="Picture 4" descr="Более 38 900 работ на тему «Tomato Cartoon»: стоковые фото, картинки и  изображения royalty-free - iStock">
+              <a:extLst>
+                <a:ext uri="{FF2B5EF4-FFF2-40B4-BE49-F238E27FC236}">
+                  <a16:creationId xmlns:a16="http://schemas.microsoft.com/office/drawing/2014/main" id="{61669103-18BA-9E8D-1653-B4186CCBD7AC}"/>
+                </a:ext>
+              </a:extLst>
+            </p:cNvPr>
+            <p:cNvPicPr>
+              <a:picLocks noChangeAspect="1" noChangeArrowheads="1"/>
+            </p:cNvPicPr>
+            <p:nvPr/>
+          </p:nvPicPr>
+          <p:blipFill>
+            <a:blip r:embed="rId5">
+              <a:extLst>
+                <a:ext uri="{BEBA8EAE-BF5A-486C-A8C5-ECC9F3942E4B}">
+                  <a14:imgProps xmlns:a14="http://schemas.microsoft.com/office/drawing/2010/main">
+                    <a14:imgLayer r:embed="rId6">
+                      <a14:imgEffect>
+                        <a14:backgroundRemoval t="10000" b="90000" l="10000" r="90000"/>
+                      </a14:imgEffect>
+                    </a14:imgLayer>
+                  </a14:imgProps>
+                </a:ext>
+                <a:ext uri="{28A0092B-C50C-407E-A947-70E740481C1C}">
+                  <a14:useLocalDpi xmlns:a14="http://schemas.microsoft.com/office/drawing/2010/main" val="0"/>
+                </a:ext>
+              </a:extLst>
+            </a:blip>
+            <a:srcRect/>
+            <a:stretch>
+              <a:fillRect/>
+            </a:stretch>
+          </p:blipFill>
+          <p:spPr bwMode="auto">
+            <a:xfrm>
+              <a:off x="1781178" y="3040176"/>
+              <a:ext cx="695325" cy="695325"/>
+            </a:xfrm>
+            <a:prstGeom prst="rect">
+              <a:avLst/>
+            </a:prstGeom>
+            <a:noFill/>
+            <a:extLst>
+              <a:ext uri="{909E8E84-426E-40DD-AFC4-6F175D3DCCD1}">
+                <a14:hiddenFill xmlns:a14="http://schemas.microsoft.com/office/drawing/2010/main">
+                  <a:solidFill>
+                    <a:srgbClr val="FFFFFF"/>
+                  </a:solidFill>
+                </a14:hiddenFill>
+              </a:ext>
+            </a:extLst>
+          </p:spPr>
+        </p:pic>
+        <p:pic>
+          <p:nvPicPr>
+            <p:cNvPr id="17" name="Picture 4" descr="Более 38 900 работ на тему «Tomato Cartoon»: стоковые фото, картинки и  изображения royalty-free - iStock">
+              <a:extLst>
+                <a:ext uri="{FF2B5EF4-FFF2-40B4-BE49-F238E27FC236}">
+                  <a16:creationId xmlns:a16="http://schemas.microsoft.com/office/drawing/2014/main" id="{D317C934-4465-0524-D56B-F1BCA9865540}"/>
+                </a:ext>
+              </a:extLst>
+            </p:cNvPr>
+            <p:cNvPicPr>
+              <a:picLocks noChangeAspect="1" noChangeArrowheads="1"/>
+            </p:cNvPicPr>
+            <p:nvPr/>
+          </p:nvPicPr>
+          <p:blipFill>
+            <a:blip r:embed="rId5">
+              <a:extLst>
+                <a:ext uri="{BEBA8EAE-BF5A-486C-A8C5-ECC9F3942E4B}">
+                  <a14:imgProps xmlns:a14="http://schemas.microsoft.com/office/drawing/2010/main">
+                    <a14:imgLayer r:embed="rId6">
+                      <a14:imgEffect>
+                        <a14:backgroundRemoval t="10000" b="90000" l="10000" r="90000"/>
+                      </a14:imgEffect>
+                    </a14:imgLayer>
+                  </a14:imgProps>
+                </a:ext>
+                <a:ext uri="{28A0092B-C50C-407E-A947-70E740481C1C}">
+                  <a14:useLocalDpi xmlns:a14="http://schemas.microsoft.com/office/drawing/2010/main" val="0"/>
+                </a:ext>
+              </a:extLst>
+            </a:blip>
+            <a:srcRect/>
+            <a:stretch>
+              <a:fillRect/>
+            </a:stretch>
+          </p:blipFill>
+          <p:spPr bwMode="auto">
+            <a:xfrm>
+              <a:off x="2301875" y="3040176"/>
+              <a:ext cx="695325" cy="695325"/>
+            </a:xfrm>
+            <a:prstGeom prst="rect">
+              <a:avLst/>
+            </a:prstGeom>
+            <a:noFill/>
+            <a:extLst>
+              <a:ext uri="{909E8E84-426E-40DD-AFC4-6F175D3DCCD1}">
+                <a14:hiddenFill xmlns:a14="http://schemas.microsoft.com/office/drawing/2010/main">
+                  <a:solidFill>
+                    <a:srgbClr val="FFFFFF"/>
+                  </a:solidFill>
+                </a14:hiddenFill>
+              </a:ext>
+            </a:extLst>
+          </p:spPr>
+        </p:pic>
+      </p:grpSp>
     </p:spTree>
     <p:extLst>
       <p:ext uri="{BB962C8B-B14F-4D97-AF65-F5344CB8AC3E}">
-        <p14:creationId xmlns:p14="http://schemas.microsoft.com/office/powerpoint/2010/main" val="3866194944"/>
+        <p14:creationId xmlns:p14="http://schemas.microsoft.com/office/powerpoint/2010/main" val="1338858694"/>
       </p:ext>
     </p:extLst>
   </p:cSld>

--- a/Docs/Presentation.pptx
+++ b/Docs/Presentation.pptx
@@ -5,7 +5,7 @@
     <p:sldMasterId id="2147483648" r:id="rId1"/>
   </p:sldMasterIdLst>
   <p:notesMasterIdLst>
-    <p:notesMasterId r:id="rId14"/>
+    <p:notesMasterId r:id="rId16"/>
   </p:notesMasterIdLst>
   <p:sldIdLst>
     <p:sldId id="256" r:id="rId2"/>
@@ -18,8 +18,10 @@
     <p:sldId id="262" r:id="rId9"/>
     <p:sldId id="267" r:id="rId10"/>
     <p:sldId id="268" r:id="rId11"/>
-    <p:sldId id="269" r:id="rId12"/>
-    <p:sldId id="270" r:id="rId13"/>
+    <p:sldId id="271" r:id="rId12"/>
+    <p:sldId id="272" r:id="rId13"/>
+    <p:sldId id="269" r:id="rId14"/>
+    <p:sldId id="270" r:id="rId15"/>
   </p:sldIdLst>
   <p:sldSz cx="12192000" cy="6858000"/>
   <p:notesSz cx="6858000" cy="9144000"/>
@@ -162,6 +164,16 @@
           </p15:clr>
         </p15:guide>
         <p15:guide id="9" pos="3953" userDrawn="1">
+          <p15:clr>
+            <a:srgbClr val="A4A3A4"/>
+          </p15:clr>
+        </p15:guide>
+        <p15:guide id="10" pos="2003" userDrawn="1">
+          <p15:clr>
+            <a:srgbClr val="A4A3A4"/>
+          </p15:clr>
+        </p15:guide>
+        <p15:guide id="11" pos="5677" userDrawn="1">
           <p15:clr>
             <a:srgbClr val="A4A3A4"/>
           </p15:clr>
@@ -4967,7 +4979,7 @@
             <a:pPr algn="ctr"/>
             <a:r>
               <a:rPr lang="ru-RU" sz="4000" b="1" dirty="0"/>
-              <a:t>Суть решения</a:t>
+              <a:t>Предупреждение отвлечения</a:t>
             </a:r>
           </a:p>
         </p:txBody>
@@ -4987,7 +4999,7 @@
         <p:spPr>
           <a:xfrm>
             <a:off x="407988" y="1125538"/>
-            <a:ext cx="5688012" cy="5262979"/>
+            <a:ext cx="5688012" cy="4524315"/>
           </a:xfrm>
           <a:prstGeom prst="rect">
             <a:avLst/>
@@ -5001,23 +5013,14 @@
           <a:lstStyle/>
           <a:p>
             <a:r>
-              <a:rPr lang="ru-RU" sz="2400" b="1" dirty="0"/>
-              <a:t>Предупреждение долгого использования соц. сетей</a:t>
-            </a:r>
-          </a:p>
-          <a:p>
-            <a:endParaRPr lang="ru-RU" sz="2400" b="1" dirty="0"/>
-          </a:p>
-          <a:p>
-            <a:r>
               <a:rPr lang="ru-RU" sz="2400" dirty="0"/>
-              <a:t>Ассистент проверяет, как долго вы используете ту или иную соц. Сеть и какие страницы в соц. Сети вы просматриваете. Если открыты «сообщения», то ничего страшного, но если открыты «клипы», ассистент об этом сразу предупредит. </a:t>
+              <a:t>Ассистент проверяет, как долго пользователь используете ту или иную соц. Сеть и какие страницы в соц. Сети он просматривает. Если открыты «сообщения», то ничего страшного, но если открыты «клипы», ассистент об этом сразу предупредит. </a:t>
             </a:r>
           </a:p>
           <a:p>
             <a:r>
               <a:rPr lang="ru-RU" sz="2400" dirty="0"/>
-              <a:t>Это осуществляется с помощью заголовка вкладки браузера, саму страницу ассистент не видит, так что все данные остаются конфиденциальны!</a:t>
+              <a:t>Это осуществляется с помощью заголовка вкладки браузера, саму страницу ассистент не видит, так что все данные пользователя остаются конфиденциальны!</a:t>
             </a:r>
           </a:p>
         </p:txBody>
@@ -5295,10 +5298,10 @@
       </p:grpSpPr>
       <p:sp>
         <p:nvSpPr>
-          <p:cNvPr id="4" name="TextBox 3">
-            <a:extLst>
-              <a:ext uri="{FF2B5EF4-FFF2-40B4-BE49-F238E27FC236}">
-                <a16:creationId xmlns:a16="http://schemas.microsoft.com/office/drawing/2014/main" id="{EBD491BA-DFBC-DE4D-E736-D2710006CA7B}"/>
+          <p:cNvPr id="2" name="TextBox 1">
+            <a:extLst>
+              <a:ext uri="{FF2B5EF4-FFF2-40B4-BE49-F238E27FC236}">
+                <a16:creationId xmlns:a16="http://schemas.microsoft.com/office/drawing/2014/main" id="{B7938EA8-E504-F490-66D4-27B2BFBD611F}"/>
               </a:ext>
             </a:extLst>
           </p:cNvPr>
@@ -5324,7 +5327,1170 @@
             <a:pPr algn="ctr"/>
             <a:r>
               <a:rPr lang="ru-RU" sz="4000" b="1" dirty="0"/>
+              <a:t>Сравнение с конкурентами</a:t>
+            </a:r>
+          </a:p>
+        </p:txBody>
+      </p:sp>
+      <p:sp>
+        <p:nvSpPr>
+          <p:cNvPr id="3" name="TextBox 2">
+            <a:extLst>
+              <a:ext uri="{FF2B5EF4-FFF2-40B4-BE49-F238E27FC236}">
+                <a16:creationId xmlns:a16="http://schemas.microsoft.com/office/drawing/2014/main" id="{3162E9E5-97D1-9FEA-9EB7-619A5EFCC992}"/>
+              </a:ext>
+            </a:extLst>
+          </p:cNvPr>
+          <p:cNvSpPr txBox="1"/>
+          <p:nvPr/>
+        </p:nvSpPr>
+        <p:spPr>
+          <a:xfrm>
+            <a:off x="407988" y="1125538"/>
+            <a:ext cx="5688012" cy="3785652"/>
+          </a:xfrm>
+          <a:prstGeom prst="rect">
+            <a:avLst/>
+          </a:prstGeom>
+          <a:noFill/>
+        </p:spPr>
+        <p:txBody>
+          <a:bodyPr wrap="square" rtlCol="0">
+            <a:spAutoFit/>
+          </a:bodyPr>
+          <a:lstStyle/>
+          <a:p>
+            <a:r>
+              <a:rPr lang="ru-RU" sz="2400" dirty="0">
+                <a:latin typeface="+mj-lt"/>
+              </a:rPr>
+              <a:t>Главными конкурентами являются такие сервисы как </a:t>
+            </a:r>
+            <a:r>
+              <a:rPr lang="en-US" sz="2400" dirty="0">
+                <a:latin typeface="+mj-lt"/>
+              </a:rPr>
+              <a:t>Google Calendar, Yandex Calendar, </a:t>
+            </a:r>
+            <a:r>
+              <a:rPr lang="ru-RU" sz="2400" dirty="0">
+                <a:latin typeface="+mj-lt"/>
+              </a:rPr>
+              <a:t>различные планировщики задач, например, </a:t>
+            </a:r>
+            <a:r>
+              <a:rPr lang="en-US" sz="2400" i="0" u="none" strike="noStrike" dirty="0" err="1">
+                <a:solidFill>
+                  <a:srgbClr val="000000"/>
+                </a:solidFill>
+                <a:effectLst/>
+                <a:latin typeface="+mj-lt"/>
+              </a:rPr>
+              <a:t>Todoist</a:t>
+            </a:r>
+            <a:r>
+              <a:rPr lang="ru-RU" sz="2400" dirty="0">
+                <a:solidFill>
+                  <a:srgbClr val="000000"/>
+                </a:solidFill>
+                <a:latin typeface="+mj-lt"/>
+              </a:rPr>
+              <a:t> или </a:t>
+            </a:r>
+            <a:r>
+              <a:rPr lang="en-US" sz="2400" dirty="0">
+                <a:solidFill>
+                  <a:srgbClr val="000000"/>
+                </a:solidFill>
+                <a:latin typeface="+mj-lt"/>
+              </a:rPr>
+              <a:t>Microsoft To Do.</a:t>
+            </a:r>
+          </a:p>
+          <a:p>
+            <a:r>
+              <a:rPr lang="ru-RU" sz="2400" i="0" u="none" strike="noStrike" dirty="0">
+                <a:solidFill>
+                  <a:srgbClr val="000000"/>
+                </a:solidFill>
+                <a:effectLst/>
+                <a:latin typeface="+mj-lt"/>
+              </a:rPr>
+              <a:t>Также технологию отрисовки прямо на рабочем столе используют некоторые игры в </a:t>
+            </a:r>
+            <a:r>
+              <a:rPr lang="en-US" sz="2400" i="0" u="none" strike="noStrike" dirty="0">
+                <a:solidFill>
+                  <a:srgbClr val="000000"/>
+                </a:solidFill>
+                <a:effectLst/>
+                <a:latin typeface="+mj-lt"/>
+              </a:rPr>
+              <a:t>Steam</a:t>
+            </a:r>
+            <a:r>
+              <a:rPr lang="ru-RU" sz="2400" i="0" u="none" strike="noStrike" dirty="0">
+                <a:solidFill>
+                  <a:srgbClr val="000000"/>
+                </a:solidFill>
+                <a:effectLst/>
+                <a:latin typeface="+mj-lt"/>
+              </a:rPr>
+              <a:t>. Примерами могут послужить «</a:t>
+            </a:r>
+            <a:r>
+              <a:rPr lang="en-US" sz="2400" dirty="0">
+                <a:solidFill>
+                  <a:srgbClr val="000000"/>
+                </a:solidFill>
+                <a:latin typeface="+mj-lt"/>
+              </a:rPr>
+              <a:t>You mother</a:t>
+            </a:r>
+            <a:r>
+              <a:rPr lang="ru-RU" sz="2400" i="0" u="none" strike="noStrike" dirty="0">
+                <a:solidFill>
+                  <a:srgbClr val="000000"/>
+                </a:solidFill>
+                <a:effectLst/>
+                <a:latin typeface="+mj-lt"/>
+              </a:rPr>
+              <a:t>»</a:t>
+            </a:r>
+            <a:r>
+              <a:rPr lang="en-US" sz="2400" i="0" u="none" strike="noStrike" dirty="0">
+                <a:solidFill>
+                  <a:srgbClr val="000000"/>
+                </a:solidFill>
+                <a:effectLst/>
+                <a:latin typeface="+mj-lt"/>
+              </a:rPr>
+              <a:t> </a:t>
+            </a:r>
+            <a:r>
+              <a:rPr lang="ru-RU" sz="2400" i="0" u="none" strike="noStrike" dirty="0">
+                <a:solidFill>
+                  <a:srgbClr val="000000"/>
+                </a:solidFill>
+                <a:effectLst/>
+                <a:latin typeface="+mj-lt"/>
+              </a:rPr>
+              <a:t>или «</a:t>
+            </a:r>
+            <a:r>
+              <a:rPr lang="en-US" sz="2400" dirty="0" err="1">
+                <a:latin typeface="+mj-lt"/>
+              </a:rPr>
+              <a:t>Ropuka's</a:t>
+            </a:r>
+            <a:r>
+              <a:rPr lang="en-US" sz="2400" dirty="0">
+                <a:latin typeface="+mj-lt"/>
+              </a:rPr>
+              <a:t> Idle Island</a:t>
+            </a:r>
+            <a:r>
+              <a:rPr lang="ru-RU" sz="2400" dirty="0">
+                <a:latin typeface="+mj-lt"/>
+              </a:rPr>
+              <a:t>»</a:t>
+            </a:r>
+            <a:r>
+              <a:rPr lang="en-US" sz="2400" dirty="0">
+                <a:latin typeface="+mj-lt"/>
+              </a:rPr>
+              <a:t>.</a:t>
+            </a:r>
+            <a:r>
+              <a:rPr lang="ru-RU" sz="2400" dirty="0">
+                <a:latin typeface="+mj-lt"/>
+              </a:rPr>
+              <a:t> Эти игры созданы больше для развлечения.</a:t>
+            </a:r>
+            <a:endParaRPr lang="en-US" sz="2400" i="0" u="none" strike="noStrike" dirty="0">
+              <a:solidFill>
+                <a:srgbClr val="000000"/>
+              </a:solidFill>
+              <a:effectLst/>
+              <a:latin typeface="+mj-lt"/>
+            </a:endParaRPr>
+          </a:p>
+        </p:txBody>
+      </p:sp>
+      <p:pic>
+        <p:nvPicPr>
+          <p:cNvPr id="5" name="Рисунок 4">
+            <a:extLst>
+              <a:ext uri="{FF2B5EF4-FFF2-40B4-BE49-F238E27FC236}">
+                <a16:creationId xmlns:a16="http://schemas.microsoft.com/office/drawing/2014/main" id="{E548978F-B4BB-7342-DF4C-378B3966611A}"/>
+              </a:ext>
+            </a:extLst>
+          </p:cNvPr>
+          <p:cNvPicPr>
+            <a:picLocks noChangeAspect="1"/>
+          </p:cNvPicPr>
+          <p:nvPr/>
+        </p:nvPicPr>
+        <p:blipFill>
+          <a:blip r:embed="rId2"/>
+          <a:stretch>
+            <a:fillRect/>
+          </a:stretch>
+        </p:blipFill>
+        <p:spPr>
+          <a:xfrm>
+            <a:off x="6275389" y="1125538"/>
+            <a:ext cx="4210638" cy="2114845"/>
+          </a:xfrm>
+          <a:prstGeom prst="rect">
+            <a:avLst/>
+          </a:prstGeom>
+        </p:spPr>
+      </p:pic>
+      <p:pic>
+        <p:nvPicPr>
+          <p:cNvPr id="7" name="Рисунок 6">
+            <a:extLst>
+              <a:ext uri="{FF2B5EF4-FFF2-40B4-BE49-F238E27FC236}">
+                <a16:creationId xmlns:a16="http://schemas.microsoft.com/office/drawing/2014/main" id="{40F269E5-852F-1E55-C948-7A04A14E5565}"/>
+              </a:ext>
+            </a:extLst>
+          </p:cNvPr>
+          <p:cNvPicPr>
+            <a:picLocks noChangeAspect="1"/>
+          </p:cNvPicPr>
+          <p:nvPr/>
+        </p:nvPicPr>
+        <p:blipFill>
+          <a:blip r:embed="rId3"/>
+          <a:stretch>
+            <a:fillRect/>
+          </a:stretch>
+        </p:blipFill>
+        <p:spPr>
+          <a:xfrm>
+            <a:off x="9012238" y="3429000"/>
+            <a:ext cx="3172268" cy="2057687"/>
+          </a:xfrm>
+          <a:prstGeom prst="rect">
+            <a:avLst/>
+          </a:prstGeom>
+        </p:spPr>
+      </p:pic>
+      <p:pic>
+        <p:nvPicPr>
+          <p:cNvPr id="9" name="Рисунок 8">
+            <a:extLst>
+              <a:ext uri="{FF2B5EF4-FFF2-40B4-BE49-F238E27FC236}">
+                <a16:creationId xmlns:a16="http://schemas.microsoft.com/office/drawing/2014/main" id="{FB719F25-F174-C9E1-47DD-54860D58E410}"/>
+              </a:ext>
+            </a:extLst>
+          </p:cNvPr>
+          <p:cNvPicPr>
+            <a:picLocks noChangeAspect="1"/>
+          </p:cNvPicPr>
+          <p:nvPr/>
+        </p:nvPicPr>
+        <p:blipFill>
+          <a:blip r:embed="rId4"/>
+          <a:stretch>
+            <a:fillRect/>
+          </a:stretch>
+        </p:blipFill>
+        <p:spPr>
+          <a:xfrm>
+            <a:off x="6275389" y="3429000"/>
+            <a:ext cx="2670522" cy="2706265"/>
+          </a:xfrm>
+          <a:prstGeom prst="rect">
+            <a:avLst/>
+          </a:prstGeom>
+        </p:spPr>
+      </p:pic>
+    </p:spTree>
+    <p:extLst>
+      <p:ext uri="{BB962C8B-B14F-4D97-AF65-F5344CB8AC3E}">
+        <p14:creationId xmlns:p14="http://schemas.microsoft.com/office/powerpoint/2010/main" val="2710065004"/>
+      </p:ext>
+    </p:extLst>
+  </p:cSld>
+  <p:clrMapOvr>
+    <a:masterClrMapping/>
+  </p:clrMapOvr>
+</p:sld>
+</file>
+
+<file path=ppt/slides/slide12.xml><?xml version="1.0" encoding="utf-8"?>
+<p:sld xmlns:a="http://schemas.openxmlformats.org/drawingml/2006/main" xmlns:r="http://schemas.openxmlformats.org/officeDocument/2006/relationships" xmlns:p="http://schemas.openxmlformats.org/presentationml/2006/main">
+  <p:cSld>
+    <p:spTree>
+      <p:nvGrpSpPr>
+        <p:cNvPr id="1" name=""/>
+        <p:cNvGrpSpPr/>
+        <p:nvPr/>
+      </p:nvGrpSpPr>
+      <p:grpSpPr>
+        <a:xfrm>
+          <a:off x="0" y="0"/>
+          <a:ext cx="0" cy="0"/>
+          <a:chOff x="0" y="0"/>
+          <a:chExt cx="0" cy="0"/>
+        </a:xfrm>
+      </p:grpSpPr>
+      <p:graphicFrame>
+        <p:nvGraphicFramePr>
+          <p:cNvPr id="2" name="Таблица 1">
+            <a:extLst>
+              <a:ext uri="{FF2B5EF4-FFF2-40B4-BE49-F238E27FC236}">
+                <a16:creationId xmlns:a16="http://schemas.microsoft.com/office/drawing/2014/main" id="{023A7FBA-8F62-0AE0-3DE0-0996795BC821}"/>
+              </a:ext>
+            </a:extLst>
+          </p:cNvPr>
+          <p:cNvGraphicFramePr>
+            <a:graphicFrameLocks noGrp="1"/>
+          </p:cNvGraphicFramePr>
+          <p:nvPr>
+            <p:extLst>
+              <p:ext uri="{D42A27DB-BD31-4B8C-83A1-F6EECF244321}">
+                <p14:modId xmlns:p14="http://schemas.microsoft.com/office/powerpoint/2010/main" val="621765443"/>
+              </p:ext>
+            </p:extLst>
+          </p:nvPr>
+        </p:nvGraphicFramePr>
+        <p:xfrm>
+          <a:off x="407987" y="1125537"/>
+          <a:ext cx="11376024" cy="5399088"/>
+        </p:xfrm>
+        <a:graphic>
+          <a:graphicData uri="http://schemas.openxmlformats.org/drawingml/2006/table">
+            <a:tbl>
+              <a:tblPr firstRow="1" bandRow="1">
+                <a:tableStyleId>{5C22544A-7EE6-4342-B048-85BDC9FD1C3A}</a:tableStyleId>
+              </a:tblPr>
+              <a:tblGrid>
+                <a:gridCol w="2844006">
+                  <a:extLst>
+                    <a:ext uri="{9D8B030D-6E8A-4147-A177-3AD203B41FA5}">
+                      <a16:colId xmlns:a16="http://schemas.microsoft.com/office/drawing/2014/main" val="2716616119"/>
+                    </a:ext>
+                  </a:extLst>
+                </a:gridCol>
+                <a:gridCol w="1597799">
+                  <a:extLst>
+                    <a:ext uri="{9D8B030D-6E8A-4147-A177-3AD203B41FA5}">
+                      <a16:colId xmlns:a16="http://schemas.microsoft.com/office/drawing/2014/main" val="493855950"/>
+                    </a:ext>
+                  </a:extLst>
+                </a:gridCol>
+                <a:gridCol w="4090213">
+                  <a:extLst>
+                    <a:ext uri="{9D8B030D-6E8A-4147-A177-3AD203B41FA5}">
+                      <a16:colId xmlns:a16="http://schemas.microsoft.com/office/drawing/2014/main" val="602193924"/>
+                    </a:ext>
+                  </a:extLst>
+                </a:gridCol>
+                <a:gridCol w="2844006">
+                  <a:extLst>
+                    <a:ext uri="{9D8B030D-6E8A-4147-A177-3AD203B41FA5}">
+                      <a16:colId xmlns:a16="http://schemas.microsoft.com/office/drawing/2014/main" val="772944752"/>
+                    </a:ext>
+                  </a:extLst>
+                </a:gridCol>
+              </a:tblGrid>
+              <a:tr h="1304953">
+                <a:tc>
+                  <a:txBody>
+                    <a:bodyPr/>
+                    <a:lstStyle/>
+                    <a:p>
+                      <a:endParaRPr lang="ru-RU" dirty="0"/>
+                    </a:p>
+                  </a:txBody>
+                  <a:tcPr/>
+                </a:tc>
+                <a:tc>
+                  <a:txBody>
+                    <a:bodyPr/>
+                    <a:lstStyle/>
+                    <a:p>
+                      <a:pPr algn="ctr"/>
+                      <a:r>
+                        <a:rPr lang="ru-RU" sz="2800" dirty="0"/>
+                        <a:t>Игры</a:t>
+                      </a:r>
+                      <a:endParaRPr lang="ru-RU" sz="4000" dirty="0"/>
+                    </a:p>
+                  </a:txBody>
+                  <a:tcPr/>
+                </a:tc>
+                <a:tc>
+                  <a:txBody>
+                    <a:bodyPr/>
+                    <a:lstStyle/>
+                    <a:p>
+                      <a:r>
+                        <a:rPr lang="ru-RU" sz="2800" dirty="0"/>
+                        <a:t>Существующие планировщики задач</a:t>
+                      </a:r>
+                    </a:p>
+                  </a:txBody>
+                  <a:tcPr/>
+                </a:tc>
+                <a:tc>
+                  <a:txBody>
+                    <a:bodyPr/>
+                    <a:lstStyle/>
+                    <a:p>
+                      <a:pPr marL="0" marR="0" lvl="0" indent="0" algn="l" defTabSz="914400" rtl="0" eaLnBrk="1" fontAlgn="auto" latinLnBrk="0" hangingPunct="1">
+                        <a:lnSpc>
+                          <a:spcPct val="100000"/>
+                        </a:lnSpc>
+                        <a:spcBef>
+                          <a:spcPts val="0"/>
+                        </a:spcBef>
+                        <a:spcAft>
+                          <a:spcPts val="0"/>
+                        </a:spcAft>
+                        <a:buClrTx/>
+                        <a:buSzTx/>
+                        <a:buFontTx/>
+                        <a:buNone/>
+                        <a:tabLst/>
+                        <a:defRPr/>
+                      </a:pPr>
+                      <a:r>
+                        <a:rPr lang="ru-RU" sz="2800" b="1" dirty="0"/>
+                        <a:t>Виртуальный куратор</a:t>
+                      </a:r>
+                    </a:p>
+                    <a:p>
+                      <a:endParaRPr lang="ru-RU" dirty="0"/>
+                    </a:p>
+                  </a:txBody>
+                  <a:tcPr/>
+                </a:tc>
+                <a:extLst>
+                  <a:ext uri="{0D108BD9-81ED-4DB2-BD59-A6C34878D82A}">
+                    <a16:rowId xmlns:a16="http://schemas.microsoft.com/office/drawing/2014/main" val="4167852860"/>
+                  </a:ext>
+                </a:extLst>
+              </a:tr>
+              <a:tr h="736209">
+                <a:tc>
+                  <a:txBody>
+                    <a:bodyPr/>
+                    <a:lstStyle/>
+                    <a:p>
+                      <a:r>
+                        <a:rPr lang="ru-RU" sz="2400" dirty="0"/>
+                        <a:t>Планирование задач</a:t>
+                      </a:r>
+                      <a:endParaRPr lang="ru-RU" sz="1600" dirty="0"/>
+                    </a:p>
+                  </a:txBody>
+                  <a:tcPr/>
+                </a:tc>
+                <a:tc>
+                  <a:txBody>
+                    <a:bodyPr/>
+                    <a:lstStyle/>
+                    <a:p>
+                      <a:r>
+                        <a:rPr lang="ru-RU" sz="2800" b="1" dirty="0">
+                          <a:solidFill>
+                            <a:schemeClr val="tx1"/>
+                          </a:solidFill>
+                          <a:highlight>
+                            <a:srgbClr val="FF0000"/>
+                          </a:highlight>
+                        </a:rPr>
+                        <a:t>-</a:t>
+                      </a:r>
+                      <a:endParaRPr lang="ru-RU" b="1" dirty="0">
+                        <a:solidFill>
+                          <a:schemeClr val="tx1"/>
+                        </a:solidFill>
+                        <a:highlight>
+                          <a:srgbClr val="FF0000"/>
+                        </a:highlight>
+                      </a:endParaRPr>
+                    </a:p>
+                  </a:txBody>
+                  <a:tcPr/>
+                </a:tc>
+                <a:tc>
+                  <a:txBody>
+                    <a:bodyPr/>
+                    <a:lstStyle/>
+                    <a:p>
+                      <a:r>
+                        <a:rPr lang="ru-RU" sz="2800" b="1" baseline="30000" dirty="0">
+                          <a:highlight>
+                            <a:srgbClr val="00FF00"/>
+                          </a:highlight>
+                        </a:rPr>
+                        <a:t>+</a:t>
+                      </a:r>
+                      <a:endParaRPr lang="ru-RU" sz="2800" b="1" dirty="0">
+                        <a:highlight>
+                          <a:srgbClr val="00FF00"/>
+                        </a:highlight>
+                      </a:endParaRPr>
+                    </a:p>
+                  </a:txBody>
+                  <a:tcPr/>
+                </a:tc>
+                <a:tc>
+                  <a:txBody>
+                    <a:bodyPr/>
+                    <a:lstStyle/>
+                    <a:p>
+                      <a:r>
+                        <a:rPr lang="ru-RU" sz="2800" b="1" baseline="30000" dirty="0">
+                          <a:highlight>
+                            <a:srgbClr val="00FF00"/>
+                          </a:highlight>
+                        </a:rPr>
+                        <a:t>+</a:t>
+                      </a:r>
+                      <a:endParaRPr lang="ru-RU" sz="2800" dirty="0"/>
+                    </a:p>
+                  </a:txBody>
+                  <a:tcPr/>
+                </a:tc>
+                <a:extLst>
+                  <a:ext uri="{0D108BD9-81ED-4DB2-BD59-A6C34878D82A}">
+                    <a16:rowId xmlns:a16="http://schemas.microsoft.com/office/drawing/2014/main" val="4168390140"/>
+                  </a:ext>
+                </a:extLst>
+              </a:tr>
+              <a:tr h="1005341">
+                <a:tc>
+                  <a:txBody>
+                    <a:bodyPr/>
+                    <a:lstStyle/>
+                    <a:p>
+                      <a:r>
+                        <a:rPr lang="ru-RU" sz="2400" dirty="0"/>
+                        <a:t>Встроенный тайм-менеджмент</a:t>
+                      </a:r>
+                      <a:endParaRPr lang="ru-RU" sz="1600" dirty="0"/>
+                    </a:p>
+                  </a:txBody>
+                  <a:tcPr/>
+                </a:tc>
+                <a:tc>
+                  <a:txBody>
+                    <a:bodyPr/>
+                    <a:lstStyle/>
+                    <a:p>
+                      <a:pPr marL="0" marR="0" lvl="0" indent="0" algn="l" defTabSz="914400" rtl="0" eaLnBrk="1" fontAlgn="auto" latinLnBrk="0" hangingPunct="1">
+                        <a:lnSpc>
+                          <a:spcPct val="100000"/>
+                        </a:lnSpc>
+                        <a:spcBef>
+                          <a:spcPts val="0"/>
+                        </a:spcBef>
+                        <a:spcAft>
+                          <a:spcPts val="0"/>
+                        </a:spcAft>
+                        <a:buClrTx/>
+                        <a:buSzTx/>
+                        <a:buFontTx/>
+                        <a:buNone/>
+                        <a:tabLst/>
+                        <a:defRPr/>
+                      </a:pPr>
+                      <a:r>
+                        <a:rPr lang="ru-RU" sz="2800" b="1" dirty="0">
+                          <a:solidFill>
+                            <a:schemeClr val="tx1"/>
+                          </a:solidFill>
+                          <a:highlight>
+                            <a:srgbClr val="FF0000"/>
+                          </a:highlight>
+                        </a:rPr>
+                        <a:t>-</a:t>
+                      </a:r>
+                    </a:p>
+                    <a:p>
+                      <a:endParaRPr lang="ru-RU" sz="2800" dirty="0"/>
+                    </a:p>
+                  </a:txBody>
+                  <a:tcPr/>
+                </a:tc>
+                <a:tc>
+                  <a:txBody>
+                    <a:bodyPr/>
+                    <a:lstStyle/>
+                    <a:p>
+                      <a:pPr marL="0" marR="0" lvl="0" indent="0" algn="l" defTabSz="914400" rtl="0" eaLnBrk="1" fontAlgn="auto" latinLnBrk="0" hangingPunct="1">
+                        <a:lnSpc>
+                          <a:spcPct val="100000"/>
+                        </a:lnSpc>
+                        <a:spcBef>
+                          <a:spcPts val="0"/>
+                        </a:spcBef>
+                        <a:spcAft>
+                          <a:spcPts val="0"/>
+                        </a:spcAft>
+                        <a:buClrTx/>
+                        <a:buSzTx/>
+                        <a:buFontTx/>
+                        <a:buNone/>
+                        <a:tabLst/>
+                        <a:defRPr/>
+                      </a:pPr>
+                      <a:r>
+                        <a:rPr lang="ru-RU" sz="2800" b="1" dirty="0">
+                          <a:solidFill>
+                            <a:schemeClr val="tx1"/>
+                          </a:solidFill>
+                          <a:highlight>
+                            <a:srgbClr val="FF0000"/>
+                          </a:highlight>
+                        </a:rPr>
+                        <a:t>-</a:t>
+                      </a:r>
+                    </a:p>
+                    <a:p>
+                      <a:endParaRPr lang="ru-RU" sz="2800" dirty="0"/>
+                    </a:p>
+                  </a:txBody>
+                  <a:tcPr/>
+                </a:tc>
+                <a:tc>
+                  <a:txBody>
+                    <a:bodyPr/>
+                    <a:lstStyle/>
+                    <a:p>
+                      <a:r>
+                        <a:rPr lang="ru-RU" sz="2800" b="1" baseline="30000" dirty="0">
+                          <a:highlight>
+                            <a:srgbClr val="00FF00"/>
+                          </a:highlight>
+                        </a:rPr>
+                        <a:t>+</a:t>
+                      </a:r>
+                      <a:endParaRPr lang="ru-RU" sz="2800" dirty="0"/>
+                    </a:p>
+                  </a:txBody>
+                  <a:tcPr/>
+                </a:tc>
+                <a:extLst>
+                  <a:ext uri="{0D108BD9-81ED-4DB2-BD59-A6C34878D82A}">
+                    <a16:rowId xmlns:a16="http://schemas.microsoft.com/office/drawing/2014/main" val="717503147"/>
+                  </a:ext>
+                </a:extLst>
+              </a:tr>
+              <a:tr h="979924">
+                <a:tc>
+                  <a:txBody>
+                    <a:bodyPr/>
+                    <a:lstStyle/>
+                    <a:p>
+                      <a:r>
+                        <a:rPr lang="ru-RU" sz="2400" dirty="0"/>
+                        <a:t>Напоминание о задачах</a:t>
+                      </a:r>
+                    </a:p>
+                  </a:txBody>
+                  <a:tcPr/>
+                </a:tc>
+                <a:tc>
+                  <a:txBody>
+                    <a:bodyPr/>
+                    <a:lstStyle/>
+                    <a:p>
+                      <a:pPr marL="0" marR="0" lvl="0" indent="0" algn="l" defTabSz="914400" rtl="0" eaLnBrk="1" fontAlgn="auto" latinLnBrk="0" hangingPunct="1">
+                        <a:lnSpc>
+                          <a:spcPct val="100000"/>
+                        </a:lnSpc>
+                        <a:spcBef>
+                          <a:spcPts val="0"/>
+                        </a:spcBef>
+                        <a:spcAft>
+                          <a:spcPts val="0"/>
+                        </a:spcAft>
+                        <a:buClrTx/>
+                        <a:buSzTx/>
+                        <a:buFontTx/>
+                        <a:buNone/>
+                        <a:tabLst/>
+                        <a:defRPr/>
+                      </a:pPr>
+                      <a:r>
+                        <a:rPr lang="ru-RU" sz="2800" b="1" dirty="0">
+                          <a:solidFill>
+                            <a:schemeClr val="tx1"/>
+                          </a:solidFill>
+                          <a:highlight>
+                            <a:srgbClr val="FF0000"/>
+                          </a:highlight>
+                        </a:rPr>
+                        <a:t>-</a:t>
+                      </a:r>
+                    </a:p>
+                  </a:txBody>
+                  <a:tcPr/>
+                </a:tc>
+                <a:tc>
+                  <a:txBody>
+                    <a:bodyPr/>
+                    <a:lstStyle/>
+                    <a:p>
+                      <a:pPr marL="0" marR="0" lvl="0" indent="0" algn="l" defTabSz="914400" rtl="0" eaLnBrk="1" fontAlgn="auto" latinLnBrk="0" hangingPunct="1">
+                        <a:lnSpc>
+                          <a:spcPct val="100000"/>
+                        </a:lnSpc>
+                        <a:spcBef>
+                          <a:spcPts val="0"/>
+                        </a:spcBef>
+                        <a:spcAft>
+                          <a:spcPts val="0"/>
+                        </a:spcAft>
+                        <a:buClrTx/>
+                        <a:buSzTx/>
+                        <a:buFontTx/>
+                        <a:buNone/>
+                        <a:tabLst/>
+                        <a:defRPr/>
+                      </a:pPr>
+                      <a:r>
+                        <a:rPr lang="ru-RU" sz="2800" b="1" baseline="30000" dirty="0">
+                          <a:highlight>
+                            <a:srgbClr val="00FF00"/>
+                          </a:highlight>
+                        </a:rPr>
+                        <a:t>+</a:t>
+                      </a:r>
+                      <a:endParaRPr lang="ru-RU" sz="2800" dirty="0"/>
+                    </a:p>
+                  </a:txBody>
+                  <a:tcPr/>
+                </a:tc>
+                <a:tc>
+                  <a:txBody>
+                    <a:bodyPr/>
+                    <a:lstStyle/>
+                    <a:p>
+                      <a:pPr marL="0" marR="0" lvl="0" indent="0" algn="l" defTabSz="914400" rtl="0" eaLnBrk="1" fontAlgn="auto" latinLnBrk="0" hangingPunct="1">
+                        <a:lnSpc>
+                          <a:spcPct val="100000"/>
+                        </a:lnSpc>
+                        <a:spcBef>
+                          <a:spcPts val="0"/>
+                        </a:spcBef>
+                        <a:spcAft>
+                          <a:spcPts val="0"/>
+                        </a:spcAft>
+                        <a:buClrTx/>
+                        <a:buSzTx/>
+                        <a:buFontTx/>
+                        <a:buNone/>
+                        <a:tabLst/>
+                        <a:defRPr/>
+                      </a:pPr>
+                      <a:r>
+                        <a:rPr lang="ru-RU" sz="2800" b="1" baseline="30000" dirty="0">
+                          <a:highlight>
+                            <a:srgbClr val="00FF00"/>
+                          </a:highlight>
+                        </a:rPr>
+                        <a:t>+</a:t>
+                      </a:r>
+                      <a:endParaRPr lang="ru-RU" sz="2800" dirty="0"/>
+                    </a:p>
+                  </a:txBody>
+                  <a:tcPr/>
+                </a:tc>
+                <a:extLst>
+                  <a:ext uri="{0D108BD9-81ED-4DB2-BD59-A6C34878D82A}">
+                    <a16:rowId xmlns:a16="http://schemas.microsoft.com/office/drawing/2014/main" val="2662107045"/>
+                  </a:ext>
+                </a:extLst>
+              </a:tr>
+              <a:tr h="1372661">
+                <a:tc>
+                  <a:txBody>
+                    <a:bodyPr/>
+                    <a:lstStyle/>
+                    <a:p>
+                      <a:r>
+                        <a:rPr lang="ru-RU" sz="2400" dirty="0"/>
+                        <a:t>Интересная визуальная составляющая</a:t>
+                      </a:r>
+                    </a:p>
+                  </a:txBody>
+                  <a:tcPr/>
+                </a:tc>
+                <a:tc>
+                  <a:txBody>
+                    <a:bodyPr/>
+                    <a:lstStyle/>
+                    <a:p>
+                      <a:r>
+                        <a:rPr lang="ru-RU" sz="2800" b="1" baseline="30000" dirty="0">
+                          <a:highlight>
+                            <a:srgbClr val="00FF00"/>
+                          </a:highlight>
+                        </a:rPr>
+                        <a:t>+</a:t>
+                      </a:r>
+                      <a:endParaRPr lang="ru-RU" sz="2800" dirty="0">
+                        <a:highlight>
+                          <a:srgbClr val="00FF00"/>
+                        </a:highlight>
+                      </a:endParaRPr>
+                    </a:p>
+                    <a:p>
+                      <a:endParaRPr lang="ru-RU" sz="2800" dirty="0"/>
+                    </a:p>
+                  </a:txBody>
+                  <a:tcPr/>
+                </a:tc>
+                <a:tc>
+                  <a:txBody>
+                    <a:bodyPr/>
+                    <a:lstStyle/>
+                    <a:p>
+                      <a:pPr marL="0" marR="0" lvl="0" indent="0" algn="l" defTabSz="914400" rtl="0" eaLnBrk="1" fontAlgn="auto" latinLnBrk="0" hangingPunct="1">
+                        <a:lnSpc>
+                          <a:spcPct val="100000"/>
+                        </a:lnSpc>
+                        <a:spcBef>
+                          <a:spcPts val="0"/>
+                        </a:spcBef>
+                        <a:spcAft>
+                          <a:spcPts val="0"/>
+                        </a:spcAft>
+                        <a:buClrTx/>
+                        <a:buSzTx/>
+                        <a:buFontTx/>
+                        <a:buNone/>
+                        <a:tabLst/>
+                        <a:defRPr/>
+                      </a:pPr>
+                      <a:r>
+                        <a:rPr lang="ru-RU" sz="2800" b="1" dirty="0">
+                          <a:solidFill>
+                            <a:schemeClr val="tx1"/>
+                          </a:solidFill>
+                          <a:highlight>
+                            <a:srgbClr val="FF0000"/>
+                          </a:highlight>
+                        </a:rPr>
+                        <a:t>-</a:t>
+                      </a:r>
+                    </a:p>
+                    <a:p>
+                      <a:endParaRPr lang="ru-RU" sz="2800" dirty="0"/>
+                    </a:p>
+                  </a:txBody>
+                  <a:tcPr/>
+                </a:tc>
+                <a:tc>
+                  <a:txBody>
+                    <a:bodyPr/>
+                    <a:lstStyle/>
+                    <a:p>
+                      <a:r>
+                        <a:rPr lang="ru-RU" sz="2800" b="1" baseline="30000" dirty="0">
+                          <a:highlight>
+                            <a:srgbClr val="00FF00"/>
+                          </a:highlight>
+                        </a:rPr>
+                        <a:t>+</a:t>
+                      </a:r>
+                      <a:endParaRPr lang="ru-RU" sz="2800" dirty="0"/>
+                    </a:p>
+                  </a:txBody>
+                  <a:tcPr/>
+                </a:tc>
+                <a:extLst>
+                  <a:ext uri="{0D108BD9-81ED-4DB2-BD59-A6C34878D82A}">
+                    <a16:rowId xmlns:a16="http://schemas.microsoft.com/office/drawing/2014/main" val="3768523825"/>
+                  </a:ext>
+                </a:extLst>
+              </a:tr>
+            </a:tbl>
+          </a:graphicData>
+        </a:graphic>
+      </p:graphicFrame>
+      <p:sp>
+        <p:nvSpPr>
+          <p:cNvPr id="3" name="TextBox 2">
+            <a:extLst>
+              <a:ext uri="{FF2B5EF4-FFF2-40B4-BE49-F238E27FC236}">
+                <a16:creationId xmlns:a16="http://schemas.microsoft.com/office/drawing/2014/main" id="{3BEAD2C0-A18D-C0AD-6344-D7E191CE815D}"/>
+              </a:ext>
+            </a:extLst>
+          </p:cNvPr>
+          <p:cNvSpPr txBox="1"/>
+          <p:nvPr/>
+        </p:nvSpPr>
+        <p:spPr>
+          <a:xfrm>
+            <a:off x="407988" y="333375"/>
+            <a:ext cx="11376024" cy="707886"/>
+          </a:xfrm>
+          <a:prstGeom prst="rect">
+            <a:avLst/>
+          </a:prstGeom>
+          <a:noFill/>
+        </p:spPr>
+        <p:txBody>
+          <a:bodyPr wrap="square" rtlCol="0">
+            <a:spAutoFit/>
+          </a:bodyPr>
+          <a:lstStyle/>
+          <a:p>
+            <a:pPr algn="ctr"/>
+            <a:r>
+              <a:rPr lang="ru-RU" sz="4000" b="1" dirty="0"/>
+              <a:t>Сравнение с конкурентами</a:t>
+            </a:r>
+          </a:p>
+        </p:txBody>
+      </p:sp>
+    </p:spTree>
+    <p:extLst>
+      <p:ext uri="{BB962C8B-B14F-4D97-AF65-F5344CB8AC3E}">
+        <p14:creationId xmlns:p14="http://schemas.microsoft.com/office/powerpoint/2010/main" val="1157185107"/>
+      </p:ext>
+    </p:extLst>
+  </p:cSld>
+  <p:clrMapOvr>
+    <a:masterClrMapping/>
+  </p:clrMapOvr>
+</p:sld>
+</file>
+
+<file path=ppt/slides/slide13.xml><?xml version="1.0" encoding="utf-8"?>
+<p:sld xmlns:a="http://schemas.openxmlformats.org/drawingml/2006/main" xmlns:r="http://schemas.openxmlformats.org/officeDocument/2006/relationships" xmlns:p="http://schemas.openxmlformats.org/presentationml/2006/main">
+  <p:cSld>
+    <p:spTree>
+      <p:nvGrpSpPr>
+        <p:cNvPr id="1" name=""/>
+        <p:cNvGrpSpPr/>
+        <p:nvPr/>
+      </p:nvGrpSpPr>
+      <p:grpSpPr>
+        <a:xfrm>
+          <a:off x="0" y="0"/>
+          <a:ext cx="0" cy="0"/>
+          <a:chOff x="0" y="0"/>
+          <a:chExt cx="0" cy="0"/>
+        </a:xfrm>
+      </p:grpSpPr>
+      <p:sp>
+        <p:nvSpPr>
+          <p:cNvPr id="4" name="TextBox 3">
+            <a:extLst>
+              <a:ext uri="{FF2B5EF4-FFF2-40B4-BE49-F238E27FC236}">
+                <a16:creationId xmlns:a16="http://schemas.microsoft.com/office/drawing/2014/main" id="{EBD491BA-DFBC-DE4D-E736-D2710006CA7B}"/>
+              </a:ext>
+            </a:extLst>
+          </p:cNvPr>
+          <p:cNvSpPr txBox="1"/>
+          <p:nvPr/>
+        </p:nvSpPr>
+        <p:spPr>
+          <a:xfrm>
+            <a:off x="407988" y="333375"/>
+            <a:ext cx="11376024" cy="707886"/>
+          </a:xfrm>
+          <a:prstGeom prst="rect">
+            <a:avLst/>
+          </a:prstGeom>
+          <a:noFill/>
+        </p:spPr>
+        <p:txBody>
+          <a:bodyPr wrap="square" rtlCol="0">
+            <a:spAutoFit/>
+          </a:bodyPr>
+          <a:lstStyle/>
+          <a:p>
+            <a:pPr algn="ctr"/>
+            <a:r>
+              <a:rPr lang="ru-RU" sz="4000" b="1" dirty="0"/>
               <a:t>Команда</a:t>
+            </a:r>
+          </a:p>
+        </p:txBody>
+      </p:sp>
+      <p:pic>
+        <p:nvPicPr>
+          <p:cNvPr id="3" name="Рисунок 2">
+            <a:extLst>
+              <a:ext uri="{FF2B5EF4-FFF2-40B4-BE49-F238E27FC236}">
+                <a16:creationId xmlns:a16="http://schemas.microsoft.com/office/drawing/2014/main" id="{4BE67CB1-09C5-F620-B9D2-F788F62110D9}"/>
+              </a:ext>
+            </a:extLst>
+          </p:cNvPr>
+          <p:cNvPicPr>
+            <a:picLocks noChangeAspect="1"/>
+          </p:cNvPicPr>
+          <p:nvPr/>
+        </p:nvPicPr>
+        <p:blipFill rotWithShape="1">
+          <a:blip r:embed="rId2"/>
+          <a:srcRect l="26546" t="5937" r="8570" b="45956"/>
+          <a:stretch/>
+        </p:blipFill>
+        <p:spPr>
+          <a:xfrm>
+            <a:off x="2101710" y="1991592"/>
+            <a:ext cx="2156106" cy="2874810"/>
+          </a:xfrm>
+          <a:prstGeom prst="rect">
+            <a:avLst/>
+          </a:prstGeom>
+        </p:spPr>
+      </p:pic>
+      <p:pic>
+        <p:nvPicPr>
+          <p:cNvPr id="6" name="Рисунок 5">
+            <a:extLst>
+              <a:ext uri="{FF2B5EF4-FFF2-40B4-BE49-F238E27FC236}">
+                <a16:creationId xmlns:a16="http://schemas.microsoft.com/office/drawing/2014/main" id="{ABD047B6-88A1-F7B1-3F19-4E46D055567A}"/>
+              </a:ext>
+            </a:extLst>
+          </p:cNvPr>
+          <p:cNvPicPr>
+            <a:picLocks noChangeAspect="1"/>
+          </p:cNvPicPr>
+          <p:nvPr/>
+        </p:nvPicPr>
+        <p:blipFill rotWithShape="1">
+          <a:blip r:embed="rId3">
+            <a:extLst>
+              <a:ext uri="{28A0092B-C50C-407E-A947-70E740481C1C}">
+                <a14:useLocalDpi xmlns:a14="http://schemas.microsoft.com/office/drawing/2010/main" val="0"/>
+              </a:ext>
+            </a:extLst>
+          </a:blip>
+          <a:srcRect l="1786" r="1786"/>
+          <a:stretch/>
+        </p:blipFill>
+        <p:spPr>
+          <a:xfrm>
+            <a:off x="7934185" y="1991595"/>
+            <a:ext cx="2156106" cy="2874808"/>
+          </a:xfrm>
+          <a:prstGeom prst="rect">
+            <a:avLst/>
+          </a:prstGeom>
+        </p:spPr>
+      </p:pic>
+      <p:sp>
+        <p:nvSpPr>
+          <p:cNvPr id="7" name="TextBox 6">
+            <a:extLst>
+              <a:ext uri="{FF2B5EF4-FFF2-40B4-BE49-F238E27FC236}">
+                <a16:creationId xmlns:a16="http://schemas.microsoft.com/office/drawing/2014/main" id="{CBB9DD4F-16A3-F8D0-1E4A-ECFC826373E5}"/>
+              </a:ext>
+            </a:extLst>
+          </p:cNvPr>
+          <p:cNvSpPr txBox="1"/>
+          <p:nvPr/>
+        </p:nvSpPr>
+        <p:spPr>
+          <a:xfrm>
+            <a:off x="407988" y="4866403"/>
+            <a:ext cx="5508625" cy="1200329"/>
+          </a:xfrm>
+          <a:prstGeom prst="rect">
+            <a:avLst/>
+          </a:prstGeom>
+          <a:noFill/>
+        </p:spPr>
+        <p:txBody>
+          <a:bodyPr wrap="square" rtlCol="0">
+            <a:spAutoFit/>
+          </a:bodyPr>
+          <a:lstStyle/>
+          <a:p>
+            <a:pPr algn="ctr"/>
+            <a:r>
+              <a:rPr lang="ru-RU" b="1" dirty="0" err="1"/>
+              <a:t>Мешалов</a:t>
+            </a:r>
+            <a:r>
+              <a:rPr lang="ru-RU" b="1" dirty="0"/>
+              <a:t> Лев</a:t>
+            </a:r>
+            <a:br>
+              <a:rPr lang="ru-RU" b="1" dirty="0"/>
+            </a:br>
+            <a:r>
+              <a:rPr lang="ru-RU" dirty="0"/>
+              <a:t>Коммуникатор</a:t>
+            </a:r>
+            <a:br>
+              <a:rPr lang="ru-RU" dirty="0"/>
+            </a:br>
+            <a:r>
+              <a:rPr lang="ru-RU" dirty="0"/>
+              <a:t>Маркетолог</a:t>
+            </a:r>
+            <a:br>
+              <a:rPr lang="ru-RU" dirty="0"/>
+            </a:br>
+            <a:r>
+              <a:rPr lang="ru-RU" dirty="0"/>
+              <a:t>Экономист</a:t>
+            </a:r>
+            <a:endParaRPr lang="ru-RU" b="1" dirty="0"/>
+          </a:p>
+        </p:txBody>
+      </p:sp>
+      <p:sp>
+        <p:nvSpPr>
+          <p:cNvPr id="8" name="TextBox 7">
+            <a:extLst>
+              <a:ext uri="{FF2B5EF4-FFF2-40B4-BE49-F238E27FC236}">
+                <a16:creationId xmlns:a16="http://schemas.microsoft.com/office/drawing/2014/main" id="{3E1C5DE1-1D83-BA7B-8C4F-29C17E82E9D0}"/>
+              </a:ext>
+            </a:extLst>
+          </p:cNvPr>
+          <p:cNvSpPr txBox="1"/>
+          <p:nvPr/>
+        </p:nvSpPr>
+        <p:spPr>
+          <a:xfrm>
+            <a:off x="6275388" y="4866402"/>
+            <a:ext cx="5508623" cy="923330"/>
+          </a:xfrm>
+          <a:prstGeom prst="rect">
+            <a:avLst/>
+          </a:prstGeom>
+          <a:noFill/>
+        </p:spPr>
+        <p:txBody>
+          <a:bodyPr wrap="square" rtlCol="0">
+            <a:spAutoFit/>
+          </a:bodyPr>
+          <a:lstStyle/>
+          <a:p>
+            <a:pPr algn="ctr"/>
+            <a:r>
+              <a:rPr lang="ru-RU" b="1" dirty="0"/>
+              <a:t>Коновалов Андрей</a:t>
+            </a:r>
+            <a:br>
+              <a:rPr lang="ru-RU" b="1" dirty="0"/>
+            </a:br>
+            <a:r>
+              <a:rPr lang="ru-RU" dirty="0"/>
+              <a:t>Лидер</a:t>
+            </a:r>
+          </a:p>
+          <a:p>
+            <a:pPr algn="ctr"/>
+            <a:r>
+              <a:rPr lang="ru-RU" dirty="0"/>
+              <a:t>Программист-технолог</a:t>
             </a:r>
           </a:p>
         </p:txBody>
@@ -5342,7 +6508,7 @@
 </p:sld>
 </file>
 
-<file path=ppt/slides/slide12.xml><?xml version="1.0" encoding="utf-8"?>
+<file path=ppt/slides/slide14.xml><?xml version="1.0" encoding="utf-8"?>
 <p:sld xmlns:a="http://schemas.openxmlformats.org/drawingml/2006/main" xmlns:r="http://schemas.openxmlformats.org/officeDocument/2006/relationships" xmlns:p="http://schemas.openxmlformats.org/presentationml/2006/main">
   <p:cSld>
     <p:spTree>
@@ -6762,7 +7928,7 @@
             <a:pPr algn="ctr"/>
             <a:r>
               <a:rPr lang="ru-RU" sz="4000" b="1" dirty="0"/>
-              <a:t>Суть решения</a:t>
+              <a:t>Кастомизация ассистента</a:t>
             </a:r>
           </a:p>
         </p:txBody>
@@ -6894,7 +8060,7 @@
         <p:spPr>
           <a:xfrm>
             <a:off x="6096000" y="1125538"/>
-            <a:ext cx="5688012" cy="2308324"/>
+            <a:ext cx="5688012" cy="4524315"/>
           </a:xfrm>
           <a:prstGeom prst="rect">
             <a:avLst/>
@@ -6908,17 +8074,17 @@
           <a:lstStyle/>
           <a:p>
             <a:r>
-              <a:rPr lang="ru-RU" sz="2400" b="1" dirty="0"/>
-              <a:t>Кастомизация ассистента</a:t>
-            </a:r>
-          </a:p>
-          <a:p>
-            <a:endParaRPr lang="ru-RU" sz="2400" dirty="0"/>
-          </a:p>
-          <a:p>
-            <a:r>
               <a:rPr lang="ru-RU" sz="2400" dirty="0"/>
               <a:t>Гибкая настройка внешнего вида позволяет использовать любимого персонажа или персонажа приятного глазу.</a:t>
+            </a:r>
+          </a:p>
+          <a:p>
+            <a:endParaRPr lang="ru-RU" sz="2400" dirty="0"/>
+          </a:p>
+          <a:p>
+            <a:r>
+              <a:rPr lang="ru-RU" sz="2400" dirty="0"/>
+              <a:t>Кастомизация осуществляется по средствам сбора картинок, олицетворяющих эмоции персонажа и именование этих картинок по маске, понятной программе. Правила именования будут изложены в пользовательской документации.</a:t>
             </a:r>
           </a:p>
         </p:txBody>
@@ -6968,7 +8134,7 @@
         <p:spPr>
           <a:xfrm>
             <a:off x="407988" y="1125538"/>
-            <a:ext cx="5688012" cy="2677656"/>
+            <a:ext cx="5688012" cy="3046988"/>
           </a:xfrm>
           <a:prstGeom prst="rect">
             <a:avLst/>
@@ -6982,15 +8148,6 @@
           <a:lstStyle/>
           <a:p>
             <a:r>
-              <a:rPr lang="ru-RU" sz="2400" b="1" dirty="0"/>
-              <a:t>Встроенные заметки и календарь</a:t>
-            </a:r>
-          </a:p>
-          <a:p>
-            <a:endParaRPr lang="ru-RU" sz="2400" b="1" dirty="0"/>
-          </a:p>
-          <a:p>
-            <a:r>
               <a:rPr lang="ru-RU" sz="2400" dirty="0"/>
               <a:t>Ассистент может хранить пользовательские заметки, а интеграция с </a:t>
             </a:r>
@@ -7008,7 +8165,16 @@
             </a:r>
             <a:r>
               <a:rPr lang="ru-RU" sz="2400" dirty="0"/>
-              <a:t>календарями, позволит напоминать о встречах и событиях или создавать новые, прямо через ассистента.</a:t>
+              <a:t>календарями, позволит напоминать о встречах и событиях. </a:t>
+            </a:r>
+          </a:p>
+          <a:p>
+            <a:endParaRPr lang="ru-RU" sz="2400" dirty="0"/>
+          </a:p>
+          <a:p>
+            <a:r>
+              <a:rPr lang="ru-RU" sz="2400" dirty="0"/>
+              <a:t>Также, ассистент предоставляет возможность создавать новое событие в календаре.</a:t>
             </a:r>
           </a:p>
         </p:txBody>
@@ -7224,7 +8390,7 @@
             <a:pPr algn="ctr"/>
             <a:r>
               <a:rPr lang="ru-RU" sz="4000" b="1" dirty="0"/>
-              <a:t>Суть решения</a:t>
+              <a:t>Встроенные заметки и календарь</a:t>
             </a:r>
           </a:p>
         </p:txBody>
@@ -7290,7 +8456,7 @@
             <a:pPr algn="ctr"/>
             <a:r>
               <a:rPr lang="ru-RU" sz="4000" b="1" dirty="0"/>
-              <a:t>Суть решения</a:t>
+              <a:t>Планирование задач</a:t>
             </a:r>
           </a:p>
         </p:txBody>
@@ -7340,42 +8506,6 @@
           </a:extLst>
         </p:spPr>
       </p:pic>
-      <p:sp>
-        <p:nvSpPr>
-          <p:cNvPr id="9" name="TextBox 8">
-            <a:extLst>
-              <a:ext uri="{FF2B5EF4-FFF2-40B4-BE49-F238E27FC236}">
-                <a16:creationId xmlns:a16="http://schemas.microsoft.com/office/drawing/2014/main" id="{DDC6B967-46FE-2D99-FBA4-03F9425B4FBA}"/>
-              </a:ext>
-            </a:extLst>
-          </p:cNvPr>
-          <p:cNvSpPr txBox="1"/>
-          <p:nvPr/>
-        </p:nvSpPr>
-        <p:spPr>
-          <a:xfrm>
-            <a:off x="407988" y="333375"/>
-            <a:ext cx="11376024" cy="707886"/>
-          </a:xfrm>
-          <a:prstGeom prst="rect">
-            <a:avLst/>
-          </a:prstGeom>
-          <a:noFill/>
-        </p:spPr>
-        <p:txBody>
-          <a:bodyPr wrap="square" rtlCol="0">
-            <a:spAutoFit/>
-          </a:bodyPr>
-          <a:lstStyle/>
-          <a:p>
-            <a:pPr algn="ctr"/>
-            <a:r>
-              <a:rPr lang="ru-RU" sz="4000" b="1" dirty="0"/>
-              <a:t>Суть решения</a:t>
-            </a:r>
-          </a:p>
-        </p:txBody>
-      </p:sp>
       <p:sp>
         <p:nvSpPr>
           <p:cNvPr id="11" name="Облачко с текстом: прямоугольное 10">
@@ -7456,7 +8586,7 @@
         <p:spPr>
           <a:xfrm>
             <a:off x="6096000" y="1125538"/>
-            <a:ext cx="5688012" cy="3416320"/>
+            <a:ext cx="5688012" cy="4154984"/>
           </a:xfrm>
           <a:prstGeom prst="rect">
             <a:avLst/>
@@ -7470,8 +8600,14 @@
           <a:lstStyle/>
           <a:p>
             <a:r>
-              <a:rPr lang="ru-RU" sz="2400" b="1" dirty="0"/>
-              <a:t>Планирование задач и встроенные техники тайм-менеджмента</a:t>
+              <a:rPr lang="ru-RU" sz="2400" dirty="0"/>
+              <a:t>Планировщик задач позволяет пользователю создать список всех необходимых дел с указанием сложности и срочности, чтобы в дальнейшем ассистент мог предложить одну или несколько задач на день по технике </a:t>
+            </a:r>
+          </a:p>
+          <a:p>
+            <a:r>
+              <a:rPr lang="ru-RU" sz="2400" dirty="0"/>
+              <a:t>«1-3-5».</a:t>
             </a:r>
           </a:p>
           <a:p>
@@ -7480,7 +8616,7 @@
           <a:p>
             <a:r>
               <a:rPr lang="ru-RU" sz="2400" dirty="0"/>
-              <a:t>Хранение списка ваших задач позволит ассистенту предлагать вам одну задачу на выполнение или сразу список задач по технике «1-3-5», а встроенный </a:t>
+              <a:t>Встроенный </a:t>
             </a:r>
             <a:r>
               <a:rPr lang="en-US" sz="2400" dirty="0"/>
@@ -7488,7 +8624,7 @@
             </a:r>
             <a:r>
               <a:rPr lang="ru-RU" sz="2400" dirty="0"/>
-              <a:t>таймер поможет сосредоточиться на их выполнении.</a:t>
+              <a:t>таймер поможет держать концентрацию и провести время максимально продуктивно.</a:t>
             </a:r>
           </a:p>
         </p:txBody>

--- a/Docs/Presentation.pptx
+++ b/Docs/Presentation.pptx
@@ -266,7 +266,7 @@
           <a:p>
             <a:fld id="{05D31001-4353-44D7-B9FE-795F8DC7CA7D}" type="datetimeFigureOut">
               <a:rPr lang="ru-RU" smtClean="0"/>
-              <a:t>24.03.2025</a:t>
+              <a:t>25.03.2025</a:t>
             </a:fld>
             <a:endParaRPr lang="ru-RU"/>
           </a:p>
@@ -581,7 +581,17 @@
               <a:buNone/>
             </a:pPr>
             <a:r>
-              <a:rPr lang="ru-RU" b="1" i="0" u="none" dirty="0">
+              <a:rPr lang="ru-RU" b="0" i="0" u="none" dirty="0">
+                <a:solidFill>
+                  <a:schemeClr val="tx1"/>
+                </a:solidFill>
+                <a:effectLst/>
+                <a:latin typeface="Arial" panose="020B0604020202020204" pitchFamily="34" charset="0"/>
+              </a:rPr>
+              <a:t>В последнее время слово «</a:t>
+            </a:r>
+            <a:r>
+              <a:rPr lang="ru-RU" b="0" i="0" u="none" dirty="0" err="1">
                 <a:solidFill>
                   <a:schemeClr val="tx1"/>
                 </a:solidFill>
@@ -598,176 +608,34 @@
                 <a:effectLst/>
                 <a:latin typeface="Arial" panose="020B0604020202020204" pitchFamily="34" charset="0"/>
               </a:rPr>
-              <a:t> (</a:t>
-            </a:r>
-            <a:r>
-              <a:rPr lang="ru-RU" b="0" i="0" u="none" strike="noStrike" dirty="0">
+              <a:t>» стало у всех на слуху. Его даже прозвали словом 2024 года. Что же это?</a:t>
+            </a:r>
+          </a:p>
+          <a:p>
+            <a:pPr algn="l">
+              <a:buNone/>
+            </a:pPr>
+            <a:r>
+              <a:rPr lang="ru-RU" b="0" i="0" dirty="0" err="1">
                 <a:solidFill>
-                  <a:schemeClr val="tx1"/>
+                  <a:srgbClr val="1F1F1F"/>
                 </a:solidFill>
                 <a:effectLst/>
-                <a:latin typeface="Arial" panose="020B0604020202020204" pitchFamily="34" charset="0"/>
-                <a:hlinkClick r:id="rId3" tooltip="Английский язык">
-                  <a:extLst>
-                    <a:ext uri="{A12FA001-AC4F-418D-AE19-62706E023703}">
-                      <ahyp:hlinkClr xmlns:ahyp="http://schemas.microsoft.com/office/drawing/2018/hyperlinkcolor" val="tx"/>
-                    </a:ext>
-                  </a:extLst>
-                </a:hlinkClick>
+                <a:latin typeface="Google Sans"/>
               </a:rPr>
-              <a:t>англ.</a:t>
-            </a:r>
-            <a:r>
-              <a:rPr lang="ru-RU" b="0" i="0" u="none" dirty="0">
+              <a:t>Брейнрот</a:t>
+            </a:r>
+            <a:r>
+              <a:rPr lang="ru-RU" b="0" i="0" dirty="0">
                 <a:solidFill>
-                  <a:schemeClr val="tx1"/>
+                  <a:srgbClr val="1F1F1F"/>
                 </a:solidFill>
                 <a:effectLst/>
-                <a:latin typeface="Arial" panose="020B0604020202020204" pitchFamily="34" charset="0"/>
+                <a:latin typeface="Google Sans"/>
               </a:rPr>
-              <a:t> </a:t>
-            </a:r>
-            <a:r>
-              <a:rPr lang="ru-RU" b="0" i="1" u="none" dirty="0">
-                <a:solidFill>
-                  <a:schemeClr val="tx1"/>
-                </a:solidFill>
-                <a:effectLst/>
-                <a:latin typeface="Arial" panose="020B0604020202020204" pitchFamily="34" charset="0"/>
-              </a:rPr>
-              <a:t>brain rot, brainrot</a:t>
-            </a:r>
-            <a:r>
-              <a:rPr lang="ru-RU" b="0" i="0" u="none" dirty="0">
-                <a:solidFill>
-                  <a:schemeClr val="tx1"/>
-                </a:solidFill>
-                <a:effectLst/>
-                <a:latin typeface="Arial" panose="020B0604020202020204" pitchFamily="34" charset="0"/>
-              </a:rPr>
-              <a:t>, </a:t>
-            </a:r>
-            <a:r>
-              <a:rPr lang="ru-RU" b="0" i="0" u="none" strike="noStrike" dirty="0">
-                <a:solidFill>
-                  <a:schemeClr val="tx1"/>
-                </a:solidFill>
-                <a:effectLst/>
-                <a:latin typeface="Arial" panose="020B0604020202020204" pitchFamily="34" charset="0"/>
-                <a:hlinkClick r:id="rId4" tooltip="Дословный перевод">
-                  <a:extLst>
-                    <a:ext uri="{A12FA001-AC4F-418D-AE19-62706E023703}">
-                      <ahyp:hlinkClr xmlns:ahyp="http://schemas.microsoft.com/office/drawing/2018/hyperlinkcolor" val="tx"/>
-                    </a:ext>
-                  </a:extLst>
-                </a:hlinkClick>
-              </a:rPr>
-              <a:t>дословно</a:t>
-            </a:r>
-            <a:r>
-              <a:rPr lang="ru-RU" b="0" i="0" u="none" dirty="0">
-                <a:solidFill>
-                  <a:schemeClr val="tx1"/>
-                </a:solidFill>
-                <a:effectLst/>
-                <a:latin typeface="Arial" panose="020B0604020202020204" pitchFamily="34" charset="0"/>
-              </a:rPr>
-              <a:t> — «гниение / разложение мозга») — разговорный термин, используемый для описания интернет-контента, который имеет низкое качество или ценность. Этот термин также относится к чрезмерному использованию цифровых медиа, что может привести к </a:t>
-            </a:r>
-            <a:r>
-              <a:rPr lang="ru-RU" b="0" i="0" u="none" strike="noStrike" dirty="0">
-                <a:solidFill>
-                  <a:schemeClr val="tx1"/>
-                </a:solidFill>
-                <a:effectLst/>
-                <a:latin typeface="Arial" panose="020B0604020202020204" pitchFamily="34" charset="0"/>
-                <a:hlinkClick r:id="rId5" tooltip="Когнитивные нарушения">
-                  <a:extLst>
-                    <a:ext uri="{A12FA001-AC4F-418D-AE19-62706E023703}">
-                      <ahyp:hlinkClr xmlns:ahyp="http://schemas.microsoft.com/office/drawing/2018/hyperlinkcolor" val="tx"/>
-                    </a:ext>
-                  </a:extLst>
-                </a:hlinkClick>
-              </a:rPr>
-              <a:t>снижению когнитивных функций</a:t>
-            </a:r>
-            <a:r>
-              <a:rPr lang="ru-RU" b="0" i="0" u="none" dirty="0">
-                <a:solidFill>
-                  <a:schemeClr val="tx1"/>
-                </a:solidFill>
-                <a:effectLst/>
-                <a:latin typeface="Arial" panose="020B0604020202020204" pitchFamily="34" charset="0"/>
-              </a:rPr>
-              <a:t>, включая </a:t>
-            </a:r>
-            <a:r>
-              <a:rPr lang="ru-RU" b="0" i="0" u="none" strike="noStrike" dirty="0">
-                <a:solidFill>
-                  <a:schemeClr val="tx1"/>
-                </a:solidFill>
-                <a:effectLst/>
-                <a:latin typeface="Arial" panose="020B0604020202020204" pitchFamily="34" charset="0"/>
-                <a:hlinkClick r:id="rId6" tooltip="Синдром дефицита внимания и гиперактивности">
-                  <a:extLst>
-                    <a:ext uri="{A12FA001-AC4F-418D-AE19-62706E023703}">
-                      <ahyp:hlinkClr xmlns:ahyp="http://schemas.microsoft.com/office/drawing/2018/hyperlinkcolor" val="tx"/>
-                    </a:ext>
-                  </a:extLst>
-                </a:hlinkClick>
-              </a:rPr>
-              <a:t>снижение концентрации внимания</a:t>
-            </a:r>
-            <a:r>
-              <a:rPr lang="ru-RU" b="0" i="0" u="none" dirty="0">
-                <a:solidFill>
-                  <a:schemeClr val="tx1"/>
-                </a:solidFill>
-                <a:effectLst/>
-                <a:latin typeface="Arial" panose="020B0604020202020204" pitchFamily="34" charset="0"/>
-              </a:rPr>
-              <a:t> и </a:t>
-            </a:r>
-            <a:r>
-              <a:rPr lang="ru-RU" b="0" i="0" u="none" strike="noStrike" dirty="0">
-                <a:solidFill>
-                  <a:schemeClr val="tx1"/>
-                </a:solidFill>
-                <a:effectLst/>
-                <a:latin typeface="Arial" panose="020B0604020202020204" pitchFamily="34" charset="0"/>
-                <a:hlinkClick r:id="rId7" tooltip="Психическое расстройство">
-                  <a:extLst>
-                    <a:ext uri="{A12FA001-AC4F-418D-AE19-62706E023703}">
-                      <ahyp:hlinkClr xmlns:ahyp="http://schemas.microsoft.com/office/drawing/2018/hyperlinkcolor" val="tx"/>
-                    </a:ext>
-                  </a:extLst>
-                </a:hlinkClick>
-              </a:rPr>
-              <a:t>нарушение психики</a:t>
-            </a:r>
-            <a:r>
-              <a:rPr lang="ru-RU" b="0" i="0" u="none" dirty="0">
-                <a:solidFill>
-                  <a:schemeClr val="tx1"/>
-                </a:solidFill>
-                <a:effectLst/>
-                <a:latin typeface="Arial" panose="020B0604020202020204" pitchFamily="34" charset="0"/>
-              </a:rPr>
-              <a:t>. Из-за этого студенты и школьники, часто использующие компьютер, могут отвлекаться от выполнения важных задач на низкокачественный контент и снижать свою продуктивность в учёбе/работе.</a:t>
-            </a:r>
-          </a:p>
-          <a:p>
-            <a:pPr>
-              <a:buNone/>
-            </a:pPr>
-            <a:br>
-              <a:rPr lang="ru-RU" u="none" dirty="0">
-                <a:solidFill>
-                  <a:schemeClr val="tx1"/>
-                </a:solidFill>
-              </a:rPr>
-            </a:br>
-            <a:endParaRPr lang="ru-RU" u="none" dirty="0">
+              <a:t> — разговорный термин, используемый для описания интернет-контента, который имеет низкое качество или ценность. Этот термин также относится к чрезмерному использованию цифровых медиа, что может привести к снижению когнитивных функций, включая снижение концентрации внимания и нарушение психики.</a:t>
+            </a:r>
+            <a:endParaRPr lang="ru-RU" b="0" u="none" dirty="0">
               <a:solidFill>
                 <a:schemeClr val="tx1"/>
               </a:solidFill>
@@ -802,6 +670,174 @@
     <p:extLst>
       <p:ext uri="{BB962C8B-B14F-4D97-AF65-F5344CB8AC3E}">
         <p14:creationId xmlns:p14="http://schemas.microsoft.com/office/powerpoint/2010/main" val="4117469272"/>
+      </p:ext>
+    </p:extLst>
+  </p:cSld>
+  <p:clrMapOvr>
+    <a:masterClrMapping/>
+  </p:clrMapOvr>
+</p:notes>
+</file>
+
+<file path=ppt/notesSlides/notesSlide10.xml><?xml version="1.0" encoding="utf-8"?>
+<p:notes xmlns:a="http://schemas.openxmlformats.org/drawingml/2006/main" xmlns:r="http://schemas.openxmlformats.org/officeDocument/2006/relationships" xmlns:p="http://schemas.openxmlformats.org/presentationml/2006/main">
+  <p:cSld>
+    <p:spTree>
+      <p:nvGrpSpPr>
+        <p:cNvPr id="1" name=""/>
+        <p:cNvGrpSpPr/>
+        <p:nvPr/>
+      </p:nvGrpSpPr>
+      <p:grpSpPr>
+        <a:xfrm>
+          <a:off x="0" y="0"/>
+          <a:ext cx="0" cy="0"/>
+          <a:chOff x="0" y="0"/>
+          <a:chExt cx="0" cy="0"/>
+        </a:xfrm>
+      </p:grpSpPr>
+      <p:sp>
+        <p:nvSpPr>
+          <p:cNvPr id="2" name="Образ слайда 1"/>
+          <p:cNvSpPr>
+            <a:spLocks noGrp="1" noRot="1" noChangeAspect="1"/>
+          </p:cNvSpPr>
+          <p:nvPr>
+            <p:ph type="sldImg"/>
+          </p:nvPr>
+        </p:nvSpPr>
+        <p:spPr/>
+      </p:sp>
+      <p:sp>
+        <p:nvSpPr>
+          <p:cNvPr id="3" name="Заметки 2"/>
+          <p:cNvSpPr>
+            <a:spLocks noGrp="1"/>
+          </p:cNvSpPr>
+          <p:nvPr>
+            <p:ph type="body" idx="1"/>
+          </p:nvPr>
+        </p:nvSpPr>
+        <p:spPr/>
+        <p:txBody>
+          <a:bodyPr/>
+          <a:lstStyle/>
+          <a:p>
+            <a:endParaRPr lang="ru-RU" dirty="0"/>
+          </a:p>
+        </p:txBody>
+      </p:sp>
+      <p:sp>
+        <p:nvSpPr>
+          <p:cNvPr id="4" name="Номер слайда 3"/>
+          <p:cNvSpPr>
+            <a:spLocks noGrp="1"/>
+          </p:cNvSpPr>
+          <p:nvPr>
+            <p:ph type="sldNum" sz="quarter" idx="5"/>
+          </p:nvPr>
+        </p:nvSpPr>
+        <p:spPr/>
+        <p:txBody>
+          <a:bodyPr/>
+          <a:lstStyle/>
+          <a:p>
+            <a:fld id="{F81985B3-CC42-460E-B3BD-EBD81321C544}" type="slidenum">
+              <a:rPr lang="ru-RU" smtClean="0"/>
+              <a:t>11</a:t>
+            </a:fld>
+            <a:endParaRPr lang="ru-RU"/>
+          </a:p>
+        </p:txBody>
+      </p:sp>
+    </p:spTree>
+    <p:extLst>
+      <p:ext uri="{BB962C8B-B14F-4D97-AF65-F5344CB8AC3E}">
+        <p14:creationId xmlns:p14="http://schemas.microsoft.com/office/powerpoint/2010/main" val="1176806581"/>
+      </p:ext>
+    </p:extLst>
+  </p:cSld>
+  <p:clrMapOvr>
+    <a:masterClrMapping/>
+  </p:clrMapOvr>
+</p:notes>
+</file>
+
+<file path=ppt/notesSlides/notesSlide11.xml><?xml version="1.0" encoding="utf-8"?>
+<p:notes xmlns:a="http://schemas.openxmlformats.org/drawingml/2006/main" xmlns:r="http://schemas.openxmlformats.org/officeDocument/2006/relationships" xmlns:p="http://schemas.openxmlformats.org/presentationml/2006/main">
+  <p:cSld>
+    <p:spTree>
+      <p:nvGrpSpPr>
+        <p:cNvPr id="1" name=""/>
+        <p:cNvGrpSpPr/>
+        <p:nvPr/>
+      </p:nvGrpSpPr>
+      <p:grpSpPr>
+        <a:xfrm>
+          <a:off x="0" y="0"/>
+          <a:ext cx="0" cy="0"/>
+          <a:chOff x="0" y="0"/>
+          <a:chExt cx="0" cy="0"/>
+        </a:xfrm>
+      </p:grpSpPr>
+      <p:sp>
+        <p:nvSpPr>
+          <p:cNvPr id="2" name="Образ слайда 1"/>
+          <p:cNvSpPr>
+            <a:spLocks noGrp="1" noRot="1" noChangeAspect="1"/>
+          </p:cNvSpPr>
+          <p:nvPr>
+            <p:ph type="sldImg"/>
+          </p:nvPr>
+        </p:nvSpPr>
+        <p:spPr/>
+      </p:sp>
+      <p:sp>
+        <p:nvSpPr>
+          <p:cNvPr id="3" name="Заметки 2"/>
+          <p:cNvSpPr>
+            <a:spLocks noGrp="1"/>
+          </p:cNvSpPr>
+          <p:nvPr>
+            <p:ph type="body" idx="1"/>
+          </p:nvPr>
+        </p:nvSpPr>
+        <p:spPr/>
+        <p:txBody>
+          <a:bodyPr/>
+          <a:lstStyle/>
+          <a:p>
+            <a:endParaRPr lang="ru-RU" dirty="0"/>
+          </a:p>
+        </p:txBody>
+      </p:sp>
+      <p:sp>
+        <p:nvSpPr>
+          <p:cNvPr id="4" name="Номер слайда 3"/>
+          <p:cNvSpPr>
+            <a:spLocks noGrp="1"/>
+          </p:cNvSpPr>
+          <p:nvPr>
+            <p:ph type="sldNum" sz="quarter" idx="5"/>
+          </p:nvPr>
+        </p:nvSpPr>
+        <p:spPr/>
+        <p:txBody>
+          <a:bodyPr/>
+          <a:lstStyle/>
+          <a:p>
+            <a:fld id="{F81985B3-CC42-460E-B3BD-EBD81321C544}" type="slidenum">
+              <a:rPr lang="ru-RU" smtClean="0"/>
+              <a:t>13</a:t>
+            </a:fld>
+            <a:endParaRPr lang="ru-RU"/>
+          </a:p>
+        </p:txBody>
+      </p:sp>
+    </p:spTree>
+    <p:extLst>
+      <p:ext uri="{BB962C8B-B14F-4D97-AF65-F5344CB8AC3E}">
+        <p14:creationId xmlns:p14="http://schemas.microsoft.com/office/powerpoint/2010/main" val="2290424350"/>
       </p:ext>
     </p:extLst>
   </p:cSld>
@@ -860,275 +896,23 @@
                 <a:effectLst/>
                 <a:latin typeface="+mj-lt"/>
               </a:rPr>
-              <a:t>Эндрю Пшибыльский</a:t>
-            </a:r>
-            <a:r>
-              <a:rPr lang="en-US" sz="1200" b="0" i="0" dirty="0">
+              <a:t>Люди </a:t>
+            </a:r>
+            <a:r>
+              <a:rPr lang="ru-RU" sz="1200" b="0" i="0" dirty="0" err="1">
                 <a:effectLst/>
                 <a:latin typeface="+mj-lt"/>
               </a:rPr>
-              <a:t> - </a:t>
-            </a:r>
-            <a:r>
-              <a:rPr lang="ru-RU" b="0" i="0" dirty="0">
-                <a:solidFill>
-                  <a:srgbClr val="121212"/>
-                </a:solidFill>
-                <a:effectLst/>
-                <a:latin typeface="GuardianTextEgyptian"/>
-              </a:rPr>
-              <a:t>профессор человеческого поведения и технологий в Оксфордском университете</a:t>
-            </a:r>
-            <a:r>
-              <a:rPr lang="en-US" sz="1200" b="0" i="0" dirty="0">
-                <a:solidFill>
-                  <a:srgbClr val="121212"/>
-                </a:solidFill>
-                <a:effectLst/>
-                <a:latin typeface="+mj-lt"/>
-              </a:rPr>
-              <a:t>.</a:t>
-            </a:r>
-          </a:p>
-          <a:p>
+              <a:t>обеспокоины</a:t>
+            </a:r>
             <a:r>
               <a:rPr lang="ru-RU" sz="1200" b="0" i="0" dirty="0">
                 <a:effectLst/>
                 <a:latin typeface="+mj-lt"/>
               </a:rPr>
-              <a:t>Пшибыльский скептически относился к заявлениям о том, что интернет способен влиять на уровень </a:t>
-            </a:r>
-            <a:r>
-              <a:rPr lang="en-US" sz="1200" b="0" i="0" dirty="0">
-                <a:effectLst/>
-                <a:latin typeface="+mj-lt"/>
-              </a:rPr>
-              <a:t>IQ </a:t>
-            </a:r>
-            <a:r>
-              <a:rPr lang="ru-RU" sz="1200" b="0" i="0" dirty="0">
-                <a:effectLst/>
-                <a:latin typeface="+mj-lt"/>
-              </a:rPr>
-              <a:t>человека.</a:t>
-            </a:r>
-          </a:p>
-          <a:p>
-            <a:r>
-              <a:rPr lang="ru-RU" b="0" i="0" dirty="0">
-                <a:solidFill>
-                  <a:srgbClr val="121212"/>
-                </a:solidFill>
-                <a:effectLst/>
-                <a:latin typeface="GuardianTextEgyptian"/>
-              </a:rPr>
-              <a:t>В 2023 году Пшибыльский и его коллеги изучили данные почти 12 000 детей в США в возрасте от девяти до 12 лет </a:t>
-            </a:r>
-            <a:r>
-              <a:rPr lang="ru-RU" b="0" i="0" u="none" strike="noStrike" dirty="0">
-                <a:solidFill>
-                  <a:schemeClr val="tx1"/>
-                </a:solidFill>
-                <a:effectLst/>
-                <a:latin typeface="GuardianTextEgyptian"/>
-                <a:hlinkClick r:id="rId3">
-                  <a:extLst>
-                    <a:ext uri="{A12FA001-AC4F-418D-AE19-62706E023703}">
-                      <ahyp:hlinkClr xmlns:ahyp="http://schemas.microsoft.com/office/drawing/2018/hyperlinkcolor" val="tx"/>
-                    </a:ext>
-                  </a:extLst>
-                </a:hlinkClick>
-              </a:rPr>
-              <a:t>и не обнаружили</a:t>
-            </a:r>
-            <a:r>
-              <a:rPr lang="ru-RU" b="0" i="0" u="none" dirty="0">
-                <a:solidFill>
-                  <a:schemeClr val="tx1"/>
-                </a:solidFill>
-                <a:effectLst/>
-                <a:latin typeface="GuardianTextEgyptian"/>
-              </a:rPr>
-              <a:t> </a:t>
-            </a:r>
-            <a:r>
-              <a:rPr lang="ru-RU" b="0" i="0" dirty="0">
-                <a:solidFill>
-                  <a:srgbClr val="121212"/>
-                </a:solidFill>
-                <a:effectLst/>
-                <a:latin typeface="GuardianTextEgyptian"/>
-              </a:rPr>
-              <a:t>никакого влияния экранного времени на функциональную связность.</a:t>
-            </a:r>
-          </a:p>
-          <a:p>
-            <a:r>
-              <a:rPr lang="ru-RU" b="0" i="0" dirty="0">
-                <a:solidFill>
-                  <a:srgbClr val="121212"/>
-                </a:solidFill>
-                <a:effectLst/>
-                <a:latin typeface="GuardianTextEgyptian"/>
-              </a:rPr>
-              <a:t>Они также не обнаружили негативного влияния на самооценку благополучия детей.</a:t>
-            </a:r>
-          </a:p>
-          <a:p>
-            <a:r>
-              <a:rPr lang="ru-RU" sz="1200" b="0" i="0" dirty="0">
-                <a:solidFill>
-                  <a:srgbClr val="121212"/>
-                </a:solidFill>
-                <a:effectLst/>
-                <a:latin typeface="GuardianTextEgyptian"/>
-              </a:rPr>
-              <a:t>Тем не менее, Эндрю говорит о том, что люди всегда были отвлекаемыми. </a:t>
-            </a:r>
-          </a:p>
-          <a:p>
-            <a:endParaRPr lang="ru-RU" sz="1200" b="0" i="0" dirty="0">
-              <a:solidFill>
-                <a:srgbClr val="121212"/>
-              </a:solidFill>
-              <a:effectLst/>
-              <a:latin typeface="GuardianTextEgyptian"/>
-            </a:endParaRPr>
-          </a:p>
-          <a:p>
-            <a:pPr marL="171450" indent="-171450">
-              <a:buFontTx/>
-              <a:buChar char="-"/>
-            </a:pPr>
-            <a:r>
-              <a:rPr lang="ru-RU" b="0" i="0" dirty="0">
-                <a:solidFill>
-                  <a:srgbClr val="121212"/>
-                </a:solidFill>
-                <a:effectLst/>
-                <a:latin typeface="GuardianTextEgyptian"/>
-              </a:rPr>
-              <a:t>Люди всегда были отвлекающими. Мы всегда искали утешения в мимолетном. Если вы посмотрите на историю СМИ в Великобритании, просто в качестве простого примера, то в 1940-х, 1950-х, 1960-х годах, сколько миллионов таблоидов продавалось каждый день? Ошеломляющие цифры, потому что люди баловались этим. Это то, что люди всегда делали, и мы немного моралистичны по этому поводу.</a:t>
-            </a:r>
-          </a:p>
-          <a:p>
-            <a:pPr marL="171450" indent="-171450">
-              <a:buFontTx/>
-              <a:buChar char="-"/>
-            </a:pPr>
-            <a:r>
-              <a:rPr lang="ru-RU" b="0" i="0" dirty="0">
-                <a:solidFill>
-                  <a:srgbClr val="121212"/>
-                </a:solidFill>
-                <a:effectLst/>
-                <a:latin typeface="GuardianTextEgyptian"/>
-              </a:rPr>
-              <a:t>Привела ли эпоха Интернета к увеличению числа авиакатастроф или смерти пациентов на операционных столах?</a:t>
-            </a:r>
-            <a:endParaRPr lang="ru-RU" sz="1200" b="0" i="0" dirty="0">
-              <a:solidFill>
-                <a:srgbClr val="121212"/>
-              </a:solidFill>
-              <a:effectLst/>
-              <a:latin typeface="GuardianTextEgyptian"/>
-            </a:endParaRPr>
-          </a:p>
-          <a:p>
-            <a:pPr marL="171450" indent="-171450">
-              <a:buFontTx/>
-              <a:buChar char="-"/>
-            </a:pPr>
-            <a:r>
-              <a:rPr lang="ru-RU" b="0" i="0" dirty="0">
-                <a:solidFill>
-                  <a:srgbClr val="121212"/>
-                </a:solidFill>
-                <a:effectLst/>
-                <a:latin typeface="GuardianTextEgyptian"/>
-              </a:rPr>
-              <a:t>Ответ — нет: мы намного лучше справляемся со всеми этими вещами</a:t>
-            </a:r>
-            <a:endParaRPr lang="ru-RU" sz="1200" b="0" i="0" dirty="0">
-              <a:solidFill>
-                <a:srgbClr val="121212"/>
-              </a:solidFill>
-              <a:effectLst/>
-              <a:latin typeface="GuardianTextEgyptian"/>
-            </a:endParaRPr>
-          </a:p>
-          <a:p>
-            <a:pPr marL="0" indent="0">
-              <a:buFontTx/>
-              <a:buNone/>
-            </a:pPr>
-            <a:endParaRPr lang="ru-RU" sz="1200" b="0" i="0" dirty="0">
-              <a:solidFill>
-                <a:srgbClr val="121212"/>
-              </a:solidFill>
-              <a:effectLst/>
-              <a:latin typeface="GuardianTextEgyptian"/>
-            </a:endParaRPr>
-          </a:p>
-          <a:p>
-            <a:pPr marL="0" indent="0">
-              <a:buFontTx/>
-              <a:buNone/>
-            </a:pPr>
-            <a:r>
-              <a:rPr lang="ru-RU" sz="1200" b="0" i="0" dirty="0">
-                <a:solidFill>
-                  <a:srgbClr val="121212"/>
-                </a:solidFill>
-                <a:effectLst/>
-                <a:latin typeface="GuardianTextEgyptian"/>
-              </a:rPr>
-              <a:t>Наш проект призван предупреждать отвлечение от работы или учёбы.</a:t>
-            </a:r>
-          </a:p>
-          <a:p>
-            <a:endParaRPr lang="ru-RU" sz="1200" b="0" i="0" dirty="0">
-              <a:solidFill>
-                <a:srgbClr val="121212"/>
-              </a:solidFill>
-              <a:effectLst/>
-              <a:latin typeface="GuardianTextEgyptian"/>
-            </a:endParaRPr>
-          </a:p>
-          <a:p>
-            <a:endParaRPr lang="en-US" sz="1200" b="0" i="1" dirty="0">
-              <a:effectLst/>
-              <a:latin typeface="+mj-lt"/>
-            </a:endParaRPr>
-          </a:p>
-          <a:p>
-            <a:r>
-              <a:rPr lang="ru-RU" dirty="0"/>
-              <a:t>Источники:</a:t>
-            </a:r>
-            <a:br>
-              <a:rPr lang="ru-RU" dirty="0"/>
-            </a:br>
-            <a:r>
-              <a:rPr lang="en-US" dirty="0">
-                <a:hlinkClick r:id="rId4"/>
-              </a:rPr>
-              <a:t>All in the mind? The surprising truth about brain rot | Health &amp; wellbeing | The Guardian</a:t>
-            </a:r>
-            <a:r>
-              <a:rPr lang="en-US" dirty="0"/>
-              <a:t> (https://www.theguardian.com/lifeandstyle/2025/jan/29/all-in-the-mind-the-surprising-truth-about-brain-rot)</a:t>
+              <a:t> влиянием гаджетов на человека. В современном мире наблюдается тенденция, когда дети и подростки использую мобильный телефон постоянно и не могут спокойно концентрироваться на прочих делах.</a:t>
             </a:r>
             <a:endParaRPr lang="ru-RU" dirty="0"/>
-          </a:p>
-          <a:p>
-            <a:endParaRPr lang="ru-RU" dirty="0"/>
-          </a:p>
-          <a:p>
-            <a:r>
-              <a:rPr lang="ru-RU" dirty="0"/>
-              <a:t>Черниговская (изучить)</a:t>
-            </a:r>
           </a:p>
         </p:txBody>
       </p:sp>
@@ -1380,7 +1164,97 @@
           <a:bodyPr/>
           <a:lstStyle/>
           <a:p>
-            <a:endParaRPr lang="ru-RU" dirty="0"/>
+            <a:r>
+              <a:rPr lang="ru-RU" dirty="0"/>
+              <a:t>Решение вышеописанных проблем лежит в мотивации и правильном подходе к планированию и выполнению задач.</a:t>
+            </a:r>
+          </a:p>
+        </p:txBody>
+      </p:sp>
+      <p:sp>
+        <p:nvSpPr>
+          <p:cNvPr id="4" name="Номер слайда 3"/>
+          <p:cNvSpPr>
+            <a:spLocks noGrp="1"/>
+          </p:cNvSpPr>
+          <p:nvPr>
+            <p:ph type="sldNum" sz="quarter" idx="5"/>
+          </p:nvPr>
+        </p:nvSpPr>
+        <p:spPr/>
+        <p:txBody>
+          <a:bodyPr/>
+          <a:lstStyle/>
+          <a:p>
+            <a:fld id="{F81985B3-CC42-460E-B3BD-EBD81321C544}" type="slidenum">
+              <a:rPr lang="ru-RU" smtClean="0"/>
+              <a:t>6</a:t>
+            </a:fld>
+            <a:endParaRPr lang="ru-RU"/>
+          </a:p>
+        </p:txBody>
+      </p:sp>
+    </p:spTree>
+    <p:extLst>
+      <p:ext uri="{BB962C8B-B14F-4D97-AF65-F5344CB8AC3E}">
+        <p14:creationId xmlns:p14="http://schemas.microsoft.com/office/powerpoint/2010/main" val="799243816"/>
+      </p:ext>
+    </p:extLst>
+  </p:cSld>
+  <p:clrMapOvr>
+    <a:masterClrMapping/>
+  </p:clrMapOvr>
+</p:notes>
+</file>
+
+<file path=ppt/notesSlides/notesSlide6.xml><?xml version="1.0" encoding="utf-8"?>
+<p:notes xmlns:a="http://schemas.openxmlformats.org/drawingml/2006/main" xmlns:r="http://schemas.openxmlformats.org/officeDocument/2006/relationships" xmlns:p="http://schemas.openxmlformats.org/presentationml/2006/main">
+  <p:cSld>
+    <p:spTree>
+      <p:nvGrpSpPr>
+        <p:cNvPr id="1" name=""/>
+        <p:cNvGrpSpPr/>
+        <p:nvPr/>
+      </p:nvGrpSpPr>
+      <p:grpSpPr>
+        <a:xfrm>
+          <a:off x="0" y="0"/>
+          <a:ext cx="0" cy="0"/>
+          <a:chOff x="0" y="0"/>
+          <a:chExt cx="0" cy="0"/>
+        </a:xfrm>
+      </p:grpSpPr>
+      <p:sp>
+        <p:nvSpPr>
+          <p:cNvPr id="2" name="Образ слайда 1"/>
+          <p:cNvSpPr>
+            <a:spLocks noGrp="1" noRot="1" noChangeAspect="1"/>
+          </p:cNvSpPr>
+          <p:nvPr>
+            <p:ph type="sldImg"/>
+          </p:nvPr>
+        </p:nvSpPr>
+        <p:spPr/>
+      </p:sp>
+      <p:sp>
+        <p:nvSpPr>
+          <p:cNvPr id="3" name="Заметки 2"/>
+          <p:cNvSpPr>
+            <a:spLocks noGrp="1"/>
+          </p:cNvSpPr>
+          <p:nvPr>
+            <p:ph type="body" idx="1"/>
+          </p:nvPr>
+        </p:nvSpPr>
+        <p:spPr/>
+        <p:txBody>
+          <a:bodyPr/>
+          <a:lstStyle/>
+          <a:p>
+            <a:r>
+              <a:rPr lang="ru-RU" dirty="0"/>
+              <a:t>Используйте персонажа, который авторитетен и приятен вашему глазу. </a:t>
+            </a:r>
           </a:p>
         </p:txBody>
       </p:sp>
@@ -1411,6 +1285,275 @@
     <p:extLst>
       <p:ext uri="{BB962C8B-B14F-4D97-AF65-F5344CB8AC3E}">
         <p14:creationId xmlns:p14="http://schemas.microsoft.com/office/powerpoint/2010/main" val="229807873"/>
+      </p:ext>
+    </p:extLst>
+  </p:cSld>
+  <p:clrMapOvr>
+    <a:masterClrMapping/>
+  </p:clrMapOvr>
+</p:notes>
+</file>
+
+<file path=ppt/notesSlides/notesSlide7.xml><?xml version="1.0" encoding="utf-8"?>
+<p:notes xmlns:a="http://schemas.openxmlformats.org/drawingml/2006/main" xmlns:r="http://schemas.openxmlformats.org/officeDocument/2006/relationships" xmlns:p="http://schemas.openxmlformats.org/presentationml/2006/main">
+  <p:cSld>
+    <p:spTree>
+      <p:nvGrpSpPr>
+        <p:cNvPr id="1" name=""/>
+        <p:cNvGrpSpPr/>
+        <p:nvPr/>
+      </p:nvGrpSpPr>
+      <p:grpSpPr>
+        <a:xfrm>
+          <a:off x="0" y="0"/>
+          <a:ext cx="0" cy="0"/>
+          <a:chOff x="0" y="0"/>
+          <a:chExt cx="0" cy="0"/>
+        </a:xfrm>
+      </p:grpSpPr>
+      <p:sp>
+        <p:nvSpPr>
+          <p:cNvPr id="2" name="Образ слайда 1"/>
+          <p:cNvSpPr>
+            <a:spLocks noGrp="1" noRot="1" noChangeAspect="1"/>
+          </p:cNvSpPr>
+          <p:nvPr>
+            <p:ph type="sldImg"/>
+          </p:nvPr>
+        </p:nvSpPr>
+        <p:spPr/>
+      </p:sp>
+      <p:sp>
+        <p:nvSpPr>
+          <p:cNvPr id="3" name="Заметки 2"/>
+          <p:cNvSpPr>
+            <a:spLocks noGrp="1"/>
+          </p:cNvSpPr>
+          <p:nvPr>
+            <p:ph type="body" idx="1"/>
+          </p:nvPr>
+        </p:nvSpPr>
+        <p:spPr/>
+        <p:txBody>
+          <a:bodyPr/>
+          <a:lstStyle/>
+          <a:p>
+            <a:r>
+              <a:rPr lang="ru-RU" dirty="0"/>
+              <a:t>Интеграция с популярными календарями расширит область применения и полезность продукта.</a:t>
+            </a:r>
+          </a:p>
+        </p:txBody>
+      </p:sp>
+      <p:sp>
+        <p:nvSpPr>
+          <p:cNvPr id="4" name="Номер слайда 3"/>
+          <p:cNvSpPr>
+            <a:spLocks noGrp="1"/>
+          </p:cNvSpPr>
+          <p:nvPr>
+            <p:ph type="sldNum" sz="quarter" idx="5"/>
+          </p:nvPr>
+        </p:nvSpPr>
+        <p:spPr/>
+        <p:txBody>
+          <a:bodyPr/>
+          <a:lstStyle/>
+          <a:p>
+            <a:fld id="{F81985B3-CC42-460E-B3BD-EBD81321C544}" type="slidenum">
+              <a:rPr lang="ru-RU" smtClean="0"/>
+              <a:t>8</a:t>
+            </a:fld>
+            <a:endParaRPr lang="ru-RU"/>
+          </a:p>
+        </p:txBody>
+      </p:sp>
+    </p:spTree>
+    <p:extLst>
+      <p:ext uri="{BB962C8B-B14F-4D97-AF65-F5344CB8AC3E}">
+        <p14:creationId xmlns:p14="http://schemas.microsoft.com/office/powerpoint/2010/main" val="2228422916"/>
+      </p:ext>
+    </p:extLst>
+  </p:cSld>
+  <p:clrMapOvr>
+    <a:masterClrMapping/>
+  </p:clrMapOvr>
+</p:notes>
+</file>
+
+<file path=ppt/notesSlides/notesSlide8.xml><?xml version="1.0" encoding="utf-8"?>
+<p:notes xmlns:a="http://schemas.openxmlformats.org/drawingml/2006/main" xmlns:r="http://schemas.openxmlformats.org/officeDocument/2006/relationships" xmlns:p="http://schemas.openxmlformats.org/presentationml/2006/main">
+  <p:cSld>
+    <p:spTree>
+      <p:nvGrpSpPr>
+        <p:cNvPr id="1" name=""/>
+        <p:cNvGrpSpPr/>
+        <p:nvPr/>
+      </p:nvGrpSpPr>
+      <p:grpSpPr>
+        <a:xfrm>
+          <a:off x="0" y="0"/>
+          <a:ext cx="0" cy="0"/>
+          <a:chOff x="0" y="0"/>
+          <a:chExt cx="0" cy="0"/>
+        </a:xfrm>
+      </p:grpSpPr>
+      <p:sp>
+        <p:nvSpPr>
+          <p:cNvPr id="2" name="Образ слайда 1"/>
+          <p:cNvSpPr>
+            <a:spLocks noGrp="1" noRot="1" noChangeAspect="1"/>
+          </p:cNvSpPr>
+          <p:nvPr>
+            <p:ph type="sldImg"/>
+          </p:nvPr>
+        </p:nvSpPr>
+        <p:spPr/>
+      </p:sp>
+      <p:sp>
+        <p:nvSpPr>
+          <p:cNvPr id="3" name="Заметки 2"/>
+          <p:cNvSpPr>
+            <a:spLocks noGrp="1"/>
+          </p:cNvSpPr>
+          <p:nvPr>
+            <p:ph type="body" idx="1"/>
+          </p:nvPr>
+        </p:nvSpPr>
+        <p:spPr/>
+        <p:txBody>
+          <a:bodyPr/>
+          <a:lstStyle/>
+          <a:p>
+            <a:r>
+              <a:rPr lang="ru-RU" dirty="0"/>
+              <a:t>Планировщик задач подготовит для конечного пользователя самые актуальные задачи и не будет перегружать мозг большим списком дел.</a:t>
+            </a:r>
+          </a:p>
+        </p:txBody>
+      </p:sp>
+      <p:sp>
+        <p:nvSpPr>
+          <p:cNvPr id="4" name="Номер слайда 3"/>
+          <p:cNvSpPr>
+            <a:spLocks noGrp="1"/>
+          </p:cNvSpPr>
+          <p:nvPr>
+            <p:ph type="sldNum" sz="quarter" idx="5"/>
+          </p:nvPr>
+        </p:nvSpPr>
+        <p:spPr/>
+        <p:txBody>
+          <a:bodyPr/>
+          <a:lstStyle/>
+          <a:p>
+            <a:fld id="{F81985B3-CC42-460E-B3BD-EBD81321C544}" type="slidenum">
+              <a:rPr lang="ru-RU" smtClean="0"/>
+              <a:t>9</a:t>
+            </a:fld>
+            <a:endParaRPr lang="ru-RU"/>
+          </a:p>
+        </p:txBody>
+      </p:sp>
+    </p:spTree>
+    <p:extLst>
+      <p:ext uri="{BB962C8B-B14F-4D97-AF65-F5344CB8AC3E}">
+        <p14:creationId xmlns:p14="http://schemas.microsoft.com/office/powerpoint/2010/main" val="1935675411"/>
+      </p:ext>
+    </p:extLst>
+  </p:cSld>
+  <p:clrMapOvr>
+    <a:masterClrMapping/>
+  </p:clrMapOvr>
+</p:notes>
+</file>
+
+<file path=ppt/notesSlides/notesSlide9.xml><?xml version="1.0" encoding="utf-8"?>
+<p:notes xmlns:a="http://schemas.openxmlformats.org/drawingml/2006/main" xmlns:r="http://schemas.openxmlformats.org/officeDocument/2006/relationships" xmlns:p="http://schemas.openxmlformats.org/presentationml/2006/main">
+  <p:cSld>
+    <p:spTree>
+      <p:nvGrpSpPr>
+        <p:cNvPr id="1" name=""/>
+        <p:cNvGrpSpPr/>
+        <p:nvPr/>
+      </p:nvGrpSpPr>
+      <p:grpSpPr>
+        <a:xfrm>
+          <a:off x="0" y="0"/>
+          <a:ext cx="0" cy="0"/>
+          <a:chOff x="0" y="0"/>
+          <a:chExt cx="0" cy="0"/>
+        </a:xfrm>
+      </p:grpSpPr>
+      <p:sp>
+        <p:nvSpPr>
+          <p:cNvPr id="2" name="Образ слайда 1"/>
+          <p:cNvSpPr>
+            <a:spLocks noGrp="1" noRot="1" noChangeAspect="1"/>
+          </p:cNvSpPr>
+          <p:nvPr>
+            <p:ph type="sldImg"/>
+          </p:nvPr>
+        </p:nvSpPr>
+        <p:spPr/>
+      </p:sp>
+      <p:sp>
+        <p:nvSpPr>
+          <p:cNvPr id="3" name="Заметки 2"/>
+          <p:cNvSpPr>
+            <a:spLocks noGrp="1"/>
+          </p:cNvSpPr>
+          <p:nvPr>
+            <p:ph type="body" idx="1"/>
+          </p:nvPr>
+        </p:nvSpPr>
+        <p:spPr/>
+        <p:txBody>
+          <a:bodyPr/>
+          <a:lstStyle/>
+          <a:p>
+            <a:r>
+              <a:rPr lang="ru-RU" dirty="0"/>
+              <a:t>Виртуальный куратор не позволит вам отвлекаться на «</a:t>
+            </a:r>
+            <a:r>
+              <a:rPr lang="ru-RU" dirty="0" err="1"/>
+              <a:t>брейнрот</a:t>
+            </a:r>
+            <a:r>
+              <a:rPr lang="ru-RU" dirty="0"/>
+              <a:t>», а сосредоточит вас на важных делах</a:t>
+            </a:r>
+          </a:p>
+        </p:txBody>
+      </p:sp>
+      <p:sp>
+        <p:nvSpPr>
+          <p:cNvPr id="4" name="Номер слайда 3"/>
+          <p:cNvSpPr>
+            <a:spLocks noGrp="1"/>
+          </p:cNvSpPr>
+          <p:nvPr>
+            <p:ph type="sldNum" sz="quarter" idx="5"/>
+          </p:nvPr>
+        </p:nvSpPr>
+        <p:spPr/>
+        <p:txBody>
+          <a:bodyPr/>
+          <a:lstStyle/>
+          <a:p>
+            <a:fld id="{F81985B3-CC42-460E-B3BD-EBD81321C544}" type="slidenum">
+              <a:rPr lang="ru-RU" smtClean="0"/>
+              <a:t>10</a:t>
+            </a:fld>
+            <a:endParaRPr lang="ru-RU"/>
+          </a:p>
+        </p:txBody>
+      </p:sp>
+    </p:spTree>
+    <p:extLst>
+      <p:ext uri="{BB962C8B-B14F-4D97-AF65-F5344CB8AC3E}">
+        <p14:creationId xmlns:p14="http://schemas.microsoft.com/office/powerpoint/2010/main" val="2660990381"/>
       </p:ext>
     </p:extLst>
   </p:cSld>
@@ -1567,7 +1710,7 @@
           <a:p>
             <a:fld id="{49B16F87-269C-4B9D-ACFD-A2D4D9F1DCB9}" type="datetimeFigureOut">
               <a:rPr lang="ru-RU" smtClean="0"/>
-              <a:t>24.03.2025</a:t>
+              <a:t>25.03.2025</a:t>
             </a:fld>
             <a:endParaRPr lang="ru-RU"/>
           </a:p>
@@ -1765,7 +1908,7 @@
           <a:p>
             <a:fld id="{49B16F87-269C-4B9D-ACFD-A2D4D9F1DCB9}" type="datetimeFigureOut">
               <a:rPr lang="ru-RU" smtClean="0"/>
-              <a:t>24.03.2025</a:t>
+              <a:t>25.03.2025</a:t>
             </a:fld>
             <a:endParaRPr lang="ru-RU"/>
           </a:p>
@@ -1973,7 +2116,7 @@
           <a:p>
             <a:fld id="{49B16F87-269C-4B9D-ACFD-A2D4D9F1DCB9}" type="datetimeFigureOut">
               <a:rPr lang="ru-RU" smtClean="0"/>
-              <a:t>24.03.2025</a:t>
+              <a:t>25.03.2025</a:t>
             </a:fld>
             <a:endParaRPr lang="ru-RU"/>
           </a:p>
@@ -2171,7 +2314,7 @@
           <a:p>
             <a:fld id="{49B16F87-269C-4B9D-ACFD-A2D4D9F1DCB9}" type="datetimeFigureOut">
               <a:rPr lang="ru-RU" smtClean="0"/>
-              <a:t>24.03.2025</a:t>
+              <a:t>25.03.2025</a:t>
             </a:fld>
             <a:endParaRPr lang="ru-RU"/>
           </a:p>
@@ -2446,7 +2589,7 @@
           <a:p>
             <a:fld id="{49B16F87-269C-4B9D-ACFD-A2D4D9F1DCB9}" type="datetimeFigureOut">
               <a:rPr lang="ru-RU" smtClean="0"/>
-              <a:t>24.03.2025</a:t>
+              <a:t>25.03.2025</a:t>
             </a:fld>
             <a:endParaRPr lang="ru-RU"/>
           </a:p>
@@ -2711,7 +2854,7 @@
           <a:p>
             <a:fld id="{49B16F87-269C-4B9D-ACFD-A2D4D9F1DCB9}" type="datetimeFigureOut">
               <a:rPr lang="ru-RU" smtClean="0"/>
-              <a:t>24.03.2025</a:t>
+              <a:t>25.03.2025</a:t>
             </a:fld>
             <a:endParaRPr lang="ru-RU"/>
           </a:p>
@@ -3123,7 +3266,7 @@
           <a:p>
             <a:fld id="{49B16F87-269C-4B9D-ACFD-A2D4D9F1DCB9}" type="datetimeFigureOut">
               <a:rPr lang="ru-RU" smtClean="0"/>
-              <a:t>24.03.2025</a:t>
+              <a:t>25.03.2025</a:t>
             </a:fld>
             <a:endParaRPr lang="ru-RU"/>
           </a:p>
@@ -3264,7 +3407,7 @@
           <a:p>
             <a:fld id="{49B16F87-269C-4B9D-ACFD-A2D4D9F1DCB9}" type="datetimeFigureOut">
               <a:rPr lang="ru-RU" smtClean="0"/>
-              <a:t>24.03.2025</a:t>
+              <a:t>25.03.2025</a:t>
             </a:fld>
             <a:endParaRPr lang="ru-RU"/>
           </a:p>
@@ -3377,7 +3520,7 @@
           <a:p>
             <a:fld id="{49B16F87-269C-4B9D-ACFD-A2D4D9F1DCB9}" type="datetimeFigureOut">
               <a:rPr lang="ru-RU" smtClean="0"/>
-              <a:t>24.03.2025</a:t>
+              <a:t>25.03.2025</a:t>
             </a:fld>
             <a:endParaRPr lang="ru-RU"/>
           </a:p>
@@ -3704,7 +3847,7 @@
           <a:p>
             <a:fld id="{49B16F87-269C-4B9D-ACFD-A2D4D9F1DCB9}" type="datetimeFigureOut">
               <a:rPr lang="ru-RU" smtClean="0"/>
-              <a:t>24.03.2025</a:t>
+              <a:t>25.03.2025</a:t>
             </a:fld>
             <a:endParaRPr lang="ru-RU"/>
           </a:p>
@@ -3992,7 +4135,7 @@
           <a:p>
             <a:fld id="{49B16F87-269C-4B9D-ACFD-A2D4D9F1DCB9}" type="datetimeFigureOut">
               <a:rPr lang="ru-RU" smtClean="0"/>
-              <a:t>24.03.2025</a:t>
+              <a:t>25.03.2025</a:t>
             </a:fld>
             <a:endParaRPr lang="ru-RU"/>
           </a:p>
@@ -4233,7 +4376,7 @@
           <a:p>
             <a:fld id="{49B16F87-269C-4B9D-ACFD-A2D4D9F1DCB9}" type="datetimeFigureOut">
               <a:rPr lang="ru-RU" smtClean="0"/>
-              <a:t>24.03.2025</a:t>
+              <a:t>25.03.2025</a:t>
             </a:fld>
             <a:endParaRPr lang="ru-RU"/>
           </a:p>
@@ -5040,7 +5183,7 @@
           <p:nvPr/>
         </p:nvPicPr>
         <p:blipFill rotWithShape="1">
-          <a:blip r:embed="rId2">
+          <a:blip r:embed="rId3">
             <a:extLst>
               <a:ext uri="{28A0092B-C50C-407E-A947-70E740481C1C}">
                 <a14:useLocalDpi xmlns:a14="http://schemas.microsoft.com/office/drawing/2010/main" val="0"/>
@@ -5085,11 +5228,11 @@
           <p:nvPr/>
         </p:nvPicPr>
         <p:blipFill>
-          <a:blip r:embed="rId3">
+          <a:blip r:embed="rId4">
             <a:extLst>
               <a:ext uri="{BEBA8EAE-BF5A-486C-A8C5-ECC9F3942E4B}">
                 <a14:imgProps xmlns:a14="http://schemas.microsoft.com/office/drawing/2010/main">
-                  <a14:imgLayer r:embed="rId4">
+                  <a14:imgLayer r:embed="rId5">
                     <a14:imgEffect>
                       <a14:backgroundRemoval t="10000" b="97778" l="3778" r="95333">
                         <a14:foregroundMark x1="12444" y1="39778" x2="14444" y2="42667"/>
@@ -5171,7 +5314,7 @@
           <p:nvPr/>
         </p:nvPicPr>
         <p:blipFill rotWithShape="1">
-          <a:blip r:embed="rId5">
+          <a:blip r:embed="rId6">
             <a:extLst>
               <a:ext uri="{28A0092B-C50C-407E-A947-70E740481C1C}">
                 <a14:useLocalDpi xmlns:a14="http://schemas.microsoft.com/office/drawing/2010/main" val="0"/>
@@ -5532,7 +5675,7 @@
           <p:nvPr/>
         </p:nvPicPr>
         <p:blipFill>
-          <a:blip r:embed="rId2"/>
+          <a:blip r:embed="rId3"/>
           <a:stretch>
             <a:fillRect/>
           </a:stretch>
@@ -5562,7 +5705,7 @@
           <p:nvPr/>
         </p:nvPicPr>
         <p:blipFill>
-          <a:blip r:embed="rId3"/>
+          <a:blip r:embed="rId4"/>
           <a:stretch>
             <a:fillRect/>
           </a:stretch>
@@ -5592,7 +5735,7 @@
           <p:nvPr/>
         </p:nvPicPr>
         <p:blipFill>
-          <a:blip r:embed="rId4"/>
+          <a:blip r:embed="rId5"/>
           <a:stretch>
             <a:fillRect/>
           </a:stretch>
@@ -6334,7 +6477,7 @@
           <p:nvPr/>
         </p:nvPicPr>
         <p:blipFill rotWithShape="1">
-          <a:blip r:embed="rId2"/>
+          <a:blip r:embed="rId3"/>
           <a:srcRect l="26546" t="5937" r="8570" b="45956"/>
           <a:stretch/>
         </p:blipFill>
@@ -6363,7 +6506,7 @@
           <p:nvPr/>
         </p:nvPicPr>
         <p:blipFill rotWithShape="1">
-          <a:blip r:embed="rId3">
+          <a:blip r:embed="rId4">
             <a:extLst>
               <a:ext uri="{28A0092B-C50C-407E-A947-70E740481C1C}">
                 <a14:useLocalDpi xmlns:a14="http://schemas.microsoft.com/office/drawing/2010/main" val="0"/>
@@ -7733,7 +7876,7 @@
           <p:nvPr/>
         </p:nvPicPr>
         <p:blipFill rotWithShape="1">
-          <a:blip r:embed="rId2">
+          <a:blip r:embed="rId3">
             <a:extLst>
               <a:ext uri="{28A0092B-C50C-407E-A947-70E740481C1C}">
                 <a14:useLocalDpi xmlns:a14="http://schemas.microsoft.com/office/drawing/2010/main" val="0"/>
@@ -7778,11 +7921,11 @@
           <p:nvPr/>
         </p:nvPicPr>
         <p:blipFill>
-          <a:blip r:embed="rId3">
+          <a:blip r:embed="rId4">
             <a:extLst>
               <a:ext uri="{BEBA8EAE-BF5A-486C-A8C5-ECC9F3942E4B}">
                 <a14:imgProps xmlns:a14="http://schemas.microsoft.com/office/drawing/2010/main">
-                  <a14:imgLayer r:embed="rId4">
+                  <a14:imgLayer r:embed="rId5">
                     <a14:imgEffect>
                       <a14:backgroundRemoval t="10000" b="90000" l="10000" r="90000">
                         <a14:foregroundMark x1="43770" y1="18211" x2="43770" y2="18211"/>
@@ -8194,7 +8337,7 @@
           <p:nvPr/>
         </p:nvPicPr>
         <p:blipFill rotWithShape="1">
-          <a:blip r:embed="rId2">
+          <a:blip r:embed="rId3">
             <a:extLst>
               <a:ext uri="{28A0092B-C50C-407E-A947-70E740481C1C}">
                 <a14:useLocalDpi xmlns:a14="http://schemas.microsoft.com/office/drawing/2010/main" val="0"/>
@@ -8239,11 +8382,11 @@
           <p:nvPr/>
         </p:nvPicPr>
         <p:blipFill rotWithShape="1">
-          <a:blip r:embed="rId3">
+          <a:blip r:embed="rId4">
             <a:extLst>
               <a:ext uri="{BEBA8EAE-BF5A-486C-A8C5-ECC9F3942E4B}">
                 <a14:imgProps xmlns:a14="http://schemas.microsoft.com/office/drawing/2010/main">
-                  <a14:imgLayer r:embed="rId4">
+                  <a14:imgLayer r:embed="rId5">
                     <a14:imgEffect>
                       <a14:backgroundRemoval t="66454" b="82748" l="58946" r="91374">
                         <a14:foregroundMark x1="63259" y1="69489" x2="64696" y2="70128"/>
@@ -8476,7 +8619,7 @@
           <p:nvPr/>
         </p:nvPicPr>
         <p:blipFill rotWithShape="1">
-          <a:blip r:embed="rId2">
+          <a:blip r:embed="rId3">
             <a:extLst>
               <a:ext uri="{28A0092B-C50C-407E-A947-70E740481C1C}">
                 <a14:useLocalDpi xmlns:a14="http://schemas.microsoft.com/office/drawing/2010/main" val="0"/>
@@ -8644,11 +8787,11 @@
           <p:nvPr/>
         </p:nvPicPr>
         <p:blipFill>
-          <a:blip r:embed="rId3">
+          <a:blip r:embed="rId4">
             <a:extLst>
               <a:ext uri="{BEBA8EAE-BF5A-486C-A8C5-ECC9F3942E4B}">
                 <a14:imgProps xmlns:a14="http://schemas.microsoft.com/office/drawing/2010/main">
-                  <a14:imgLayer r:embed="rId4">
+                  <a14:imgLayer r:embed="rId5">
                     <a14:imgEffect>
                       <a14:backgroundRemoval t="5911" b="92812" l="9620" r="89933">
                         <a14:foregroundMark x1="35570" y1="20128" x2="55705" y2="22204"/>
@@ -8773,11 +8916,11 @@
             <p:nvPr/>
           </p:nvPicPr>
           <p:blipFill>
-            <a:blip r:embed="rId5">
+            <a:blip r:embed="rId6">
               <a:extLst>
                 <a:ext uri="{BEBA8EAE-BF5A-486C-A8C5-ECC9F3942E4B}">
                   <a14:imgProps xmlns:a14="http://schemas.microsoft.com/office/drawing/2010/main">
-                    <a14:imgLayer r:embed="rId6">
+                    <a14:imgLayer r:embed="rId7">
                       <a14:imgEffect>
                         <a14:backgroundRemoval t="10000" b="90000" l="10000" r="90000"/>
                       </a14:imgEffect>
@@ -8829,11 +8972,11 @@
             <p:nvPr/>
           </p:nvPicPr>
           <p:blipFill>
-            <a:blip r:embed="rId5">
+            <a:blip r:embed="rId6">
               <a:extLst>
                 <a:ext uri="{BEBA8EAE-BF5A-486C-A8C5-ECC9F3942E4B}">
                   <a14:imgProps xmlns:a14="http://schemas.microsoft.com/office/drawing/2010/main">
-                    <a14:imgLayer r:embed="rId6">
+                    <a14:imgLayer r:embed="rId7">
                       <a14:imgEffect>
                         <a14:backgroundRemoval t="10000" b="90000" l="10000" r="90000"/>
                       </a14:imgEffect>
@@ -8885,11 +9028,11 @@
             <p:nvPr/>
           </p:nvPicPr>
           <p:blipFill>
-            <a:blip r:embed="rId5">
+            <a:blip r:embed="rId6">
               <a:extLst>
                 <a:ext uri="{BEBA8EAE-BF5A-486C-A8C5-ECC9F3942E4B}">
                   <a14:imgProps xmlns:a14="http://schemas.microsoft.com/office/drawing/2010/main">
-                    <a14:imgLayer r:embed="rId6">
+                    <a14:imgLayer r:embed="rId7">
                       <a14:imgEffect>
                         <a14:backgroundRemoval t="10000" b="90000" l="10000" r="90000"/>
                       </a14:imgEffect>
@@ -8941,11 +9084,11 @@
             <p:nvPr/>
           </p:nvPicPr>
           <p:blipFill>
-            <a:blip r:embed="rId5">
+            <a:blip r:embed="rId6">
               <a:extLst>
                 <a:ext uri="{BEBA8EAE-BF5A-486C-A8C5-ECC9F3942E4B}">
                   <a14:imgProps xmlns:a14="http://schemas.microsoft.com/office/drawing/2010/main">
-                    <a14:imgLayer r:embed="rId6">
+                    <a14:imgLayer r:embed="rId7">
                       <a14:imgEffect>
                         <a14:backgroundRemoval t="10000" b="90000" l="10000" r="90000"/>
                       </a14:imgEffect>

--- a/Docs/Presentation.pptx
+++ b/Docs/Presentation.pptx
@@ -153,7 +153,7 @@
             <a:srgbClr val="A4A3A4"/>
           </p15:clr>
         </p15:guide>
-        <p15:guide id="7" orient="horz" pos="4110" userDrawn="1">
+        <p15:guide id="7" orient="horz" pos="4088" userDrawn="1">
           <p15:clr>
             <a:srgbClr val="A4A3A4"/>
           </p15:clr>
@@ -266,7 +266,7 @@
           <a:p>
             <a:fld id="{05D31001-4353-44D7-B9FE-795F8DC7CA7D}" type="datetimeFigureOut">
               <a:rPr lang="ru-RU" smtClean="0"/>
-              <a:t>25.03.2025</a:t>
+              <a:t>03.04.2025</a:t>
             </a:fld>
             <a:endParaRPr lang="ru-RU"/>
           </a:p>
@@ -1710,7 +1710,7 @@
           <a:p>
             <a:fld id="{49B16F87-269C-4B9D-ACFD-A2D4D9F1DCB9}" type="datetimeFigureOut">
               <a:rPr lang="ru-RU" smtClean="0"/>
-              <a:t>25.03.2025</a:t>
+              <a:t>03.04.2025</a:t>
             </a:fld>
             <a:endParaRPr lang="ru-RU"/>
           </a:p>
@@ -1908,7 +1908,7 @@
           <a:p>
             <a:fld id="{49B16F87-269C-4B9D-ACFD-A2D4D9F1DCB9}" type="datetimeFigureOut">
               <a:rPr lang="ru-RU" smtClean="0"/>
-              <a:t>25.03.2025</a:t>
+              <a:t>03.04.2025</a:t>
             </a:fld>
             <a:endParaRPr lang="ru-RU"/>
           </a:p>
@@ -2116,7 +2116,7 @@
           <a:p>
             <a:fld id="{49B16F87-269C-4B9D-ACFD-A2D4D9F1DCB9}" type="datetimeFigureOut">
               <a:rPr lang="ru-RU" smtClean="0"/>
-              <a:t>25.03.2025</a:t>
+              <a:t>03.04.2025</a:t>
             </a:fld>
             <a:endParaRPr lang="ru-RU"/>
           </a:p>
@@ -2314,7 +2314,7 @@
           <a:p>
             <a:fld id="{49B16F87-269C-4B9D-ACFD-A2D4D9F1DCB9}" type="datetimeFigureOut">
               <a:rPr lang="ru-RU" smtClean="0"/>
-              <a:t>25.03.2025</a:t>
+              <a:t>03.04.2025</a:t>
             </a:fld>
             <a:endParaRPr lang="ru-RU"/>
           </a:p>
@@ -2589,7 +2589,7 @@
           <a:p>
             <a:fld id="{49B16F87-269C-4B9D-ACFD-A2D4D9F1DCB9}" type="datetimeFigureOut">
               <a:rPr lang="ru-RU" smtClean="0"/>
-              <a:t>25.03.2025</a:t>
+              <a:t>03.04.2025</a:t>
             </a:fld>
             <a:endParaRPr lang="ru-RU"/>
           </a:p>
@@ -2854,7 +2854,7 @@
           <a:p>
             <a:fld id="{49B16F87-269C-4B9D-ACFD-A2D4D9F1DCB9}" type="datetimeFigureOut">
               <a:rPr lang="ru-RU" smtClean="0"/>
-              <a:t>25.03.2025</a:t>
+              <a:t>03.04.2025</a:t>
             </a:fld>
             <a:endParaRPr lang="ru-RU"/>
           </a:p>
@@ -3266,7 +3266,7 @@
           <a:p>
             <a:fld id="{49B16F87-269C-4B9D-ACFD-A2D4D9F1DCB9}" type="datetimeFigureOut">
               <a:rPr lang="ru-RU" smtClean="0"/>
-              <a:t>25.03.2025</a:t>
+              <a:t>03.04.2025</a:t>
             </a:fld>
             <a:endParaRPr lang="ru-RU"/>
           </a:p>
@@ -3407,7 +3407,7 @@
           <a:p>
             <a:fld id="{49B16F87-269C-4B9D-ACFD-A2D4D9F1DCB9}" type="datetimeFigureOut">
               <a:rPr lang="ru-RU" smtClean="0"/>
-              <a:t>25.03.2025</a:t>
+              <a:t>03.04.2025</a:t>
             </a:fld>
             <a:endParaRPr lang="ru-RU"/>
           </a:p>
@@ -3520,7 +3520,7 @@
           <a:p>
             <a:fld id="{49B16F87-269C-4B9D-ACFD-A2D4D9F1DCB9}" type="datetimeFigureOut">
               <a:rPr lang="ru-RU" smtClean="0"/>
-              <a:t>25.03.2025</a:t>
+              <a:t>03.04.2025</a:t>
             </a:fld>
             <a:endParaRPr lang="ru-RU"/>
           </a:p>
@@ -3847,7 +3847,7 @@
           <a:p>
             <a:fld id="{49B16F87-269C-4B9D-ACFD-A2D4D9F1DCB9}" type="datetimeFigureOut">
               <a:rPr lang="ru-RU" smtClean="0"/>
-              <a:t>25.03.2025</a:t>
+              <a:t>03.04.2025</a:t>
             </a:fld>
             <a:endParaRPr lang="ru-RU"/>
           </a:p>
@@ -4135,7 +4135,7 @@
           <a:p>
             <a:fld id="{49B16F87-269C-4B9D-ACFD-A2D4D9F1DCB9}" type="datetimeFigureOut">
               <a:rPr lang="ru-RU" smtClean="0"/>
-              <a:t>25.03.2025</a:t>
+              <a:t>03.04.2025</a:t>
             </a:fld>
             <a:endParaRPr lang="ru-RU"/>
           </a:p>
@@ -4376,7 +4376,7 @@
           <a:p>
             <a:fld id="{49B16F87-269C-4B9D-ACFD-A2D4D9F1DCB9}" type="datetimeFigureOut">
               <a:rPr lang="ru-RU" smtClean="0"/>
-              <a:t>25.03.2025</a:t>
+              <a:t>03.04.2025</a:t>
             </a:fld>
             <a:endParaRPr lang="ru-RU"/>
           </a:p>
@@ -6491,41 +6491,6 @@
           </a:prstGeom>
         </p:spPr>
       </p:pic>
-      <p:pic>
-        <p:nvPicPr>
-          <p:cNvPr id="6" name="Рисунок 5">
-            <a:extLst>
-              <a:ext uri="{FF2B5EF4-FFF2-40B4-BE49-F238E27FC236}">
-                <a16:creationId xmlns:a16="http://schemas.microsoft.com/office/drawing/2014/main" id="{ABD047B6-88A1-F7B1-3F19-4E46D055567A}"/>
-              </a:ext>
-            </a:extLst>
-          </p:cNvPr>
-          <p:cNvPicPr>
-            <a:picLocks noChangeAspect="1"/>
-          </p:cNvPicPr>
-          <p:nvPr/>
-        </p:nvPicPr>
-        <p:blipFill rotWithShape="1">
-          <a:blip r:embed="rId4">
-            <a:extLst>
-              <a:ext uri="{28A0092B-C50C-407E-A947-70E740481C1C}">
-                <a14:useLocalDpi xmlns:a14="http://schemas.microsoft.com/office/drawing/2010/main" val="0"/>
-              </a:ext>
-            </a:extLst>
-          </a:blip>
-          <a:srcRect l="1786" r="1786"/>
-          <a:stretch/>
-        </p:blipFill>
-        <p:spPr>
-          <a:xfrm>
-            <a:off x="7934185" y="1991595"/>
-            <a:ext cx="2156106" cy="2874808"/>
-          </a:xfrm>
-          <a:prstGeom prst="rect">
-            <a:avLst/>
-          </a:prstGeom>
-        </p:spPr>
-      </p:pic>
       <p:sp>
         <p:nvSpPr>
           <p:cNvPr id="7" name="TextBox 6">
@@ -6588,12 +6553,147 @@
           </a:p>
         </p:txBody>
       </p:sp>
-      <p:sp>
-        <p:nvSpPr>
-          <p:cNvPr id="8" name="TextBox 7">
-            <a:extLst>
-              <a:ext uri="{FF2B5EF4-FFF2-40B4-BE49-F238E27FC236}">
-                <a16:creationId xmlns:a16="http://schemas.microsoft.com/office/drawing/2014/main" id="{3E1C5DE1-1D83-BA7B-8C4F-29C17E82E9D0}"/>
+      <p:grpSp>
+        <p:nvGrpSpPr>
+          <p:cNvPr id="2" name="Группа 1">
+            <a:extLst>
+              <a:ext uri="{FF2B5EF4-FFF2-40B4-BE49-F238E27FC236}">
+                <a16:creationId xmlns:a16="http://schemas.microsoft.com/office/drawing/2014/main" id="{920C5078-D253-46F6-B02B-2D3169C1247F}"/>
+              </a:ext>
+            </a:extLst>
+          </p:cNvPr>
+          <p:cNvGrpSpPr/>
+          <p:nvPr/>
+        </p:nvGrpSpPr>
+        <p:grpSpPr>
+          <a:xfrm>
+            <a:off x="3341688" y="1991591"/>
+            <a:ext cx="5508623" cy="3798137"/>
+            <a:chOff x="6275388" y="1991595"/>
+            <a:chExt cx="5508623" cy="3798137"/>
+          </a:xfrm>
+        </p:grpSpPr>
+        <p:pic>
+          <p:nvPicPr>
+            <p:cNvPr id="6" name="Рисунок 5">
+              <a:extLst>
+                <a:ext uri="{FF2B5EF4-FFF2-40B4-BE49-F238E27FC236}">
+                  <a16:creationId xmlns:a16="http://schemas.microsoft.com/office/drawing/2014/main" id="{ABD047B6-88A1-F7B1-3F19-4E46D055567A}"/>
+                </a:ext>
+              </a:extLst>
+            </p:cNvPr>
+            <p:cNvPicPr>
+              <a:picLocks noChangeAspect="1"/>
+            </p:cNvPicPr>
+            <p:nvPr/>
+          </p:nvPicPr>
+          <p:blipFill rotWithShape="1">
+            <a:blip r:embed="rId4">
+              <a:extLst>
+                <a:ext uri="{28A0092B-C50C-407E-A947-70E740481C1C}">
+                  <a14:useLocalDpi xmlns:a14="http://schemas.microsoft.com/office/drawing/2010/main" val="0"/>
+                </a:ext>
+              </a:extLst>
+            </a:blip>
+            <a:srcRect l="1786" r="1786"/>
+            <a:stretch/>
+          </p:blipFill>
+          <p:spPr>
+            <a:xfrm>
+              <a:off x="7934185" y="1991595"/>
+              <a:ext cx="2156106" cy="2874808"/>
+            </a:xfrm>
+            <a:prstGeom prst="rect">
+              <a:avLst/>
+            </a:prstGeom>
+          </p:spPr>
+        </p:pic>
+        <p:sp>
+          <p:nvSpPr>
+            <p:cNvPr id="8" name="TextBox 7">
+              <a:extLst>
+                <a:ext uri="{FF2B5EF4-FFF2-40B4-BE49-F238E27FC236}">
+                  <a16:creationId xmlns:a16="http://schemas.microsoft.com/office/drawing/2014/main" id="{3E1C5DE1-1D83-BA7B-8C4F-29C17E82E9D0}"/>
+                </a:ext>
+              </a:extLst>
+            </p:cNvPr>
+            <p:cNvSpPr txBox="1"/>
+            <p:nvPr/>
+          </p:nvSpPr>
+          <p:spPr>
+            <a:xfrm>
+              <a:off x="6275388" y="4866402"/>
+              <a:ext cx="5508623" cy="923330"/>
+            </a:xfrm>
+            <a:prstGeom prst="rect">
+              <a:avLst/>
+            </a:prstGeom>
+            <a:noFill/>
+          </p:spPr>
+          <p:txBody>
+            <a:bodyPr wrap="square" rtlCol="0">
+              <a:spAutoFit/>
+            </a:bodyPr>
+            <a:lstStyle/>
+            <a:p>
+              <a:pPr algn="ctr"/>
+              <a:r>
+                <a:rPr lang="ru-RU" b="1" dirty="0"/>
+                <a:t>Коновалов Андрей</a:t>
+              </a:r>
+              <a:br>
+                <a:rPr lang="ru-RU" b="1" dirty="0"/>
+              </a:br>
+              <a:r>
+                <a:rPr lang="ru-RU" dirty="0"/>
+                <a:t>Лидер</a:t>
+              </a:r>
+            </a:p>
+            <a:p>
+              <a:pPr algn="ctr"/>
+              <a:r>
+                <a:rPr lang="ru-RU" dirty="0"/>
+                <a:t>Программист-технолог</a:t>
+              </a:r>
+            </a:p>
+          </p:txBody>
+        </p:sp>
+      </p:grpSp>
+      <p:pic>
+        <p:nvPicPr>
+          <p:cNvPr id="5" name="Рисунок 4">
+            <a:extLst>
+              <a:ext uri="{FF2B5EF4-FFF2-40B4-BE49-F238E27FC236}">
+                <a16:creationId xmlns:a16="http://schemas.microsoft.com/office/drawing/2014/main" id="{ADB1CE5D-FB6A-4599-8E0A-9AA56A634DBA}"/>
+              </a:ext>
+            </a:extLst>
+          </p:cNvPr>
+          <p:cNvPicPr>
+            <a:picLocks noChangeAspect="1"/>
+          </p:cNvPicPr>
+          <p:nvPr/>
+        </p:nvPicPr>
+        <p:blipFill rotWithShape="1">
+          <a:blip r:embed="rId5"/>
+          <a:srcRect l="26310" t="17714" r="22494" b="20004"/>
+          <a:stretch/>
+        </p:blipFill>
+        <p:spPr>
+          <a:xfrm>
+            <a:off x="7899260" y="1991587"/>
+            <a:ext cx="2156108" cy="2874810"/>
+          </a:xfrm>
+          <a:prstGeom prst="rect">
+            <a:avLst/>
+          </a:prstGeom>
+        </p:spPr>
+      </p:pic>
+      <p:sp>
+        <p:nvSpPr>
+          <p:cNvPr id="10" name="TextBox 9">
+            <a:extLst>
+              <a:ext uri="{FF2B5EF4-FFF2-40B4-BE49-F238E27FC236}">
+                <a16:creationId xmlns:a16="http://schemas.microsoft.com/office/drawing/2014/main" id="{416DBA53-F0D4-474A-B64B-6473834DE76E}"/>
               </a:ext>
             </a:extLst>
           </p:cNvPr>
@@ -6602,8 +6702,8 @@
         </p:nvSpPr>
         <p:spPr>
           <a:xfrm>
-            <a:off x="6275388" y="4866402"/>
-            <a:ext cx="5508623" cy="923330"/>
+            <a:off x="6275390" y="4893393"/>
+            <a:ext cx="5508623" cy="1477328"/>
           </a:xfrm>
           <a:prstGeom prst="rect">
             <a:avLst/>
@@ -6619,22 +6719,33 @@
             <a:pPr algn="ctr"/>
             <a:r>
               <a:rPr lang="ru-RU" b="1" dirty="0"/>
-              <a:t>Коновалов Андрей</a:t>
+              <a:t>Зарубин Антон</a:t>
+            </a:r>
+          </a:p>
+          <a:p>
+            <a:pPr algn="ctr"/>
+            <a:r>
+              <a:rPr lang="ru-RU" dirty="0"/>
+              <a:t>Экономист</a:t>
+            </a:r>
+          </a:p>
+          <a:p>
+            <a:pPr algn="ctr"/>
+            <a:r>
+              <a:rPr lang="ru-RU" dirty="0"/>
+              <a:t>Программист</a:t>
+            </a:r>
+          </a:p>
+          <a:p>
+            <a:pPr algn="ctr"/>
+            <a:r>
+              <a:rPr lang="ru-RU" dirty="0"/>
+              <a:t>Дизайнер</a:t>
             </a:r>
             <a:br>
-              <a:rPr lang="ru-RU" b="1" dirty="0"/>
+              <a:rPr lang="ru-RU" dirty="0"/>
             </a:br>
-            <a:r>
-              <a:rPr lang="ru-RU" dirty="0"/>
-              <a:t>Лидер</a:t>
-            </a:r>
-          </a:p>
-          <a:p>
-            <a:pPr algn="ctr"/>
-            <a:r>
-              <a:rPr lang="ru-RU" dirty="0"/>
-              <a:t>Программист-технолог</a:t>
-            </a:r>
+            <a:endParaRPr lang="ru-RU" dirty="0"/>
           </a:p>
         </p:txBody>
       </p:sp>
